--- a/機器學習.pptx
+++ b/機器學習.pptx
@@ -8,17 +8,18 @@
     <p:sldId id="256" r:id="rId2"/>
     <p:sldId id="257" r:id="rId3"/>
     <p:sldId id="258" r:id="rId4"/>
-    <p:sldId id="259" r:id="rId5"/>
-    <p:sldId id="260" r:id="rId6"/>
-    <p:sldId id="261" r:id="rId7"/>
-    <p:sldId id="262" r:id="rId8"/>
-    <p:sldId id="263" r:id="rId9"/>
-    <p:sldId id="264" r:id="rId10"/>
-    <p:sldId id="265" r:id="rId11"/>
-    <p:sldId id="266" r:id="rId12"/>
-    <p:sldId id="267" r:id="rId13"/>
-    <p:sldId id="268" r:id="rId14"/>
-    <p:sldId id="269" r:id="rId15"/>
+    <p:sldId id="270" r:id="rId5"/>
+    <p:sldId id="259" r:id="rId6"/>
+    <p:sldId id="260" r:id="rId7"/>
+    <p:sldId id="261" r:id="rId8"/>
+    <p:sldId id="262" r:id="rId9"/>
+    <p:sldId id="263" r:id="rId10"/>
+    <p:sldId id="264" r:id="rId11"/>
+    <p:sldId id="265" r:id="rId12"/>
+    <p:sldId id="266" r:id="rId13"/>
+    <p:sldId id="267" r:id="rId14"/>
+    <p:sldId id="268" r:id="rId15"/>
+    <p:sldId id="269" r:id="rId16"/>
   </p:sldIdLst>
   <p:sldSz cx="12192000" cy="6858000"/>
   <p:notesSz cx="6858000" cy="9144000"/>
@@ -123,6 +124,2948 @@
     </p:ext>
   </p:extLst>
 </p:presentation>
+</file>
+
+<file path=ppt/diagrams/colors1.xml><?xml version="1.0" encoding="utf-8"?>
+<dgm:colorsDef xmlns:dgm="http://schemas.openxmlformats.org/drawingml/2006/diagram" xmlns:a="http://schemas.openxmlformats.org/drawingml/2006/main" uniqueId="urn:microsoft.com/office/officeart/2005/8/colors/accent1_2">
+  <dgm:title val=""/>
+  <dgm:desc val=""/>
+  <dgm:catLst>
+    <dgm:cat type="accent1" pri="11200"/>
+  </dgm:catLst>
+  <dgm:styleLbl name="node0">
+    <dgm:fillClrLst meth="repeat">
+      <a:schemeClr val="accent1"/>
+    </dgm:fillClrLst>
+    <dgm:linClrLst meth="repeat">
+      <a:schemeClr val="lt1"/>
+    </dgm:linClrLst>
+    <dgm:effectClrLst/>
+    <dgm:txLinClrLst/>
+    <dgm:txFillClrLst/>
+    <dgm:txEffectClrLst/>
+  </dgm:styleLbl>
+  <dgm:styleLbl name="alignNode1">
+    <dgm:fillClrLst meth="repeat">
+      <a:schemeClr val="accent1"/>
+    </dgm:fillClrLst>
+    <dgm:linClrLst meth="repeat">
+      <a:schemeClr val="accent1"/>
+    </dgm:linClrLst>
+    <dgm:effectClrLst/>
+    <dgm:txLinClrLst/>
+    <dgm:txFillClrLst/>
+    <dgm:txEffectClrLst/>
+  </dgm:styleLbl>
+  <dgm:styleLbl name="node1">
+    <dgm:fillClrLst meth="repeat">
+      <a:schemeClr val="accent1"/>
+    </dgm:fillClrLst>
+    <dgm:linClrLst meth="repeat">
+      <a:schemeClr val="lt1"/>
+    </dgm:linClrLst>
+    <dgm:effectClrLst/>
+    <dgm:txLinClrLst/>
+    <dgm:txFillClrLst/>
+    <dgm:txEffectClrLst/>
+  </dgm:styleLbl>
+  <dgm:styleLbl name="lnNode1">
+    <dgm:fillClrLst meth="repeat">
+      <a:schemeClr val="accent1"/>
+    </dgm:fillClrLst>
+    <dgm:linClrLst meth="repeat">
+      <a:schemeClr val="lt1"/>
+    </dgm:linClrLst>
+    <dgm:effectClrLst/>
+    <dgm:txLinClrLst/>
+    <dgm:txFillClrLst/>
+    <dgm:txEffectClrLst/>
+  </dgm:styleLbl>
+  <dgm:styleLbl name="vennNode1">
+    <dgm:fillClrLst meth="repeat">
+      <a:schemeClr val="accent1">
+        <a:alpha val="50000"/>
+      </a:schemeClr>
+    </dgm:fillClrLst>
+    <dgm:linClrLst meth="repeat">
+      <a:schemeClr val="lt1"/>
+    </dgm:linClrLst>
+    <dgm:effectClrLst/>
+    <dgm:txLinClrLst/>
+    <dgm:txFillClrLst/>
+    <dgm:txEffectClrLst/>
+  </dgm:styleLbl>
+  <dgm:styleLbl name="node2">
+    <dgm:fillClrLst meth="repeat">
+      <a:schemeClr val="accent1"/>
+    </dgm:fillClrLst>
+    <dgm:linClrLst meth="repeat">
+      <a:schemeClr val="lt1"/>
+    </dgm:linClrLst>
+    <dgm:effectClrLst/>
+    <dgm:txLinClrLst/>
+    <dgm:txFillClrLst/>
+    <dgm:txEffectClrLst/>
+  </dgm:styleLbl>
+  <dgm:styleLbl name="node3">
+    <dgm:fillClrLst meth="repeat">
+      <a:schemeClr val="accent1"/>
+    </dgm:fillClrLst>
+    <dgm:linClrLst meth="repeat">
+      <a:schemeClr val="lt1"/>
+    </dgm:linClrLst>
+    <dgm:effectClrLst/>
+    <dgm:txLinClrLst/>
+    <dgm:txFillClrLst/>
+    <dgm:txEffectClrLst/>
+  </dgm:styleLbl>
+  <dgm:styleLbl name="node4">
+    <dgm:fillClrLst meth="repeat">
+      <a:schemeClr val="accent1"/>
+    </dgm:fillClrLst>
+    <dgm:linClrLst meth="repeat">
+      <a:schemeClr val="lt1"/>
+    </dgm:linClrLst>
+    <dgm:effectClrLst/>
+    <dgm:txLinClrLst/>
+    <dgm:txFillClrLst/>
+    <dgm:txEffectClrLst/>
+  </dgm:styleLbl>
+  <dgm:styleLbl name="fgImgPlace1">
+    <dgm:fillClrLst meth="repeat">
+      <a:schemeClr val="accent1">
+        <a:tint val="50000"/>
+      </a:schemeClr>
+    </dgm:fillClrLst>
+    <dgm:linClrLst meth="repeat">
+      <a:schemeClr val="lt1"/>
+    </dgm:linClrLst>
+    <dgm:effectClrLst/>
+    <dgm:txLinClrLst/>
+    <dgm:txFillClrLst meth="repeat">
+      <a:schemeClr val="lt1"/>
+    </dgm:txFillClrLst>
+    <dgm:txEffectClrLst/>
+  </dgm:styleLbl>
+  <dgm:styleLbl name="alignImgPlace1">
+    <dgm:fillClrLst meth="repeat">
+      <a:schemeClr val="accent1">
+        <a:tint val="50000"/>
+      </a:schemeClr>
+    </dgm:fillClrLst>
+    <dgm:linClrLst meth="repeat">
+      <a:schemeClr val="lt1"/>
+    </dgm:linClrLst>
+    <dgm:effectClrLst/>
+    <dgm:txLinClrLst/>
+    <dgm:txFillClrLst meth="repeat">
+      <a:schemeClr val="lt1"/>
+    </dgm:txFillClrLst>
+    <dgm:txEffectClrLst/>
+  </dgm:styleLbl>
+  <dgm:styleLbl name="bgImgPlace1">
+    <dgm:fillClrLst meth="repeat">
+      <a:schemeClr val="accent1">
+        <a:tint val="50000"/>
+      </a:schemeClr>
+    </dgm:fillClrLst>
+    <dgm:linClrLst meth="repeat">
+      <a:schemeClr val="lt1"/>
+    </dgm:linClrLst>
+    <dgm:effectClrLst/>
+    <dgm:txLinClrLst/>
+    <dgm:txFillClrLst meth="repeat">
+      <a:schemeClr val="lt1"/>
+    </dgm:txFillClrLst>
+    <dgm:txEffectClrLst/>
+  </dgm:styleLbl>
+  <dgm:styleLbl name="sibTrans2D1">
+    <dgm:fillClrLst meth="repeat">
+      <a:schemeClr val="accent1">
+        <a:tint val="60000"/>
+      </a:schemeClr>
+    </dgm:fillClrLst>
+    <dgm:linClrLst meth="repeat">
+      <a:schemeClr val="accent1">
+        <a:tint val="60000"/>
+      </a:schemeClr>
+    </dgm:linClrLst>
+    <dgm:effectClrLst/>
+    <dgm:txLinClrLst/>
+    <dgm:txFillClrLst/>
+    <dgm:txEffectClrLst/>
+  </dgm:styleLbl>
+  <dgm:styleLbl name="fgSibTrans2D1">
+    <dgm:fillClrLst meth="repeat">
+      <a:schemeClr val="accent1">
+        <a:tint val="60000"/>
+      </a:schemeClr>
+    </dgm:fillClrLst>
+    <dgm:linClrLst meth="repeat">
+      <a:schemeClr val="accent1">
+        <a:tint val="60000"/>
+      </a:schemeClr>
+    </dgm:linClrLst>
+    <dgm:effectClrLst/>
+    <dgm:txLinClrLst/>
+    <dgm:txFillClrLst/>
+    <dgm:txEffectClrLst/>
+  </dgm:styleLbl>
+  <dgm:styleLbl name="bgSibTrans2D1">
+    <dgm:fillClrLst meth="repeat">
+      <a:schemeClr val="accent1">
+        <a:tint val="60000"/>
+      </a:schemeClr>
+    </dgm:fillClrLst>
+    <dgm:linClrLst meth="repeat">
+      <a:schemeClr val="accent1">
+        <a:tint val="60000"/>
+      </a:schemeClr>
+    </dgm:linClrLst>
+    <dgm:effectClrLst/>
+    <dgm:txLinClrLst/>
+    <dgm:txFillClrLst/>
+    <dgm:txEffectClrLst/>
+  </dgm:styleLbl>
+  <dgm:styleLbl name="sibTrans1D1">
+    <dgm:fillClrLst meth="repeat">
+      <a:schemeClr val="accent1"/>
+    </dgm:fillClrLst>
+    <dgm:linClrLst meth="repeat">
+      <a:schemeClr val="accent1"/>
+    </dgm:linClrLst>
+    <dgm:effectClrLst/>
+    <dgm:txLinClrLst/>
+    <dgm:txFillClrLst meth="repeat">
+      <a:schemeClr val="tx1"/>
+    </dgm:txFillClrLst>
+    <dgm:txEffectClrLst/>
+  </dgm:styleLbl>
+  <dgm:styleLbl name="callout">
+    <dgm:fillClrLst meth="repeat">
+      <a:schemeClr val="accent1"/>
+    </dgm:fillClrLst>
+    <dgm:linClrLst meth="repeat">
+      <a:schemeClr val="accent1">
+        <a:tint val="50000"/>
+      </a:schemeClr>
+    </dgm:linClrLst>
+    <dgm:effectClrLst/>
+    <dgm:txLinClrLst/>
+    <dgm:txFillClrLst meth="repeat">
+      <a:schemeClr val="tx1"/>
+    </dgm:txFillClrLst>
+    <dgm:txEffectClrLst/>
+  </dgm:styleLbl>
+  <dgm:styleLbl name="asst0">
+    <dgm:fillClrLst meth="repeat">
+      <a:schemeClr val="accent1"/>
+    </dgm:fillClrLst>
+    <dgm:linClrLst meth="repeat">
+      <a:schemeClr val="lt1"/>
+    </dgm:linClrLst>
+    <dgm:effectClrLst/>
+    <dgm:txLinClrLst/>
+    <dgm:txFillClrLst/>
+    <dgm:txEffectClrLst/>
+  </dgm:styleLbl>
+  <dgm:styleLbl name="asst1">
+    <dgm:fillClrLst meth="repeat">
+      <a:schemeClr val="accent1"/>
+    </dgm:fillClrLst>
+    <dgm:linClrLst meth="repeat">
+      <a:schemeClr val="lt1"/>
+    </dgm:linClrLst>
+    <dgm:effectClrLst/>
+    <dgm:txLinClrLst/>
+    <dgm:txFillClrLst/>
+    <dgm:txEffectClrLst/>
+  </dgm:styleLbl>
+  <dgm:styleLbl name="asst2">
+    <dgm:fillClrLst meth="repeat">
+      <a:schemeClr val="accent1"/>
+    </dgm:fillClrLst>
+    <dgm:linClrLst meth="repeat">
+      <a:schemeClr val="lt1"/>
+    </dgm:linClrLst>
+    <dgm:effectClrLst/>
+    <dgm:txLinClrLst/>
+    <dgm:txFillClrLst/>
+    <dgm:txEffectClrLst/>
+  </dgm:styleLbl>
+  <dgm:styleLbl name="asst3">
+    <dgm:fillClrLst meth="repeat">
+      <a:schemeClr val="accent1"/>
+    </dgm:fillClrLst>
+    <dgm:linClrLst meth="repeat">
+      <a:schemeClr val="lt1"/>
+    </dgm:linClrLst>
+    <dgm:effectClrLst/>
+    <dgm:txLinClrLst/>
+    <dgm:txFillClrLst/>
+    <dgm:txEffectClrLst/>
+  </dgm:styleLbl>
+  <dgm:styleLbl name="asst4">
+    <dgm:fillClrLst meth="repeat">
+      <a:schemeClr val="accent1"/>
+    </dgm:fillClrLst>
+    <dgm:linClrLst meth="repeat">
+      <a:schemeClr val="lt1"/>
+    </dgm:linClrLst>
+    <dgm:effectClrLst/>
+    <dgm:txLinClrLst/>
+    <dgm:txFillClrLst/>
+    <dgm:txEffectClrLst/>
+  </dgm:styleLbl>
+  <dgm:styleLbl name="parChTrans2D1">
+    <dgm:fillClrLst meth="repeat">
+      <a:schemeClr val="accent1">
+        <a:tint val="60000"/>
+      </a:schemeClr>
+    </dgm:fillClrLst>
+    <dgm:linClrLst meth="repeat">
+      <a:schemeClr val="accent1">
+        <a:tint val="60000"/>
+      </a:schemeClr>
+    </dgm:linClrLst>
+    <dgm:effectClrLst/>
+    <dgm:txLinClrLst/>
+    <dgm:txFillClrLst meth="repeat">
+      <a:schemeClr val="lt1"/>
+    </dgm:txFillClrLst>
+    <dgm:txEffectClrLst/>
+  </dgm:styleLbl>
+  <dgm:styleLbl name="parChTrans2D2">
+    <dgm:fillClrLst meth="repeat">
+      <a:schemeClr val="accent1"/>
+    </dgm:fillClrLst>
+    <dgm:linClrLst meth="repeat">
+      <a:schemeClr val="accent1"/>
+    </dgm:linClrLst>
+    <dgm:effectClrLst/>
+    <dgm:txLinClrLst/>
+    <dgm:txFillClrLst meth="repeat">
+      <a:schemeClr val="lt1"/>
+    </dgm:txFillClrLst>
+    <dgm:txEffectClrLst/>
+  </dgm:styleLbl>
+  <dgm:styleLbl name="parChTrans2D3">
+    <dgm:fillClrLst meth="repeat">
+      <a:schemeClr val="accent1"/>
+    </dgm:fillClrLst>
+    <dgm:linClrLst meth="repeat">
+      <a:schemeClr val="accent1"/>
+    </dgm:linClrLst>
+    <dgm:effectClrLst/>
+    <dgm:txLinClrLst/>
+    <dgm:txFillClrLst meth="repeat">
+      <a:schemeClr val="lt1"/>
+    </dgm:txFillClrLst>
+    <dgm:txEffectClrLst/>
+  </dgm:styleLbl>
+  <dgm:styleLbl name="parChTrans2D4">
+    <dgm:fillClrLst meth="repeat">
+      <a:schemeClr val="accent1"/>
+    </dgm:fillClrLst>
+    <dgm:linClrLst meth="repeat">
+      <a:schemeClr val="accent1"/>
+    </dgm:linClrLst>
+    <dgm:effectClrLst/>
+    <dgm:txLinClrLst/>
+    <dgm:txFillClrLst meth="repeat">
+      <a:schemeClr val="lt1"/>
+    </dgm:txFillClrLst>
+    <dgm:txEffectClrLst/>
+  </dgm:styleLbl>
+  <dgm:styleLbl name="parChTrans1D1">
+    <dgm:fillClrLst meth="repeat">
+      <a:schemeClr val="accent1"/>
+    </dgm:fillClrLst>
+    <dgm:linClrLst meth="repeat">
+      <a:schemeClr val="accent1">
+        <a:shade val="60000"/>
+      </a:schemeClr>
+    </dgm:linClrLst>
+    <dgm:effectClrLst/>
+    <dgm:txLinClrLst/>
+    <dgm:txFillClrLst meth="repeat">
+      <a:schemeClr val="tx1"/>
+    </dgm:txFillClrLst>
+    <dgm:txEffectClrLst/>
+  </dgm:styleLbl>
+  <dgm:styleLbl name="parChTrans1D2">
+    <dgm:fillClrLst meth="repeat">
+      <a:schemeClr val="accent1"/>
+    </dgm:fillClrLst>
+    <dgm:linClrLst meth="repeat">
+      <a:schemeClr val="accent1">
+        <a:shade val="60000"/>
+      </a:schemeClr>
+    </dgm:linClrLst>
+    <dgm:effectClrLst/>
+    <dgm:txLinClrLst/>
+    <dgm:txFillClrLst meth="repeat">
+      <a:schemeClr val="tx1"/>
+    </dgm:txFillClrLst>
+    <dgm:txEffectClrLst/>
+  </dgm:styleLbl>
+  <dgm:styleLbl name="parChTrans1D3">
+    <dgm:fillClrLst meth="repeat">
+      <a:schemeClr val="accent1"/>
+    </dgm:fillClrLst>
+    <dgm:linClrLst meth="repeat">
+      <a:schemeClr val="accent1">
+        <a:shade val="80000"/>
+      </a:schemeClr>
+    </dgm:linClrLst>
+    <dgm:effectClrLst/>
+    <dgm:txLinClrLst/>
+    <dgm:txFillClrLst meth="repeat">
+      <a:schemeClr val="tx1"/>
+    </dgm:txFillClrLst>
+    <dgm:txEffectClrLst/>
+  </dgm:styleLbl>
+  <dgm:styleLbl name="parChTrans1D4">
+    <dgm:fillClrLst meth="repeat">
+      <a:schemeClr val="accent1"/>
+    </dgm:fillClrLst>
+    <dgm:linClrLst meth="repeat">
+      <a:schemeClr val="accent1">
+        <a:shade val="80000"/>
+      </a:schemeClr>
+    </dgm:linClrLst>
+    <dgm:effectClrLst/>
+    <dgm:txLinClrLst/>
+    <dgm:txFillClrLst meth="repeat">
+      <a:schemeClr val="tx1"/>
+    </dgm:txFillClrLst>
+    <dgm:txEffectClrLst/>
+  </dgm:styleLbl>
+  <dgm:styleLbl name="fgAcc1">
+    <dgm:fillClrLst meth="repeat">
+      <a:schemeClr val="lt1">
+        <a:alpha val="90000"/>
+      </a:schemeClr>
+    </dgm:fillClrLst>
+    <dgm:linClrLst meth="repeat">
+      <a:schemeClr val="accent1"/>
+    </dgm:linClrLst>
+    <dgm:effectClrLst/>
+    <dgm:txLinClrLst/>
+    <dgm:txFillClrLst meth="repeat">
+      <a:schemeClr val="dk1"/>
+    </dgm:txFillClrLst>
+    <dgm:txEffectClrLst/>
+  </dgm:styleLbl>
+  <dgm:styleLbl name="conFgAcc1">
+    <dgm:fillClrLst meth="repeat">
+      <a:schemeClr val="lt1">
+        <a:alpha val="90000"/>
+      </a:schemeClr>
+    </dgm:fillClrLst>
+    <dgm:linClrLst meth="repeat">
+      <a:schemeClr val="accent1"/>
+    </dgm:linClrLst>
+    <dgm:effectClrLst/>
+    <dgm:txLinClrLst/>
+    <dgm:txFillClrLst meth="repeat">
+      <a:schemeClr val="dk1"/>
+    </dgm:txFillClrLst>
+    <dgm:txEffectClrLst/>
+  </dgm:styleLbl>
+  <dgm:styleLbl name="alignAcc1">
+    <dgm:fillClrLst meth="repeat">
+      <a:schemeClr val="lt1">
+        <a:alpha val="90000"/>
+      </a:schemeClr>
+    </dgm:fillClrLst>
+    <dgm:linClrLst meth="repeat">
+      <a:schemeClr val="accent1"/>
+    </dgm:linClrLst>
+    <dgm:effectClrLst/>
+    <dgm:txLinClrLst/>
+    <dgm:txFillClrLst meth="repeat">
+      <a:schemeClr val="dk1"/>
+    </dgm:txFillClrLst>
+    <dgm:txEffectClrLst/>
+  </dgm:styleLbl>
+  <dgm:styleLbl name="trAlignAcc1">
+    <dgm:fillClrLst meth="repeat">
+      <a:schemeClr val="lt1">
+        <a:alpha val="40000"/>
+      </a:schemeClr>
+    </dgm:fillClrLst>
+    <dgm:linClrLst meth="repeat">
+      <a:schemeClr val="accent1"/>
+    </dgm:linClrLst>
+    <dgm:effectClrLst/>
+    <dgm:txLinClrLst/>
+    <dgm:txFillClrLst meth="repeat">
+      <a:schemeClr val="dk1"/>
+    </dgm:txFillClrLst>
+    <dgm:txEffectClrLst/>
+  </dgm:styleLbl>
+  <dgm:styleLbl name="bgAcc1">
+    <dgm:fillClrLst meth="repeat">
+      <a:schemeClr val="lt1">
+        <a:alpha val="90000"/>
+      </a:schemeClr>
+    </dgm:fillClrLst>
+    <dgm:linClrLst meth="repeat">
+      <a:schemeClr val="accent1"/>
+    </dgm:linClrLst>
+    <dgm:effectClrLst/>
+    <dgm:txLinClrLst/>
+    <dgm:txFillClrLst meth="repeat">
+      <a:schemeClr val="dk1"/>
+    </dgm:txFillClrLst>
+    <dgm:txEffectClrLst/>
+  </dgm:styleLbl>
+  <dgm:styleLbl name="solidFgAcc1">
+    <dgm:fillClrLst meth="repeat">
+      <a:schemeClr val="lt1"/>
+    </dgm:fillClrLst>
+    <dgm:linClrLst meth="repeat">
+      <a:schemeClr val="accent1"/>
+    </dgm:linClrLst>
+    <dgm:effectClrLst/>
+    <dgm:txLinClrLst/>
+    <dgm:txFillClrLst meth="repeat">
+      <a:schemeClr val="dk1"/>
+    </dgm:txFillClrLst>
+    <dgm:txEffectClrLst/>
+  </dgm:styleLbl>
+  <dgm:styleLbl name="solidAlignAcc1">
+    <dgm:fillClrLst meth="repeat">
+      <a:schemeClr val="lt1"/>
+    </dgm:fillClrLst>
+    <dgm:linClrLst meth="repeat">
+      <a:schemeClr val="accent1"/>
+    </dgm:linClrLst>
+    <dgm:effectClrLst/>
+    <dgm:txLinClrLst/>
+    <dgm:txFillClrLst meth="repeat">
+      <a:schemeClr val="dk1"/>
+    </dgm:txFillClrLst>
+    <dgm:txEffectClrLst/>
+  </dgm:styleLbl>
+  <dgm:styleLbl name="solidBgAcc1">
+    <dgm:fillClrLst meth="repeat">
+      <a:schemeClr val="lt1"/>
+    </dgm:fillClrLst>
+    <dgm:linClrLst meth="repeat">
+      <a:schemeClr val="accent1"/>
+    </dgm:linClrLst>
+    <dgm:effectClrLst/>
+    <dgm:txLinClrLst/>
+    <dgm:txFillClrLst meth="repeat">
+      <a:schemeClr val="dk1"/>
+    </dgm:txFillClrLst>
+    <dgm:txEffectClrLst/>
+  </dgm:styleLbl>
+  <dgm:styleLbl name="fgAccFollowNode1">
+    <dgm:fillClrLst meth="repeat">
+      <a:schemeClr val="accent1">
+        <a:alpha val="90000"/>
+        <a:tint val="40000"/>
+      </a:schemeClr>
+    </dgm:fillClrLst>
+    <dgm:linClrLst meth="repeat">
+      <a:schemeClr val="accent1">
+        <a:alpha val="90000"/>
+        <a:tint val="40000"/>
+      </a:schemeClr>
+    </dgm:linClrLst>
+    <dgm:effectClrLst/>
+    <dgm:txLinClrLst/>
+    <dgm:txFillClrLst meth="repeat">
+      <a:schemeClr val="dk1"/>
+    </dgm:txFillClrLst>
+    <dgm:txEffectClrLst/>
+  </dgm:styleLbl>
+  <dgm:styleLbl name="alignAccFollowNode1">
+    <dgm:fillClrLst meth="repeat">
+      <a:schemeClr val="accent1">
+        <a:alpha val="90000"/>
+        <a:tint val="40000"/>
+      </a:schemeClr>
+    </dgm:fillClrLst>
+    <dgm:linClrLst meth="repeat">
+      <a:schemeClr val="accent1">
+        <a:alpha val="90000"/>
+        <a:tint val="40000"/>
+      </a:schemeClr>
+    </dgm:linClrLst>
+    <dgm:effectClrLst/>
+    <dgm:txLinClrLst/>
+    <dgm:txFillClrLst meth="repeat">
+      <a:schemeClr val="dk1"/>
+    </dgm:txFillClrLst>
+    <dgm:txEffectClrLst/>
+  </dgm:styleLbl>
+  <dgm:styleLbl name="bgAccFollowNode1">
+    <dgm:fillClrLst meth="repeat">
+      <a:schemeClr val="accent1">
+        <a:alpha val="90000"/>
+        <a:tint val="40000"/>
+      </a:schemeClr>
+    </dgm:fillClrLst>
+    <dgm:linClrLst meth="repeat">
+      <a:schemeClr val="accent1">
+        <a:alpha val="90000"/>
+        <a:tint val="40000"/>
+      </a:schemeClr>
+    </dgm:linClrLst>
+    <dgm:effectClrLst/>
+    <dgm:txLinClrLst/>
+    <dgm:txFillClrLst meth="repeat">
+      <a:schemeClr val="dk1"/>
+    </dgm:txFillClrLst>
+    <dgm:txEffectClrLst/>
+  </dgm:styleLbl>
+  <dgm:styleLbl name="fgAcc0">
+    <dgm:fillClrLst meth="repeat">
+      <a:schemeClr val="lt1">
+        <a:alpha val="90000"/>
+      </a:schemeClr>
+    </dgm:fillClrLst>
+    <dgm:linClrLst meth="repeat">
+      <a:schemeClr val="accent1"/>
+    </dgm:linClrLst>
+    <dgm:effectClrLst/>
+    <dgm:txLinClrLst/>
+    <dgm:txFillClrLst meth="repeat">
+      <a:schemeClr val="dk1"/>
+    </dgm:txFillClrLst>
+    <dgm:txEffectClrLst/>
+  </dgm:styleLbl>
+  <dgm:styleLbl name="fgAcc2">
+    <dgm:fillClrLst meth="repeat">
+      <a:schemeClr val="lt1">
+        <a:alpha val="90000"/>
+      </a:schemeClr>
+    </dgm:fillClrLst>
+    <dgm:linClrLst meth="repeat">
+      <a:schemeClr val="accent1"/>
+    </dgm:linClrLst>
+    <dgm:effectClrLst/>
+    <dgm:txLinClrLst/>
+    <dgm:txFillClrLst meth="repeat">
+      <a:schemeClr val="dk1"/>
+    </dgm:txFillClrLst>
+    <dgm:txEffectClrLst/>
+  </dgm:styleLbl>
+  <dgm:styleLbl name="fgAcc3">
+    <dgm:fillClrLst meth="repeat">
+      <a:schemeClr val="lt1">
+        <a:alpha val="90000"/>
+      </a:schemeClr>
+    </dgm:fillClrLst>
+    <dgm:linClrLst meth="repeat">
+      <a:schemeClr val="accent1"/>
+    </dgm:linClrLst>
+    <dgm:effectClrLst/>
+    <dgm:txLinClrLst/>
+    <dgm:txFillClrLst meth="repeat">
+      <a:schemeClr val="dk1"/>
+    </dgm:txFillClrLst>
+    <dgm:txEffectClrLst/>
+  </dgm:styleLbl>
+  <dgm:styleLbl name="fgAcc4">
+    <dgm:fillClrLst meth="repeat">
+      <a:schemeClr val="lt1">
+        <a:alpha val="90000"/>
+      </a:schemeClr>
+    </dgm:fillClrLst>
+    <dgm:linClrLst meth="repeat">
+      <a:schemeClr val="accent1"/>
+    </dgm:linClrLst>
+    <dgm:effectClrLst/>
+    <dgm:txLinClrLst/>
+    <dgm:txFillClrLst meth="repeat">
+      <a:schemeClr val="dk1"/>
+    </dgm:txFillClrLst>
+    <dgm:txEffectClrLst/>
+  </dgm:styleLbl>
+  <dgm:styleLbl name="bgShp">
+    <dgm:fillClrLst meth="repeat">
+      <a:schemeClr val="accent1">
+        <a:tint val="40000"/>
+      </a:schemeClr>
+    </dgm:fillClrLst>
+    <dgm:linClrLst meth="repeat">
+      <a:schemeClr val="accent1"/>
+    </dgm:linClrLst>
+    <dgm:effectClrLst/>
+    <dgm:txLinClrLst/>
+    <dgm:txFillClrLst meth="repeat">
+      <a:schemeClr val="dk1"/>
+    </dgm:txFillClrLst>
+    <dgm:txEffectClrLst/>
+  </dgm:styleLbl>
+  <dgm:styleLbl name="dkBgShp">
+    <dgm:fillClrLst meth="repeat">
+      <a:schemeClr val="accent1">
+        <a:shade val="80000"/>
+      </a:schemeClr>
+    </dgm:fillClrLst>
+    <dgm:linClrLst meth="repeat">
+      <a:schemeClr val="accent1"/>
+    </dgm:linClrLst>
+    <dgm:effectClrLst/>
+    <dgm:txLinClrLst/>
+    <dgm:txFillClrLst meth="repeat">
+      <a:schemeClr val="lt1"/>
+    </dgm:txFillClrLst>
+    <dgm:txEffectClrLst/>
+  </dgm:styleLbl>
+  <dgm:styleLbl name="trBgShp">
+    <dgm:fillClrLst meth="repeat">
+      <a:schemeClr val="accent1">
+        <a:tint val="50000"/>
+        <a:alpha val="40000"/>
+      </a:schemeClr>
+    </dgm:fillClrLst>
+    <dgm:linClrLst meth="repeat">
+      <a:schemeClr val="accent1"/>
+    </dgm:linClrLst>
+    <dgm:effectClrLst/>
+    <dgm:txLinClrLst/>
+    <dgm:txFillClrLst meth="repeat">
+      <a:schemeClr val="lt1"/>
+    </dgm:txFillClrLst>
+    <dgm:txEffectClrLst/>
+  </dgm:styleLbl>
+  <dgm:styleLbl name="fgShp">
+    <dgm:fillClrLst meth="repeat">
+      <a:schemeClr val="accent1">
+        <a:tint val="60000"/>
+      </a:schemeClr>
+    </dgm:fillClrLst>
+    <dgm:linClrLst meth="repeat">
+      <a:schemeClr val="lt1"/>
+    </dgm:linClrLst>
+    <dgm:effectClrLst/>
+    <dgm:txLinClrLst/>
+    <dgm:txFillClrLst meth="repeat">
+      <a:schemeClr val="dk1"/>
+    </dgm:txFillClrLst>
+    <dgm:txEffectClrLst/>
+  </dgm:styleLbl>
+  <dgm:styleLbl name="revTx">
+    <dgm:fillClrLst meth="repeat">
+      <a:schemeClr val="lt1">
+        <a:alpha val="0"/>
+      </a:schemeClr>
+    </dgm:fillClrLst>
+    <dgm:linClrLst meth="repeat">
+      <a:schemeClr val="dk1">
+        <a:alpha val="0"/>
+      </a:schemeClr>
+    </dgm:linClrLst>
+    <dgm:effectClrLst/>
+    <dgm:txLinClrLst/>
+    <dgm:txFillClrLst meth="repeat">
+      <a:schemeClr val="tx1"/>
+    </dgm:txFillClrLst>
+    <dgm:txEffectClrLst/>
+  </dgm:styleLbl>
+</dgm:colorsDef>
+</file>
+
+<file path=ppt/diagrams/data1.xml><?xml version="1.0" encoding="utf-8"?>
+<dgm:dataModel xmlns:dgm="http://schemas.openxmlformats.org/drawingml/2006/diagram" xmlns:a="http://schemas.openxmlformats.org/drawingml/2006/main">
+  <dgm:ptLst>
+    <dgm:pt modelId="{EB40BB83-E6D2-4FF8-BBCF-47B8CE296576}" type="doc">
+      <dgm:prSet loTypeId="urn:microsoft.com/office/officeart/2005/8/layout/process1" loCatId="process" qsTypeId="urn:microsoft.com/office/officeart/2005/8/quickstyle/simple1" qsCatId="simple" csTypeId="urn:microsoft.com/office/officeart/2005/8/colors/accent1_2" csCatId="accent1" phldr="1"/>
+      <dgm:spPr/>
+      <dgm:t>
+        <a:bodyPr/>
+        <a:lstStyle/>
+        <a:p>
+          <a:endParaRPr lang="zh-TW" altLang="en-US"/>
+        </a:p>
+      </dgm:t>
+    </dgm:pt>
+    <dgm:pt modelId="{A9041586-2715-46B9-9DF9-A328E027C4AB}">
+      <dgm:prSet phldrT="[文字]"/>
+      <dgm:spPr/>
+      <dgm:t>
+        <a:bodyPr/>
+        <a:lstStyle/>
+        <a:p>
+          <a:r>
+            <a:rPr lang="zh-TW" altLang="en-US" dirty="0" smtClean="0"/>
+            <a:t>讀檔</a:t>
+          </a:r>
+          <a:endParaRPr lang="zh-TW" altLang="en-US" dirty="0"/>
+        </a:p>
+      </dgm:t>
+    </dgm:pt>
+    <dgm:pt modelId="{90AB8FB1-4217-4895-9463-8C02B8B44DCD}" type="parTrans" cxnId="{9E005E0C-38C3-43B0-82F6-14FA75971B47}">
+      <dgm:prSet/>
+      <dgm:spPr/>
+      <dgm:t>
+        <a:bodyPr/>
+        <a:lstStyle/>
+        <a:p>
+          <a:endParaRPr lang="zh-TW" altLang="en-US"/>
+        </a:p>
+      </dgm:t>
+    </dgm:pt>
+    <dgm:pt modelId="{44392525-82FD-4868-A9C1-89CD66016A65}" type="sibTrans" cxnId="{9E005E0C-38C3-43B0-82F6-14FA75971B47}">
+      <dgm:prSet/>
+      <dgm:spPr/>
+      <dgm:t>
+        <a:bodyPr/>
+        <a:lstStyle/>
+        <a:p>
+          <a:endParaRPr lang="zh-TW" altLang="en-US"/>
+        </a:p>
+      </dgm:t>
+    </dgm:pt>
+    <dgm:pt modelId="{97A1D22E-DA92-41DB-A855-ACC4714F56C5}">
+      <dgm:prSet phldrT="[文字]"/>
+      <dgm:spPr/>
+      <dgm:t>
+        <a:bodyPr/>
+        <a:lstStyle/>
+        <a:p>
+          <a:r>
+            <a:rPr lang="zh-TW" altLang="en-US" dirty="0" smtClean="0"/>
+            <a:t>正規化</a:t>
+          </a:r>
+          <a:endParaRPr lang="zh-TW" altLang="en-US" dirty="0"/>
+        </a:p>
+      </dgm:t>
+    </dgm:pt>
+    <dgm:pt modelId="{B128F37C-18F1-417C-985D-E46D084BB248}" type="parTrans" cxnId="{D05B3557-9E9A-4C79-A5E5-2DAC84BB4C2D}">
+      <dgm:prSet/>
+      <dgm:spPr/>
+      <dgm:t>
+        <a:bodyPr/>
+        <a:lstStyle/>
+        <a:p>
+          <a:endParaRPr lang="zh-TW" altLang="en-US"/>
+        </a:p>
+      </dgm:t>
+    </dgm:pt>
+    <dgm:pt modelId="{C344F445-4356-419D-B178-FCEC3017751F}" type="sibTrans" cxnId="{D05B3557-9E9A-4C79-A5E5-2DAC84BB4C2D}">
+      <dgm:prSet/>
+      <dgm:spPr/>
+      <dgm:t>
+        <a:bodyPr/>
+        <a:lstStyle/>
+        <a:p>
+          <a:endParaRPr lang="zh-TW" altLang="en-US"/>
+        </a:p>
+      </dgm:t>
+    </dgm:pt>
+    <dgm:pt modelId="{9C3A82BE-5720-4BAF-8BA8-F2D36309CBE5}">
+      <dgm:prSet phldrT="[文字]"/>
+      <dgm:spPr/>
+      <dgm:t>
+        <a:bodyPr/>
+        <a:lstStyle/>
+        <a:p>
+          <a:r>
+            <a:rPr lang="zh-TW" altLang="en-US" dirty="0" smtClean="0"/>
+            <a:t>跑模型</a:t>
+          </a:r>
+          <a:endParaRPr lang="zh-TW" altLang="en-US" dirty="0"/>
+        </a:p>
+      </dgm:t>
+    </dgm:pt>
+    <dgm:pt modelId="{1C50ED1A-D6B9-41F9-B021-2038FAFFFF9C}" type="parTrans" cxnId="{3C9C8AD9-8B4E-4396-8C97-960522DBA32E}">
+      <dgm:prSet/>
+      <dgm:spPr/>
+      <dgm:t>
+        <a:bodyPr/>
+        <a:lstStyle/>
+        <a:p>
+          <a:endParaRPr lang="zh-TW" altLang="en-US"/>
+        </a:p>
+      </dgm:t>
+    </dgm:pt>
+    <dgm:pt modelId="{A426A52A-2241-4AE0-9D4C-137CEEB57D2B}" type="sibTrans" cxnId="{3C9C8AD9-8B4E-4396-8C97-960522DBA32E}">
+      <dgm:prSet/>
+      <dgm:spPr/>
+      <dgm:t>
+        <a:bodyPr/>
+        <a:lstStyle/>
+        <a:p>
+          <a:endParaRPr lang="zh-TW" altLang="en-US"/>
+        </a:p>
+      </dgm:t>
+    </dgm:pt>
+    <dgm:pt modelId="{22D03624-5971-4A13-BB21-B4C74B849C19}">
+      <dgm:prSet phldrT="[文字]"/>
+      <dgm:spPr/>
+      <dgm:t>
+        <a:bodyPr/>
+        <a:lstStyle/>
+        <a:p>
+          <a:r>
+            <a:rPr lang="zh-TW" altLang="en-US" dirty="0" smtClean="0"/>
+            <a:t>修改模型</a:t>
+          </a:r>
+          <a:endParaRPr lang="zh-TW" altLang="en-US" dirty="0"/>
+        </a:p>
+      </dgm:t>
+    </dgm:pt>
+    <dgm:pt modelId="{B22C7CF8-67CE-4AB9-92CF-57F095F8A8CE}" type="parTrans" cxnId="{B61B02A7-7E42-4772-B46F-208CBD8BC185}">
+      <dgm:prSet/>
+      <dgm:spPr/>
+      <dgm:t>
+        <a:bodyPr/>
+        <a:lstStyle/>
+        <a:p>
+          <a:endParaRPr lang="zh-TW" altLang="en-US"/>
+        </a:p>
+      </dgm:t>
+    </dgm:pt>
+    <dgm:pt modelId="{BFB6AAC2-9C22-4561-AE23-3402518A2A9F}" type="sibTrans" cxnId="{B61B02A7-7E42-4772-B46F-208CBD8BC185}">
+      <dgm:prSet/>
+      <dgm:spPr/>
+      <dgm:t>
+        <a:bodyPr/>
+        <a:lstStyle/>
+        <a:p>
+          <a:endParaRPr lang="zh-TW" altLang="en-US"/>
+        </a:p>
+      </dgm:t>
+    </dgm:pt>
+    <dgm:pt modelId="{F32C1DCA-2E94-4656-A14C-CD921FCA0B6F}">
+      <dgm:prSet phldrT="[文字]"/>
+      <dgm:spPr/>
+      <dgm:t>
+        <a:bodyPr/>
+        <a:lstStyle/>
+        <a:p>
+          <a:r>
+            <a:rPr lang="zh-TW" altLang="en-US" dirty="0" smtClean="0"/>
+            <a:t>預測結果</a:t>
+          </a:r>
+          <a:endParaRPr lang="zh-TW" altLang="en-US" dirty="0"/>
+        </a:p>
+      </dgm:t>
+    </dgm:pt>
+    <dgm:pt modelId="{F8B56771-2910-4880-A44A-4D3AD204E5B6}" type="parTrans" cxnId="{FB304EB9-EB8C-41B4-B2DB-88A326F97853}">
+      <dgm:prSet/>
+      <dgm:spPr/>
+      <dgm:t>
+        <a:bodyPr/>
+        <a:lstStyle/>
+        <a:p>
+          <a:endParaRPr lang="zh-TW" altLang="en-US"/>
+        </a:p>
+      </dgm:t>
+    </dgm:pt>
+    <dgm:pt modelId="{344FB3A0-BDA8-4EB5-B2B0-EC844F851745}" type="sibTrans" cxnId="{FB304EB9-EB8C-41B4-B2DB-88A326F97853}">
+      <dgm:prSet/>
+      <dgm:spPr/>
+      <dgm:t>
+        <a:bodyPr/>
+        <a:lstStyle/>
+        <a:p>
+          <a:endParaRPr lang="zh-TW" altLang="en-US"/>
+        </a:p>
+      </dgm:t>
+    </dgm:pt>
+    <dgm:pt modelId="{EE4B7610-A81D-4A77-BAD2-DF2A5FAAAEC9}" type="pres">
+      <dgm:prSet presAssocID="{EB40BB83-E6D2-4FF8-BBCF-47B8CE296576}" presName="Name0" presStyleCnt="0">
+        <dgm:presLayoutVars>
+          <dgm:dir/>
+          <dgm:resizeHandles val="exact"/>
+        </dgm:presLayoutVars>
+      </dgm:prSet>
+      <dgm:spPr/>
+    </dgm:pt>
+    <dgm:pt modelId="{92B12D54-6C5B-497A-8341-6F96F73DFF46}" type="pres">
+      <dgm:prSet presAssocID="{A9041586-2715-46B9-9DF9-A328E027C4AB}" presName="node" presStyleLbl="node1" presStyleIdx="0" presStyleCnt="5" custLinFactNeighborX="-440" custLinFactNeighborY="-82424">
+        <dgm:presLayoutVars>
+          <dgm:bulletEnabled val="1"/>
+        </dgm:presLayoutVars>
+      </dgm:prSet>
+      <dgm:spPr/>
+    </dgm:pt>
+    <dgm:pt modelId="{4C101B1A-7D67-4019-8373-B05182788F7F}" type="pres">
+      <dgm:prSet presAssocID="{44392525-82FD-4868-A9C1-89CD66016A65}" presName="sibTrans" presStyleLbl="sibTrans2D1" presStyleIdx="0" presStyleCnt="4"/>
+      <dgm:spPr/>
+    </dgm:pt>
+    <dgm:pt modelId="{9044AC6C-F3FB-4822-84F0-B2400E626014}" type="pres">
+      <dgm:prSet presAssocID="{44392525-82FD-4868-A9C1-89CD66016A65}" presName="connectorText" presStyleLbl="sibTrans2D1" presStyleIdx="0" presStyleCnt="4"/>
+      <dgm:spPr/>
+    </dgm:pt>
+    <dgm:pt modelId="{8B3F4B01-BF9E-46F4-A108-D2C4ADE4E90B}" type="pres">
+      <dgm:prSet presAssocID="{97A1D22E-DA92-41DB-A855-ACC4714F56C5}" presName="node" presStyleLbl="node1" presStyleIdx="1" presStyleCnt="5" custLinFactNeighborY="-81804">
+        <dgm:presLayoutVars>
+          <dgm:bulletEnabled val="1"/>
+        </dgm:presLayoutVars>
+      </dgm:prSet>
+      <dgm:spPr/>
+      <dgm:t>
+        <a:bodyPr/>
+        <a:lstStyle/>
+        <a:p>
+          <a:endParaRPr lang="zh-TW" altLang="en-US"/>
+        </a:p>
+      </dgm:t>
+    </dgm:pt>
+    <dgm:pt modelId="{0CF33F90-61C4-4560-8457-254CE1F8B262}" type="pres">
+      <dgm:prSet presAssocID="{C344F445-4356-419D-B178-FCEC3017751F}" presName="sibTrans" presStyleLbl="sibTrans2D1" presStyleIdx="1" presStyleCnt="4"/>
+      <dgm:spPr/>
+    </dgm:pt>
+    <dgm:pt modelId="{30A0260D-5D16-468E-8390-2E3FE39EDA19}" type="pres">
+      <dgm:prSet presAssocID="{C344F445-4356-419D-B178-FCEC3017751F}" presName="connectorText" presStyleLbl="sibTrans2D1" presStyleIdx="1" presStyleCnt="4"/>
+      <dgm:spPr/>
+    </dgm:pt>
+    <dgm:pt modelId="{ECF2149A-F213-44CB-B964-6CC4924B6E17}" type="pres">
+      <dgm:prSet presAssocID="{9C3A82BE-5720-4BAF-8BA8-F2D36309CBE5}" presName="node" presStyleLbl="node1" presStyleIdx="2" presStyleCnt="5" custLinFactNeighborX="836" custLinFactNeighborY="-81185">
+        <dgm:presLayoutVars>
+          <dgm:bulletEnabled val="1"/>
+        </dgm:presLayoutVars>
+      </dgm:prSet>
+      <dgm:spPr/>
+    </dgm:pt>
+    <dgm:pt modelId="{80ECA074-DE6D-428E-8ADB-5085FB291D1E}" type="pres">
+      <dgm:prSet presAssocID="{A426A52A-2241-4AE0-9D4C-137CEEB57D2B}" presName="sibTrans" presStyleLbl="sibTrans2D1" presStyleIdx="2" presStyleCnt="4"/>
+      <dgm:spPr/>
+    </dgm:pt>
+    <dgm:pt modelId="{54ED7F17-F805-4387-9BAA-410019766448}" type="pres">
+      <dgm:prSet presAssocID="{A426A52A-2241-4AE0-9D4C-137CEEB57D2B}" presName="connectorText" presStyleLbl="sibTrans2D1" presStyleIdx="2" presStyleCnt="4"/>
+      <dgm:spPr/>
+    </dgm:pt>
+    <dgm:pt modelId="{AFE1DF0F-6C3E-4D86-BD43-C88D7ABFFE1A}" type="pres">
+      <dgm:prSet presAssocID="{22D03624-5971-4A13-BB21-B4C74B849C19}" presName="node" presStyleLbl="node1" presStyleIdx="3" presStyleCnt="5" custLinFactNeighborX="836" custLinFactNeighborY="-81185">
+        <dgm:presLayoutVars>
+          <dgm:bulletEnabled val="1"/>
+        </dgm:presLayoutVars>
+      </dgm:prSet>
+      <dgm:spPr/>
+    </dgm:pt>
+    <dgm:pt modelId="{DC969574-D0A0-4624-B895-DB3DFAAF546A}" type="pres">
+      <dgm:prSet presAssocID="{BFB6AAC2-9C22-4561-AE23-3402518A2A9F}" presName="sibTrans" presStyleLbl="sibTrans2D1" presStyleIdx="3" presStyleCnt="4"/>
+      <dgm:spPr/>
+    </dgm:pt>
+    <dgm:pt modelId="{5B1730B7-1279-4668-A566-1F9101493ED1}" type="pres">
+      <dgm:prSet presAssocID="{BFB6AAC2-9C22-4561-AE23-3402518A2A9F}" presName="connectorText" presStyleLbl="sibTrans2D1" presStyleIdx="3" presStyleCnt="4"/>
+      <dgm:spPr/>
+    </dgm:pt>
+    <dgm:pt modelId="{C25285FB-6D38-4244-ABB4-CB3EDD1E0A3D}" type="pres">
+      <dgm:prSet presAssocID="{F32C1DCA-2E94-4656-A14C-CD921FCA0B6F}" presName="node" presStyleLbl="node1" presStyleIdx="4" presStyleCnt="5" custLinFactNeighborX="836" custLinFactNeighborY="-81185">
+        <dgm:presLayoutVars>
+          <dgm:bulletEnabled val="1"/>
+        </dgm:presLayoutVars>
+      </dgm:prSet>
+      <dgm:spPr/>
+    </dgm:pt>
+  </dgm:ptLst>
+  <dgm:cxnLst>
+    <dgm:cxn modelId="{6D0B449D-D83A-4133-BA09-BE9B5702A85A}" type="presOf" srcId="{BFB6AAC2-9C22-4561-AE23-3402518A2A9F}" destId="{DC969574-D0A0-4624-B895-DB3DFAAF546A}" srcOrd="0" destOrd="0" presId="urn:microsoft.com/office/officeart/2005/8/layout/process1"/>
+    <dgm:cxn modelId="{5FC6D28E-D9E4-49A7-90A7-0299243DB6F0}" type="presOf" srcId="{44392525-82FD-4868-A9C1-89CD66016A65}" destId="{9044AC6C-F3FB-4822-84F0-B2400E626014}" srcOrd="1" destOrd="0" presId="urn:microsoft.com/office/officeart/2005/8/layout/process1"/>
+    <dgm:cxn modelId="{986368B5-82A6-48E7-8C1D-B351B2B38C84}" type="presOf" srcId="{44392525-82FD-4868-A9C1-89CD66016A65}" destId="{4C101B1A-7D67-4019-8373-B05182788F7F}" srcOrd="0" destOrd="0" presId="urn:microsoft.com/office/officeart/2005/8/layout/process1"/>
+    <dgm:cxn modelId="{129AE8B2-B9D5-403A-896C-98E80328CCE3}" type="presOf" srcId="{A9041586-2715-46B9-9DF9-A328E027C4AB}" destId="{92B12D54-6C5B-497A-8341-6F96F73DFF46}" srcOrd="0" destOrd="0" presId="urn:microsoft.com/office/officeart/2005/8/layout/process1"/>
+    <dgm:cxn modelId="{D05B3557-9E9A-4C79-A5E5-2DAC84BB4C2D}" srcId="{EB40BB83-E6D2-4FF8-BBCF-47B8CE296576}" destId="{97A1D22E-DA92-41DB-A855-ACC4714F56C5}" srcOrd="1" destOrd="0" parTransId="{B128F37C-18F1-417C-985D-E46D084BB248}" sibTransId="{C344F445-4356-419D-B178-FCEC3017751F}"/>
+    <dgm:cxn modelId="{4876D87B-C6CC-41C7-8E2F-1475202C03B0}" type="presOf" srcId="{C344F445-4356-419D-B178-FCEC3017751F}" destId="{0CF33F90-61C4-4560-8457-254CE1F8B262}" srcOrd="0" destOrd="0" presId="urn:microsoft.com/office/officeart/2005/8/layout/process1"/>
+    <dgm:cxn modelId="{B61B02A7-7E42-4772-B46F-208CBD8BC185}" srcId="{EB40BB83-E6D2-4FF8-BBCF-47B8CE296576}" destId="{22D03624-5971-4A13-BB21-B4C74B849C19}" srcOrd="3" destOrd="0" parTransId="{B22C7CF8-67CE-4AB9-92CF-57F095F8A8CE}" sibTransId="{BFB6AAC2-9C22-4561-AE23-3402518A2A9F}"/>
+    <dgm:cxn modelId="{FB304EB9-EB8C-41B4-B2DB-88A326F97853}" srcId="{EB40BB83-E6D2-4FF8-BBCF-47B8CE296576}" destId="{F32C1DCA-2E94-4656-A14C-CD921FCA0B6F}" srcOrd="4" destOrd="0" parTransId="{F8B56771-2910-4880-A44A-4D3AD204E5B6}" sibTransId="{344FB3A0-BDA8-4EB5-B2B0-EC844F851745}"/>
+    <dgm:cxn modelId="{9E005E0C-38C3-43B0-82F6-14FA75971B47}" srcId="{EB40BB83-E6D2-4FF8-BBCF-47B8CE296576}" destId="{A9041586-2715-46B9-9DF9-A328E027C4AB}" srcOrd="0" destOrd="0" parTransId="{90AB8FB1-4217-4895-9463-8C02B8B44DCD}" sibTransId="{44392525-82FD-4868-A9C1-89CD66016A65}"/>
+    <dgm:cxn modelId="{EFCDFCC7-113C-4635-99C3-06BCEA8B36FF}" type="presOf" srcId="{97A1D22E-DA92-41DB-A855-ACC4714F56C5}" destId="{8B3F4B01-BF9E-46F4-A108-D2C4ADE4E90B}" srcOrd="0" destOrd="0" presId="urn:microsoft.com/office/officeart/2005/8/layout/process1"/>
+    <dgm:cxn modelId="{FF788960-403D-4D5D-8B4E-69B66FDA94F3}" type="presOf" srcId="{9C3A82BE-5720-4BAF-8BA8-F2D36309CBE5}" destId="{ECF2149A-F213-44CB-B964-6CC4924B6E17}" srcOrd="0" destOrd="0" presId="urn:microsoft.com/office/officeart/2005/8/layout/process1"/>
+    <dgm:cxn modelId="{A592D9FB-CB27-452C-AF07-3F7C23D62701}" type="presOf" srcId="{F32C1DCA-2E94-4656-A14C-CD921FCA0B6F}" destId="{C25285FB-6D38-4244-ABB4-CB3EDD1E0A3D}" srcOrd="0" destOrd="0" presId="urn:microsoft.com/office/officeart/2005/8/layout/process1"/>
+    <dgm:cxn modelId="{9D507423-EF74-4359-ABD0-3C6A60195A43}" type="presOf" srcId="{A426A52A-2241-4AE0-9D4C-137CEEB57D2B}" destId="{80ECA074-DE6D-428E-8ADB-5085FB291D1E}" srcOrd="0" destOrd="0" presId="urn:microsoft.com/office/officeart/2005/8/layout/process1"/>
+    <dgm:cxn modelId="{37EC7918-A463-4B34-8465-AF85A3365A1F}" type="presOf" srcId="{A426A52A-2241-4AE0-9D4C-137CEEB57D2B}" destId="{54ED7F17-F805-4387-9BAA-410019766448}" srcOrd="1" destOrd="0" presId="urn:microsoft.com/office/officeart/2005/8/layout/process1"/>
+    <dgm:cxn modelId="{79D47E11-2F21-4E5C-BBEF-5866D16D4686}" type="presOf" srcId="{EB40BB83-E6D2-4FF8-BBCF-47B8CE296576}" destId="{EE4B7610-A81D-4A77-BAD2-DF2A5FAAAEC9}" srcOrd="0" destOrd="0" presId="urn:microsoft.com/office/officeart/2005/8/layout/process1"/>
+    <dgm:cxn modelId="{CC41D84B-D0C5-4F43-9F1B-F7D0E8197CBC}" type="presOf" srcId="{BFB6AAC2-9C22-4561-AE23-3402518A2A9F}" destId="{5B1730B7-1279-4668-A566-1F9101493ED1}" srcOrd="1" destOrd="0" presId="urn:microsoft.com/office/officeart/2005/8/layout/process1"/>
+    <dgm:cxn modelId="{8BE9CCC3-513A-4D87-B12F-AD39FCFE2730}" type="presOf" srcId="{22D03624-5971-4A13-BB21-B4C74B849C19}" destId="{AFE1DF0F-6C3E-4D86-BD43-C88D7ABFFE1A}" srcOrd="0" destOrd="0" presId="urn:microsoft.com/office/officeart/2005/8/layout/process1"/>
+    <dgm:cxn modelId="{699C9BE0-24FA-4DA0-BFE8-DBF511314513}" type="presOf" srcId="{C344F445-4356-419D-B178-FCEC3017751F}" destId="{30A0260D-5D16-468E-8390-2E3FE39EDA19}" srcOrd="1" destOrd="0" presId="urn:microsoft.com/office/officeart/2005/8/layout/process1"/>
+    <dgm:cxn modelId="{3C9C8AD9-8B4E-4396-8C97-960522DBA32E}" srcId="{EB40BB83-E6D2-4FF8-BBCF-47B8CE296576}" destId="{9C3A82BE-5720-4BAF-8BA8-F2D36309CBE5}" srcOrd="2" destOrd="0" parTransId="{1C50ED1A-D6B9-41F9-B021-2038FAFFFF9C}" sibTransId="{A426A52A-2241-4AE0-9D4C-137CEEB57D2B}"/>
+    <dgm:cxn modelId="{412C212A-54C7-4F8A-ADC5-497E8DAD32BB}" type="presParOf" srcId="{EE4B7610-A81D-4A77-BAD2-DF2A5FAAAEC9}" destId="{92B12D54-6C5B-497A-8341-6F96F73DFF46}" srcOrd="0" destOrd="0" presId="urn:microsoft.com/office/officeart/2005/8/layout/process1"/>
+    <dgm:cxn modelId="{2A25E46B-438D-4B6A-89BD-EB70428CFCA3}" type="presParOf" srcId="{EE4B7610-A81D-4A77-BAD2-DF2A5FAAAEC9}" destId="{4C101B1A-7D67-4019-8373-B05182788F7F}" srcOrd="1" destOrd="0" presId="urn:microsoft.com/office/officeart/2005/8/layout/process1"/>
+    <dgm:cxn modelId="{FB241538-18F6-45C6-8762-6A07C3B34A13}" type="presParOf" srcId="{4C101B1A-7D67-4019-8373-B05182788F7F}" destId="{9044AC6C-F3FB-4822-84F0-B2400E626014}" srcOrd="0" destOrd="0" presId="urn:microsoft.com/office/officeart/2005/8/layout/process1"/>
+    <dgm:cxn modelId="{2CF7E28C-A75B-4730-83D5-DE48D16646A5}" type="presParOf" srcId="{EE4B7610-A81D-4A77-BAD2-DF2A5FAAAEC9}" destId="{8B3F4B01-BF9E-46F4-A108-D2C4ADE4E90B}" srcOrd="2" destOrd="0" presId="urn:microsoft.com/office/officeart/2005/8/layout/process1"/>
+    <dgm:cxn modelId="{DEBD05E4-5B7D-41B2-9EF2-C7D6179B7D06}" type="presParOf" srcId="{EE4B7610-A81D-4A77-BAD2-DF2A5FAAAEC9}" destId="{0CF33F90-61C4-4560-8457-254CE1F8B262}" srcOrd="3" destOrd="0" presId="urn:microsoft.com/office/officeart/2005/8/layout/process1"/>
+    <dgm:cxn modelId="{F10999A1-BD1C-4F79-9311-52D847076420}" type="presParOf" srcId="{0CF33F90-61C4-4560-8457-254CE1F8B262}" destId="{30A0260D-5D16-468E-8390-2E3FE39EDA19}" srcOrd="0" destOrd="0" presId="urn:microsoft.com/office/officeart/2005/8/layout/process1"/>
+    <dgm:cxn modelId="{8F4FAF01-6126-4AD1-B507-0E0BA5F5295D}" type="presParOf" srcId="{EE4B7610-A81D-4A77-BAD2-DF2A5FAAAEC9}" destId="{ECF2149A-F213-44CB-B964-6CC4924B6E17}" srcOrd="4" destOrd="0" presId="urn:microsoft.com/office/officeart/2005/8/layout/process1"/>
+    <dgm:cxn modelId="{297CB4F0-5A64-4CD1-BBBC-C06BD299FCD7}" type="presParOf" srcId="{EE4B7610-A81D-4A77-BAD2-DF2A5FAAAEC9}" destId="{80ECA074-DE6D-428E-8ADB-5085FB291D1E}" srcOrd="5" destOrd="0" presId="urn:microsoft.com/office/officeart/2005/8/layout/process1"/>
+    <dgm:cxn modelId="{04A70A02-1333-4BAD-8960-807E253054BB}" type="presParOf" srcId="{80ECA074-DE6D-428E-8ADB-5085FB291D1E}" destId="{54ED7F17-F805-4387-9BAA-410019766448}" srcOrd="0" destOrd="0" presId="urn:microsoft.com/office/officeart/2005/8/layout/process1"/>
+    <dgm:cxn modelId="{A11D6AB3-E8C2-4A71-B5DE-BAA689A4EE39}" type="presParOf" srcId="{EE4B7610-A81D-4A77-BAD2-DF2A5FAAAEC9}" destId="{AFE1DF0F-6C3E-4D86-BD43-C88D7ABFFE1A}" srcOrd="6" destOrd="0" presId="urn:microsoft.com/office/officeart/2005/8/layout/process1"/>
+    <dgm:cxn modelId="{3E576D04-F8B9-48A5-9A5A-859CEB6A9FBB}" type="presParOf" srcId="{EE4B7610-A81D-4A77-BAD2-DF2A5FAAAEC9}" destId="{DC969574-D0A0-4624-B895-DB3DFAAF546A}" srcOrd="7" destOrd="0" presId="urn:microsoft.com/office/officeart/2005/8/layout/process1"/>
+    <dgm:cxn modelId="{939BCFA2-136B-4B01-B165-ABE61A28C304}" type="presParOf" srcId="{DC969574-D0A0-4624-B895-DB3DFAAF546A}" destId="{5B1730B7-1279-4668-A566-1F9101493ED1}" srcOrd="0" destOrd="0" presId="urn:microsoft.com/office/officeart/2005/8/layout/process1"/>
+    <dgm:cxn modelId="{DD6D8A0C-59BF-49F7-AA69-6BAE4B885F70}" type="presParOf" srcId="{EE4B7610-A81D-4A77-BAD2-DF2A5FAAAEC9}" destId="{C25285FB-6D38-4244-ABB4-CB3EDD1E0A3D}" srcOrd="8" destOrd="0" presId="urn:microsoft.com/office/officeart/2005/8/layout/process1"/>
+  </dgm:cxnLst>
+  <dgm:bg/>
+  <dgm:whole/>
+  <dgm:extLst>
+    <a:ext uri="http://schemas.microsoft.com/office/drawing/2008/diagram">
+      <dsp:dataModelExt xmlns:dsp="http://schemas.microsoft.com/office/drawing/2008/diagram" relId="rId6" minVer="http://schemas.openxmlformats.org/drawingml/2006/diagram"/>
+    </a:ext>
+  </dgm:extLst>
+</dgm:dataModel>
+</file>
+
+<file path=ppt/diagrams/drawing1.xml><?xml version="1.0" encoding="utf-8"?>
+<dsp:drawing xmlns:dgm="http://schemas.openxmlformats.org/drawingml/2006/diagram" xmlns:dsp="http://schemas.microsoft.com/office/drawing/2008/diagram" xmlns:a="http://schemas.openxmlformats.org/drawingml/2006/main">
+  <dsp:spTree>
+    <dsp:nvGrpSpPr>
+      <dsp:cNvPr id="0" name=""/>
+      <dsp:cNvGrpSpPr/>
+    </dsp:nvGrpSpPr>
+    <dsp:grpSpPr/>
+    <dsp:sp modelId="{92B12D54-6C5B-497A-8341-6F96F73DFF46}">
+      <dsp:nvSpPr>
+        <dsp:cNvPr id="0" name=""/>
+        <dsp:cNvSpPr/>
+      </dsp:nvSpPr>
+      <dsp:spPr>
+        <a:xfrm>
+          <a:off x="1978" y="816888"/>
+          <a:ext cx="1349499" cy="809699"/>
+        </a:xfrm>
+        <a:prstGeom prst="roundRect">
+          <a:avLst>
+            <a:gd name="adj" fmla="val 10000"/>
+          </a:avLst>
+        </a:prstGeom>
+        <a:solidFill>
+          <a:schemeClr val="accent1">
+            <a:hueOff val="0"/>
+            <a:satOff val="0"/>
+            <a:lumOff val="0"/>
+            <a:alphaOff val="0"/>
+          </a:schemeClr>
+        </a:solidFill>
+        <a:ln w="15875" cap="rnd" cmpd="sng" algn="ctr">
+          <a:solidFill>
+            <a:schemeClr val="lt1">
+              <a:hueOff val="0"/>
+              <a:satOff val="0"/>
+              <a:lumOff val="0"/>
+              <a:alphaOff val="0"/>
+            </a:schemeClr>
+          </a:solidFill>
+          <a:prstDash val="solid"/>
+        </a:ln>
+        <a:effectLst/>
+      </dsp:spPr>
+      <dsp:style>
+        <a:lnRef idx="2">
+          <a:scrgbClr r="0" g="0" b="0"/>
+        </a:lnRef>
+        <a:fillRef idx="1">
+          <a:scrgbClr r="0" g="0" b="0"/>
+        </a:fillRef>
+        <a:effectRef idx="0">
+          <a:scrgbClr r="0" g="0" b="0"/>
+        </a:effectRef>
+        <a:fontRef idx="minor">
+          <a:schemeClr val="lt1"/>
+        </a:fontRef>
+      </dsp:style>
+      <dsp:txBody>
+        <a:bodyPr spcFirstLastPara="0" vert="horz" wrap="square" lIns="83820" tIns="83820" rIns="83820" bIns="83820" numCol="1" spcCol="1270" anchor="ctr" anchorCtr="0">
+          <a:noAutofit/>
+        </a:bodyPr>
+        <a:lstStyle/>
+        <a:p>
+          <a:pPr lvl="0" algn="ctr" defTabSz="977900">
+            <a:lnSpc>
+              <a:spcPct val="90000"/>
+            </a:lnSpc>
+            <a:spcBef>
+              <a:spcPct val="0"/>
+            </a:spcBef>
+            <a:spcAft>
+              <a:spcPct val="35000"/>
+            </a:spcAft>
+          </a:pPr>
+          <a:r>
+            <a:rPr lang="zh-TW" altLang="en-US" sz="2200" kern="1200" dirty="0" smtClean="0"/>
+            <a:t>讀檔</a:t>
+          </a:r>
+          <a:endParaRPr lang="zh-TW" altLang="en-US" sz="2200" kern="1200" dirty="0"/>
+        </a:p>
+      </dsp:txBody>
+      <dsp:txXfrm>
+        <a:off x="25693" y="840603"/>
+        <a:ext cx="1302069" cy="762269"/>
+      </dsp:txXfrm>
+    </dsp:sp>
+    <dsp:sp modelId="{4C101B1A-7D67-4019-8373-B05182788F7F}">
+      <dsp:nvSpPr>
+        <dsp:cNvPr id="0" name=""/>
+        <dsp:cNvSpPr/>
+      </dsp:nvSpPr>
+      <dsp:spPr>
+        <a:xfrm rot="9123">
+          <a:off x="1487020" y="1056932"/>
+          <a:ext cx="287353" cy="334675"/>
+        </a:xfrm>
+        <a:prstGeom prst="rightArrow">
+          <a:avLst>
+            <a:gd name="adj1" fmla="val 60000"/>
+            <a:gd name="adj2" fmla="val 50000"/>
+          </a:avLst>
+        </a:prstGeom>
+        <a:solidFill>
+          <a:schemeClr val="accent1">
+            <a:tint val="60000"/>
+            <a:hueOff val="0"/>
+            <a:satOff val="0"/>
+            <a:lumOff val="0"/>
+            <a:alphaOff val="0"/>
+          </a:schemeClr>
+        </a:solidFill>
+        <a:ln>
+          <a:noFill/>
+        </a:ln>
+        <a:effectLst/>
+      </dsp:spPr>
+      <dsp:style>
+        <a:lnRef idx="0">
+          <a:scrgbClr r="0" g="0" b="0"/>
+        </a:lnRef>
+        <a:fillRef idx="1">
+          <a:scrgbClr r="0" g="0" b="0"/>
+        </a:fillRef>
+        <a:effectRef idx="0">
+          <a:scrgbClr r="0" g="0" b="0"/>
+        </a:effectRef>
+        <a:fontRef idx="minor">
+          <a:schemeClr val="lt1"/>
+        </a:fontRef>
+      </dsp:style>
+      <dsp:txBody>
+        <a:bodyPr spcFirstLastPara="0" vert="horz" wrap="square" lIns="0" tIns="0" rIns="0" bIns="0" numCol="1" spcCol="1270" anchor="ctr" anchorCtr="0">
+          <a:noAutofit/>
+        </a:bodyPr>
+        <a:lstStyle/>
+        <a:p>
+          <a:pPr lvl="0" algn="ctr" defTabSz="622300">
+            <a:lnSpc>
+              <a:spcPct val="90000"/>
+            </a:lnSpc>
+            <a:spcBef>
+              <a:spcPct val="0"/>
+            </a:spcBef>
+            <a:spcAft>
+              <a:spcPct val="35000"/>
+            </a:spcAft>
+          </a:pPr>
+          <a:endParaRPr lang="zh-TW" altLang="en-US" sz="1400" kern="1200"/>
+        </a:p>
+      </dsp:txBody>
+      <dsp:txXfrm>
+        <a:off x="1487020" y="1123753"/>
+        <a:ext cx="201147" cy="200805"/>
+      </dsp:txXfrm>
+    </dsp:sp>
+    <dsp:sp modelId="{8B3F4B01-BF9E-46F4-A108-D2C4ADE4E90B}">
+      <dsp:nvSpPr>
+        <dsp:cNvPr id="0" name=""/>
+        <dsp:cNvSpPr/>
+      </dsp:nvSpPr>
+      <dsp:spPr>
+        <a:xfrm>
+          <a:off x="1893651" y="821908"/>
+          <a:ext cx="1349499" cy="809699"/>
+        </a:xfrm>
+        <a:prstGeom prst="roundRect">
+          <a:avLst>
+            <a:gd name="adj" fmla="val 10000"/>
+          </a:avLst>
+        </a:prstGeom>
+        <a:solidFill>
+          <a:schemeClr val="accent1">
+            <a:hueOff val="0"/>
+            <a:satOff val="0"/>
+            <a:lumOff val="0"/>
+            <a:alphaOff val="0"/>
+          </a:schemeClr>
+        </a:solidFill>
+        <a:ln w="15875" cap="rnd" cmpd="sng" algn="ctr">
+          <a:solidFill>
+            <a:schemeClr val="lt1">
+              <a:hueOff val="0"/>
+              <a:satOff val="0"/>
+              <a:lumOff val="0"/>
+              <a:alphaOff val="0"/>
+            </a:schemeClr>
+          </a:solidFill>
+          <a:prstDash val="solid"/>
+        </a:ln>
+        <a:effectLst/>
+      </dsp:spPr>
+      <dsp:style>
+        <a:lnRef idx="2">
+          <a:scrgbClr r="0" g="0" b="0"/>
+        </a:lnRef>
+        <a:fillRef idx="1">
+          <a:scrgbClr r="0" g="0" b="0"/>
+        </a:fillRef>
+        <a:effectRef idx="0">
+          <a:scrgbClr r="0" g="0" b="0"/>
+        </a:effectRef>
+        <a:fontRef idx="minor">
+          <a:schemeClr val="lt1"/>
+        </a:fontRef>
+      </dsp:style>
+      <dsp:txBody>
+        <a:bodyPr spcFirstLastPara="0" vert="horz" wrap="square" lIns="83820" tIns="83820" rIns="83820" bIns="83820" numCol="1" spcCol="1270" anchor="ctr" anchorCtr="0">
+          <a:noAutofit/>
+        </a:bodyPr>
+        <a:lstStyle/>
+        <a:p>
+          <a:pPr lvl="0" algn="ctr" defTabSz="977900">
+            <a:lnSpc>
+              <a:spcPct val="90000"/>
+            </a:lnSpc>
+            <a:spcBef>
+              <a:spcPct val="0"/>
+            </a:spcBef>
+            <a:spcAft>
+              <a:spcPct val="35000"/>
+            </a:spcAft>
+          </a:pPr>
+          <a:r>
+            <a:rPr lang="zh-TW" altLang="en-US" sz="2200" kern="1200" dirty="0" smtClean="0"/>
+            <a:t>正規化</a:t>
+          </a:r>
+          <a:endParaRPr lang="zh-TW" altLang="en-US" sz="2200" kern="1200" dirty="0"/>
+        </a:p>
+      </dsp:txBody>
+      <dsp:txXfrm>
+        <a:off x="1917366" y="845623"/>
+        <a:ext cx="1302069" cy="762269"/>
+      </dsp:txXfrm>
+    </dsp:sp>
+    <dsp:sp modelId="{0CF33F90-61C4-4560-8457-254CE1F8B262}">
+      <dsp:nvSpPr>
+        <dsp:cNvPr id="0" name=""/>
+        <dsp:cNvSpPr/>
+      </dsp:nvSpPr>
+      <dsp:spPr>
+        <a:xfrm rot="9098">
+          <a:off x="3379228" y="1061948"/>
+          <a:ext cx="288486" cy="334675"/>
+        </a:xfrm>
+        <a:prstGeom prst="rightArrow">
+          <a:avLst>
+            <a:gd name="adj1" fmla="val 60000"/>
+            <a:gd name="adj2" fmla="val 50000"/>
+          </a:avLst>
+        </a:prstGeom>
+        <a:solidFill>
+          <a:schemeClr val="accent1">
+            <a:tint val="60000"/>
+            <a:hueOff val="0"/>
+            <a:satOff val="0"/>
+            <a:lumOff val="0"/>
+            <a:alphaOff val="0"/>
+          </a:schemeClr>
+        </a:solidFill>
+        <a:ln>
+          <a:noFill/>
+        </a:ln>
+        <a:effectLst/>
+      </dsp:spPr>
+      <dsp:style>
+        <a:lnRef idx="0">
+          <a:scrgbClr r="0" g="0" b="0"/>
+        </a:lnRef>
+        <a:fillRef idx="1">
+          <a:scrgbClr r="0" g="0" b="0"/>
+        </a:fillRef>
+        <a:effectRef idx="0">
+          <a:scrgbClr r="0" g="0" b="0"/>
+        </a:effectRef>
+        <a:fontRef idx="minor">
+          <a:schemeClr val="lt1"/>
+        </a:fontRef>
+      </dsp:style>
+      <dsp:txBody>
+        <a:bodyPr spcFirstLastPara="0" vert="horz" wrap="square" lIns="0" tIns="0" rIns="0" bIns="0" numCol="1" spcCol="1270" anchor="ctr" anchorCtr="0">
+          <a:noAutofit/>
+        </a:bodyPr>
+        <a:lstStyle/>
+        <a:p>
+          <a:pPr lvl="0" algn="ctr" defTabSz="622300">
+            <a:lnSpc>
+              <a:spcPct val="90000"/>
+            </a:lnSpc>
+            <a:spcBef>
+              <a:spcPct val="0"/>
+            </a:spcBef>
+            <a:spcAft>
+              <a:spcPct val="35000"/>
+            </a:spcAft>
+          </a:pPr>
+          <a:endParaRPr lang="zh-TW" altLang="en-US" sz="1400" kern="1200"/>
+        </a:p>
+      </dsp:txBody>
+      <dsp:txXfrm>
+        <a:off x="3379228" y="1128768"/>
+        <a:ext cx="201940" cy="200805"/>
+      </dsp:txXfrm>
+    </dsp:sp>
+    <dsp:sp modelId="{ECF2149A-F213-44CB-B964-6CC4924B6E17}">
+      <dsp:nvSpPr>
+        <dsp:cNvPr id="0" name=""/>
+        <dsp:cNvSpPr/>
+      </dsp:nvSpPr>
+      <dsp:spPr>
+        <a:xfrm>
+          <a:off x="3787463" y="826920"/>
+          <a:ext cx="1349499" cy="809699"/>
+        </a:xfrm>
+        <a:prstGeom prst="roundRect">
+          <a:avLst>
+            <a:gd name="adj" fmla="val 10000"/>
+          </a:avLst>
+        </a:prstGeom>
+        <a:solidFill>
+          <a:schemeClr val="accent1">
+            <a:hueOff val="0"/>
+            <a:satOff val="0"/>
+            <a:lumOff val="0"/>
+            <a:alphaOff val="0"/>
+          </a:schemeClr>
+        </a:solidFill>
+        <a:ln w="15875" cap="rnd" cmpd="sng" algn="ctr">
+          <a:solidFill>
+            <a:schemeClr val="lt1">
+              <a:hueOff val="0"/>
+              <a:satOff val="0"/>
+              <a:lumOff val="0"/>
+              <a:alphaOff val="0"/>
+            </a:schemeClr>
+          </a:solidFill>
+          <a:prstDash val="solid"/>
+        </a:ln>
+        <a:effectLst/>
+      </dsp:spPr>
+      <dsp:style>
+        <a:lnRef idx="2">
+          <a:scrgbClr r="0" g="0" b="0"/>
+        </a:lnRef>
+        <a:fillRef idx="1">
+          <a:scrgbClr r="0" g="0" b="0"/>
+        </a:fillRef>
+        <a:effectRef idx="0">
+          <a:scrgbClr r="0" g="0" b="0"/>
+        </a:effectRef>
+        <a:fontRef idx="minor">
+          <a:schemeClr val="lt1"/>
+        </a:fontRef>
+      </dsp:style>
+      <dsp:txBody>
+        <a:bodyPr spcFirstLastPara="0" vert="horz" wrap="square" lIns="83820" tIns="83820" rIns="83820" bIns="83820" numCol="1" spcCol="1270" anchor="ctr" anchorCtr="0">
+          <a:noAutofit/>
+        </a:bodyPr>
+        <a:lstStyle/>
+        <a:p>
+          <a:pPr lvl="0" algn="ctr" defTabSz="977900">
+            <a:lnSpc>
+              <a:spcPct val="90000"/>
+            </a:lnSpc>
+            <a:spcBef>
+              <a:spcPct val="0"/>
+            </a:spcBef>
+            <a:spcAft>
+              <a:spcPct val="35000"/>
+            </a:spcAft>
+          </a:pPr>
+          <a:r>
+            <a:rPr lang="zh-TW" altLang="en-US" sz="2200" kern="1200" dirty="0" smtClean="0"/>
+            <a:t>跑模型</a:t>
+          </a:r>
+          <a:endParaRPr lang="zh-TW" altLang="en-US" sz="2200" kern="1200" dirty="0"/>
+        </a:p>
+      </dsp:txBody>
+      <dsp:txXfrm>
+        <a:off x="3811178" y="850635"/>
+        <a:ext cx="1302069" cy="762269"/>
+      </dsp:txXfrm>
+    </dsp:sp>
+    <dsp:sp modelId="{80ECA074-DE6D-428E-8ADB-5085FB291D1E}">
+      <dsp:nvSpPr>
+        <dsp:cNvPr id="0" name=""/>
+        <dsp:cNvSpPr/>
+      </dsp:nvSpPr>
+      <dsp:spPr>
+        <a:xfrm>
+          <a:off x="5271912" y="1064432"/>
+          <a:ext cx="286093" cy="334675"/>
+        </a:xfrm>
+        <a:prstGeom prst="rightArrow">
+          <a:avLst>
+            <a:gd name="adj1" fmla="val 60000"/>
+            <a:gd name="adj2" fmla="val 50000"/>
+          </a:avLst>
+        </a:prstGeom>
+        <a:solidFill>
+          <a:schemeClr val="accent1">
+            <a:tint val="60000"/>
+            <a:hueOff val="0"/>
+            <a:satOff val="0"/>
+            <a:lumOff val="0"/>
+            <a:alphaOff val="0"/>
+          </a:schemeClr>
+        </a:solidFill>
+        <a:ln>
+          <a:noFill/>
+        </a:ln>
+        <a:effectLst/>
+      </dsp:spPr>
+      <dsp:style>
+        <a:lnRef idx="0">
+          <a:scrgbClr r="0" g="0" b="0"/>
+        </a:lnRef>
+        <a:fillRef idx="1">
+          <a:scrgbClr r="0" g="0" b="0"/>
+        </a:fillRef>
+        <a:effectRef idx="0">
+          <a:scrgbClr r="0" g="0" b="0"/>
+        </a:effectRef>
+        <a:fontRef idx="minor">
+          <a:schemeClr val="lt1"/>
+        </a:fontRef>
+      </dsp:style>
+      <dsp:txBody>
+        <a:bodyPr spcFirstLastPara="0" vert="horz" wrap="square" lIns="0" tIns="0" rIns="0" bIns="0" numCol="1" spcCol="1270" anchor="ctr" anchorCtr="0">
+          <a:noAutofit/>
+        </a:bodyPr>
+        <a:lstStyle/>
+        <a:p>
+          <a:pPr lvl="0" algn="ctr" defTabSz="622300">
+            <a:lnSpc>
+              <a:spcPct val="90000"/>
+            </a:lnSpc>
+            <a:spcBef>
+              <a:spcPct val="0"/>
+            </a:spcBef>
+            <a:spcAft>
+              <a:spcPct val="35000"/>
+            </a:spcAft>
+          </a:pPr>
+          <a:endParaRPr lang="zh-TW" altLang="en-US" sz="1400" kern="1200"/>
+        </a:p>
+      </dsp:txBody>
+      <dsp:txXfrm>
+        <a:off x="5271912" y="1131367"/>
+        <a:ext cx="200265" cy="200805"/>
+      </dsp:txXfrm>
+    </dsp:sp>
+    <dsp:sp modelId="{AFE1DF0F-6C3E-4D86-BD43-C88D7ABFFE1A}">
+      <dsp:nvSpPr>
+        <dsp:cNvPr id="0" name=""/>
+        <dsp:cNvSpPr/>
+      </dsp:nvSpPr>
+      <dsp:spPr>
+        <a:xfrm>
+          <a:off x="5676761" y="826920"/>
+          <a:ext cx="1349499" cy="809699"/>
+        </a:xfrm>
+        <a:prstGeom prst="roundRect">
+          <a:avLst>
+            <a:gd name="adj" fmla="val 10000"/>
+          </a:avLst>
+        </a:prstGeom>
+        <a:solidFill>
+          <a:schemeClr val="accent1">
+            <a:hueOff val="0"/>
+            <a:satOff val="0"/>
+            <a:lumOff val="0"/>
+            <a:alphaOff val="0"/>
+          </a:schemeClr>
+        </a:solidFill>
+        <a:ln w="15875" cap="rnd" cmpd="sng" algn="ctr">
+          <a:solidFill>
+            <a:schemeClr val="lt1">
+              <a:hueOff val="0"/>
+              <a:satOff val="0"/>
+              <a:lumOff val="0"/>
+              <a:alphaOff val="0"/>
+            </a:schemeClr>
+          </a:solidFill>
+          <a:prstDash val="solid"/>
+        </a:ln>
+        <a:effectLst/>
+      </dsp:spPr>
+      <dsp:style>
+        <a:lnRef idx="2">
+          <a:scrgbClr r="0" g="0" b="0"/>
+        </a:lnRef>
+        <a:fillRef idx="1">
+          <a:scrgbClr r="0" g="0" b="0"/>
+        </a:fillRef>
+        <a:effectRef idx="0">
+          <a:scrgbClr r="0" g="0" b="0"/>
+        </a:effectRef>
+        <a:fontRef idx="minor">
+          <a:schemeClr val="lt1"/>
+        </a:fontRef>
+      </dsp:style>
+      <dsp:txBody>
+        <a:bodyPr spcFirstLastPara="0" vert="horz" wrap="square" lIns="83820" tIns="83820" rIns="83820" bIns="83820" numCol="1" spcCol="1270" anchor="ctr" anchorCtr="0">
+          <a:noAutofit/>
+        </a:bodyPr>
+        <a:lstStyle/>
+        <a:p>
+          <a:pPr lvl="0" algn="ctr" defTabSz="977900">
+            <a:lnSpc>
+              <a:spcPct val="90000"/>
+            </a:lnSpc>
+            <a:spcBef>
+              <a:spcPct val="0"/>
+            </a:spcBef>
+            <a:spcAft>
+              <a:spcPct val="35000"/>
+            </a:spcAft>
+          </a:pPr>
+          <a:r>
+            <a:rPr lang="zh-TW" altLang="en-US" sz="2200" kern="1200" dirty="0" smtClean="0"/>
+            <a:t>修改模型</a:t>
+          </a:r>
+          <a:endParaRPr lang="zh-TW" altLang="en-US" sz="2200" kern="1200" dirty="0"/>
+        </a:p>
+      </dsp:txBody>
+      <dsp:txXfrm>
+        <a:off x="5700476" y="850635"/>
+        <a:ext cx="1302069" cy="762269"/>
+      </dsp:txXfrm>
+    </dsp:sp>
+    <dsp:sp modelId="{DC969574-D0A0-4624-B895-DB3DFAAF546A}">
+      <dsp:nvSpPr>
+        <dsp:cNvPr id="0" name=""/>
+        <dsp:cNvSpPr/>
+      </dsp:nvSpPr>
+      <dsp:spPr>
+        <a:xfrm>
+          <a:off x="7161170" y="1064432"/>
+          <a:ext cx="286009" cy="334675"/>
+        </a:xfrm>
+        <a:prstGeom prst="rightArrow">
+          <a:avLst>
+            <a:gd name="adj1" fmla="val 60000"/>
+            <a:gd name="adj2" fmla="val 50000"/>
+          </a:avLst>
+        </a:prstGeom>
+        <a:solidFill>
+          <a:schemeClr val="accent1">
+            <a:tint val="60000"/>
+            <a:hueOff val="0"/>
+            <a:satOff val="0"/>
+            <a:lumOff val="0"/>
+            <a:alphaOff val="0"/>
+          </a:schemeClr>
+        </a:solidFill>
+        <a:ln>
+          <a:noFill/>
+        </a:ln>
+        <a:effectLst/>
+      </dsp:spPr>
+      <dsp:style>
+        <a:lnRef idx="0">
+          <a:scrgbClr r="0" g="0" b="0"/>
+        </a:lnRef>
+        <a:fillRef idx="1">
+          <a:scrgbClr r="0" g="0" b="0"/>
+        </a:fillRef>
+        <a:effectRef idx="0">
+          <a:scrgbClr r="0" g="0" b="0"/>
+        </a:effectRef>
+        <a:fontRef idx="minor">
+          <a:schemeClr val="lt1"/>
+        </a:fontRef>
+      </dsp:style>
+      <dsp:txBody>
+        <a:bodyPr spcFirstLastPara="0" vert="horz" wrap="square" lIns="0" tIns="0" rIns="0" bIns="0" numCol="1" spcCol="1270" anchor="ctr" anchorCtr="0">
+          <a:noAutofit/>
+        </a:bodyPr>
+        <a:lstStyle/>
+        <a:p>
+          <a:pPr lvl="0" algn="ctr" defTabSz="622300">
+            <a:lnSpc>
+              <a:spcPct val="90000"/>
+            </a:lnSpc>
+            <a:spcBef>
+              <a:spcPct val="0"/>
+            </a:spcBef>
+            <a:spcAft>
+              <a:spcPct val="35000"/>
+            </a:spcAft>
+          </a:pPr>
+          <a:endParaRPr lang="zh-TW" altLang="en-US" sz="1400" kern="1200"/>
+        </a:p>
+      </dsp:txBody>
+      <dsp:txXfrm>
+        <a:off x="7161170" y="1131367"/>
+        <a:ext cx="200206" cy="200805"/>
+      </dsp:txXfrm>
+    </dsp:sp>
+    <dsp:sp modelId="{C25285FB-6D38-4244-ABB4-CB3EDD1E0A3D}">
+      <dsp:nvSpPr>
+        <dsp:cNvPr id="0" name=""/>
+        <dsp:cNvSpPr/>
+      </dsp:nvSpPr>
+      <dsp:spPr>
+        <a:xfrm>
+          <a:off x="7565900" y="826920"/>
+          <a:ext cx="1349499" cy="809699"/>
+        </a:xfrm>
+        <a:prstGeom prst="roundRect">
+          <a:avLst>
+            <a:gd name="adj" fmla="val 10000"/>
+          </a:avLst>
+        </a:prstGeom>
+        <a:solidFill>
+          <a:schemeClr val="accent1">
+            <a:hueOff val="0"/>
+            <a:satOff val="0"/>
+            <a:lumOff val="0"/>
+            <a:alphaOff val="0"/>
+          </a:schemeClr>
+        </a:solidFill>
+        <a:ln w="15875" cap="rnd" cmpd="sng" algn="ctr">
+          <a:solidFill>
+            <a:schemeClr val="lt1">
+              <a:hueOff val="0"/>
+              <a:satOff val="0"/>
+              <a:lumOff val="0"/>
+              <a:alphaOff val="0"/>
+            </a:schemeClr>
+          </a:solidFill>
+          <a:prstDash val="solid"/>
+        </a:ln>
+        <a:effectLst/>
+      </dsp:spPr>
+      <dsp:style>
+        <a:lnRef idx="2">
+          <a:scrgbClr r="0" g="0" b="0"/>
+        </a:lnRef>
+        <a:fillRef idx="1">
+          <a:scrgbClr r="0" g="0" b="0"/>
+        </a:fillRef>
+        <a:effectRef idx="0">
+          <a:scrgbClr r="0" g="0" b="0"/>
+        </a:effectRef>
+        <a:fontRef idx="minor">
+          <a:schemeClr val="lt1"/>
+        </a:fontRef>
+      </dsp:style>
+      <dsp:txBody>
+        <a:bodyPr spcFirstLastPara="0" vert="horz" wrap="square" lIns="83820" tIns="83820" rIns="83820" bIns="83820" numCol="1" spcCol="1270" anchor="ctr" anchorCtr="0">
+          <a:noAutofit/>
+        </a:bodyPr>
+        <a:lstStyle/>
+        <a:p>
+          <a:pPr lvl="0" algn="ctr" defTabSz="977900">
+            <a:lnSpc>
+              <a:spcPct val="90000"/>
+            </a:lnSpc>
+            <a:spcBef>
+              <a:spcPct val="0"/>
+            </a:spcBef>
+            <a:spcAft>
+              <a:spcPct val="35000"/>
+            </a:spcAft>
+          </a:pPr>
+          <a:r>
+            <a:rPr lang="zh-TW" altLang="en-US" sz="2200" kern="1200" dirty="0" smtClean="0"/>
+            <a:t>預測結果</a:t>
+          </a:r>
+          <a:endParaRPr lang="zh-TW" altLang="en-US" sz="2200" kern="1200" dirty="0"/>
+        </a:p>
+      </dsp:txBody>
+      <dsp:txXfrm>
+        <a:off x="7589615" y="850635"/>
+        <a:ext cx="1302069" cy="762269"/>
+      </dsp:txXfrm>
+    </dsp:sp>
+  </dsp:spTree>
+</dsp:drawing>
+</file>
+
+<file path=ppt/diagrams/layout1.xml><?xml version="1.0" encoding="utf-8"?>
+<dgm:layoutDef xmlns:dgm="http://schemas.openxmlformats.org/drawingml/2006/diagram" xmlns:a="http://schemas.openxmlformats.org/drawingml/2006/main" uniqueId="urn:microsoft.com/office/officeart/2005/8/layout/process1">
+  <dgm:title val=""/>
+  <dgm:desc val=""/>
+  <dgm:catLst>
+    <dgm:cat type="process" pri="1000"/>
+    <dgm:cat type="convert" pri="15000"/>
+  </dgm:catLst>
+  <dgm:sampData useDef="1">
+    <dgm:dataModel>
+      <dgm:ptLst/>
+      <dgm:bg/>
+      <dgm:whole/>
+    </dgm:dataModel>
+  </dgm:sampData>
+  <dgm:styleData>
+    <dgm:dataModel>
+      <dgm:ptLst>
+        <dgm:pt modelId="0" type="doc"/>
+        <dgm:pt modelId="1"/>
+        <dgm:pt modelId="2"/>
+      </dgm:ptLst>
+      <dgm:cxnLst>
+        <dgm:cxn modelId="3" srcId="0" destId="1" srcOrd="0" destOrd="0"/>
+        <dgm:cxn modelId="4" srcId="0" destId="2" srcOrd="1" destOrd="0"/>
+      </dgm:cxnLst>
+      <dgm:bg/>
+      <dgm:whole/>
+    </dgm:dataModel>
+  </dgm:styleData>
+  <dgm:clrData>
+    <dgm:dataModel>
+      <dgm:ptLst>
+        <dgm:pt modelId="0" type="doc"/>
+        <dgm:pt modelId="1"/>
+        <dgm:pt modelId="2"/>
+        <dgm:pt modelId="3"/>
+        <dgm:pt modelId="4"/>
+      </dgm:ptLst>
+      <dgm:cxnLst>
+        <dgm:cxn modelId="5" srcId="0" destId="1" srcOrd="0" destOrd="0"/>
+        <dgm:cxn modelId="6" srcId="0" destId="2" srcOrd="1" destOrd="0"/>
+        <dgm:cxn modelId="7" srcId="0" destId="3" srcOrd="2" destOrd="0"/>
+        <dgm:cxn modelId="8" srcId="0" destId="4" srcOrd="3" destOrd="0"/>
+      </dgm:cxnLst>
+      <dgm:bg/>
+      <dgm:whole/>
+    </dgm:dataModel>
+  </dgm:clrData>
+  <dgm:layoutNode name="Name0">
+    <dgm:varLst>
+      <dgm:dir/>
+      <dgm:resizeHandles val="exact"/>
+    </dgm:varLst>
+    <dgm:choose name="Name1">
+      <dgm:if name="Name2" func="var" arg="dir" op="equ" val="norm">
+        <dgm:alg type="lin"/>
+      </dgm:if>
+      <dgm:else name="Name3">
+        <dgm:alg type="lin">
+          <dgm:param type="linDir" val="fromR"/>
+        </dgm:alg>
+      </dgm:else>
+    </dgm:choose>
+    <dgm:shape xmlns:r="http://schemas.openxmlformats.org/officeDocument/2006/relationships" r:blip="">
+      <dgm:adjLst/>
+    </dgm:shape>
+    <dgm:presOf/>
+    <dgm:constrLst>
+      <dgm:constr type="w" for="ch" ptType="node" refType="w"/>
+      <dgm:constr type="h" for="ch" ptType="node" op="equ"/>
+      <dgm:constr type="primFontSz" for="ch" ptType="node" op="equ" val="65"/>
+      <dgm:constr type="w" for="ch" ptType="sibTrans" refType="w" refFor="ch" refPtType="node" op="equ" fact="0.4"/>
+      <dgm:constr type="h" for="ch" ptType="sibTrans" op="equ"/>
+      <dgm:constr type="primFontSz" for="des" forName="connectorText" op="equ" val="55"/>
+      <dgm:constr type="primFontSz" for="des" forName="connectorText" refType="primFontSz" refFor="ch" refPtType="node" op="lte" fact="0.8"/>
+    </dgm:constrLst>
+    <dgm:ruleLst/>
+    <dgm:forEach name="nodesForEach" axis="ch" ptType="node">
+      <dgm:layoutNode name="node">
+        <dgm:varLst>
+          <dgm:bulletEnabled val="1"/>
+        </dgm:varLst>
+        <dgm:alg type="tx"/>
+        <dgm:shape xmlns:r="http://schemas.openxmlformats.org/officeDocument/2006/relationships" type="roundRect" r:blip="">
+          <dgm:adjLst>
+            <dgm:adj idx="1" val="0.1"/>
+          </dgm:adjLst>
+        </dgm:shape>
+        <dgm:presOf axis="desOrSelf" ptType="node"/>
+        <dgm:constrLst>
+          <dgm:constr type="h" refType="w" fact="0.6"/>
+          <dgm:constr type="tMarg" refType="primFontSz" fact="0.3"/>
+          <dgm:constr type="bMarg" refType="primFontSz" fact="0.3"/>
+          <dgm:constr type="lMarg" refType="primFontSz" fact="0.3"/>
+          <dgm:constr type="rMarg" refType="primFontSz" fact="0.3"/>
+        </dgm:constrLst>
+        <dgm:ruleLst>
+          <dgm:rule type="primFontSz" val="18" fact="NaN" max="NaN"/>
+          <dgm:rule type="h" val="NaN" fact="1.5" max="NaN"/>
+          <dgm:rule type="primFontSz" val="5" fact="NaN" max="NaN"/>
+          <dgm:rule type="h" val="INF" fact="NaN" max="NaN"/>
+        </dgm:ruleLst>
+      </dgm:layoutNode>
+      <dgm:forEach name="sibTransForEach" axis="followSib" ptType="sibTrans" cnt="1">
+        <dgm:layoutNode name="sibTrans">
+          <dgm:alg type="conn">
+            <dgm:param type="begPts" val="auto"/>
+            <dgm:param type="endPts" val="auto"/>
+          </dgm:alg>
+          <dgm:shape xmlns:r="http://schemas.openxmlformats.org/officeDocument/2006/relationships" type="conn" r:blip="">
+            <dgm:adjLst/>
+          </dgm:shape>
+          <dgm:presOf axis="self"/>
+          <dgm:constrLst>
+            <dgm:constr type="h" refType="w" fact="0.62"/>
+            <dgm:constr type="connDist"/>
+            <dgm:constr type="begPad" refType="connDist" fact="0.25"/>
+            <dgm:constr type="endPad" refType="connDist" fact="0.22"/>
+          </dgm:constrLst>
+          <dgm:ruleLst/>
+          <dgm:layoutNode name="connectorText">
+            <dgm:alg type="tx">
+              <dgm:param type="autoTxRot" val="grav"/>
+            </dgm:alg>
+            <dgm:shape xmlns:r="http://schemas.openxmlformats.org/officeDocument/2006/relationships" type="conn" r:blip="" hideGeom="1">
+              <dgm:adjLst/>
+            </dgm:shape>
+            <dgm:presOf axis="self"/>
+            <dgm:constrLst>
+              <dgm:constr type="lMarg"/>
+              <dgm:constr type="rMarg"/>
+              <dgm:constr type="tMarg"/>
+              <dgm:constr type="bMarg"/>
+            </dgm:constrLst>
+            <dgm:ruleLst>
+              <dgm:rule type="primFontSz" val="5" fact="NaN" max="NaN"/>
+            </dgm:ruleLst>
+          </dgm:layoutNode>
+        </dgm:layoutNode>
+      </dgm:forEach>
+    </dgm:forEach>
+  </dgm:layoutNode>
+</dgm:layoutDef>
+</file>
+
+<file path=ppt/diagrams/quickStyle1.xml><?xml version="1.0" encoding="utf-8"?>
+<dgm:styleDef xmlns:dgm="http://schemas.openxmlformats.org/drawingml/2006/diagram" xmlns:a="http://schemas.openxmlformats.org/drawingml/2006/main" uniqueId="urn:microsoft.com/office/officeart/2005/8/quickstyle/simple1">
+  <dgm:title val=""/>
+  <dgm:desc val=""/>
+  <dgm:catLst>
+    <dgm:cat type="simple" pri="10100"/>
+  </dgm:catLst>
+  <dgm:scene3d>
+    <a:camera prst="orthographicFront"/>
+    <a:lightRig rig="threePt" dir="t"/>
+  </dgm:scene3d>
+  <dgm:styleLbl name="node0">
+    <dgm:scene3d>
+      <a:camera prst="orthographicFront"/>
+      <a:lightRig rig="threePt" dir="t"/>
+    </dgm:scene3d>
+    <dgm:sp3d/>
+    <dgm:txPr/>
+    <dgm:style>
+      <a:lnRef idx="2">
+        <a:scrgbClr r="0" g="0" b="0"/>
+      </a:lnRef>
+      <a:fillRef idx="1">
+        <a:scrgbClr r="0" g="0" b="0"/>
+      </a:fillRef>
+      <a:effectRef idx="0">
+        <a:scrgbClr r="0" g="0" b="0"/>
+      </a:effectRef>
+      <a:fontRef idx="minor">
+        <a:schemeClr val="lt1"/>
+      </a:fontRef>
+    </dgm:style>
+  </dgm:styleLbl>
+  <dgm:styleLbl name="lnNode1">
+    <dgm:scene3d>
+      <a:camera prst="orthographicFront"/>
+      <a:lightRig rig="threePt" dir="t"/>
+    </dgm:scene3d>
+    <dgm:sp3d/>
+    <dgm:txPr/>
+    <dgm:style>
+      <a:lnRef idx="2">
+        <a:scrgbClr r="0" g="0" b="0"/>
+      </a:lnRef>
+      <a:fillRef idx="1">
+        <a:scrgbClr r="0" g="0" b="0"/>
+      </a:fillRef>
+      <a:effectRef idx="0">
+        <a:scrgbClr r="0" g="0" b="0"/>
+      </a:effectRef>
+      <a:fontRef idx="minor">
+        <a:schemeClr val="lt1"/>
+      </a:fontRef>
+    </dgm:style>
+  </dgm:styleLbl>
+  <dgm:styleLbl name="vennNode1">
+    <dgm:scene3d>
+      <a:camera prst="orthographicFront"/>
+      <a:lightRig rig="threePt" dir="t"/>
+    </dgm:scene3d>
+    <dgm:sp3d/>
+    <dgm:txPr/>
+    <dgm:style>
+      <a:lnRef idx="2">
+        <a:scrgbClr r="0" g="0" b="0"/>
+      </a:lnRef>
+      <a:fillRef idx="1">
+        <a:scrgbClr r="0" g="0" b="0"/>
+      </a:fillRef>
+      <a:effectRef idx="0">
+        <a:scrgbClr r="0" g="0" b="0"/>
+      </a:effectRef>
+      <a:fontRef idx="minor">
+        <a:schemeClr val="tx1"/>
+      </a:fontRef>
+    </dgm:style>
+  </dgm:styleLbl>
+  <dgm:styleLbl name="alignNode1">
+    <dgm:scene3d>
+      <a:camera prst="orthographicFront"/>
+      <a:lightRig rig="threePt" dir="t"/>
+    </dgm:scene3d>
+    <dgm:sp3d/>
+    <dgm:txPr/>
+    <dgm:style>
+      <a:lnRef idx="2">
+        <a:scrgbClr r="0" g="0" b="0"/>
+      </a:lnRef>
+      <a:fillRef idx="1">
+        <a:scrgbClr r="0" g="0" b="0"/>
+      </a:fillRef>
+      <a:effectRef idx="0">
+        <a:scrgbClr r="0" g="0" b="0"/>
+      </a:effectRef>
+      <a:fontRef idx="minor">
+        <a:schemeClr val="lt1"/>
+      </a:fontRef>
+    </dgm:style>
+  </dgm:styleLbl>
+  <dgm:styleLbl name="node1">
+    <dgm:scene3d>
+      <a:camera prst="orthographicFront"/>
+      <a:lightRig rig="threePt" dir="t"/>
+    </dgm:scene3d>
+    <dgm:sp3d/>
+    <dgm:txPr/>
+    <dgm:style>
+      <a:lnRef idx="2">
+        <a:scrgbClr r="0" g="0" b="0"/>
+      </a:lnRef>
+      <a:fillRef idx="1">
+        <a:scrgbClr r="0" g="0" b="0"/>
+      </a:fillRef>
+      <a:effectRef idx="0">
+        <a:scrgbClr r="0" g="0" b="0"/>
+      </a:effectRef>
+      <a:fontRef idx="minor">
+        <a:schemeClr val="lt1"/>
+      </a:fontRef>
+    </dgm:style>
+  </dgm:styleLbl>
+  <dgm:styleLbl name="node2">
+    <dgm:scene3d>
+      <a:camera prst="orthographicFront"/>
+      <a:lightRig rig="threePt" dir="t"/>
+    </dgm:scene3d>
+    <dgm:sp3d/>
+    <dgm:txPr/>
+    <dgm:style>
+      <a:lnRef idx="2">
+        <a:scrgbClr r="0" g="0" b="0"/>
+      </a:lnRef>
+      <a:fillRef idx="1">
+        <a:scrgbClr r="0" g="0" b="0"/>
+      </a:fillRef>
+      <a:effectRef idx="0">
+        <a:scrgbClr r="0" g="0" b="0"/>
+      </a:effectRef>
+      <a:fontRef idx="minor">
+        <a:schemeClr val="lt1"/>
+      </a:fontRef>
+    </dgm:style>
+  </dgm:styleLbl>
+  <dgm:styleLbl name="node3">
+    <dgm:scene3d>
+      <a:camera prst="orthographicFront"/>
+      <a:lightRig rig="threePt" dir="t"/>
+    </dgm:scene3d>
+    <dgm:sp3d/>
+    <dgm:txPr/>
+    <dgm:style>
+      <a:lnRef idx="2">
+        <a:scrgbClr r="0" g="0" b="0"/>
+      </a:lnRef>
+      <a:fillRef idx="1">
+        <a:scrgbClr r="0" g="0" b="0"/>
+      </a:fillRef>
+      <a:effectRef idx="0">
+        <a:scrgbClr r="0" g="0" b="0"/>
+      </a:effectRef>
+      <a:fontRef idx="minor">
+        <a:schemeClr val="lt1"/>
+      </a:fontRef>
+    </dgm:style>
+  </dgm:styleLbl>
+  <dgm:styleLbl name="node4">
+    <dgm:scene3d>
+      <a:camera prst="orthographicFront"/>
+      <a:lightRig rig="threePt" dir="t"/>
+    </dgm:scene3d>
+    <dgm:sp3d/>
+    <dgm:txPr/>
+    <dgm:style>
+      <a:lnRef idx="2">
+        <a:scrgbClr r="0" g="0" b="0"/>
+      </a:lnRef>
+      <a:fillRef idx="1">
+        <a:scrgbClr r="0" g="0" b="0"/>
+      </a:fillRef>
+      <a:effectRef idx="0">
+        <a:scrgbClr r="0" g="0" b="0"/>
+      </a:effectRef>
+      <a:fontRef idx="minor">
+        <a:schemeClr val="lt1"/>
+      </a:fontRef>
+    </dgm:style>
+  </dgm:styleLbl>
+  <dgm:styleLbl name="fgImgPlace1">
+    <dgm:scene3d>
+      <a:camera prst="orthographicFront"/>
+      <a:lightRig rig="threePt" dir="t"/>
+    </dgm:scene3d>
+    <dgm:sp3d/>
+    <dgm:txPr/>
+    <dgm:style>
+      <a:lnRef idx="2">
+        <a:scrgbClr r="0" g="0" b="0"/>
+      </a:lnRef>
+      <a:fillRef idx="1">
+        <a:scrgbClr r="0" g="0" b="0"/>
+      </a:fillRef>
+      <a:effectRef idx="0">
+        <a:scrgbClr r="0" g="0" b="0"/>
+      </a:effectRef>
+      <a:fontRef idx="minor"/>
+    </dgm:style>
+  </dgm:styleLbl>
+  <dgm:styleLbl name="alignImgPlace1">
+    <dgm:scene3d>
+      <a:camera prst="orthographicFront"/>
+      <a:lightRig rig="threePt" dir="t"/>
+    </dgm:scene3d>
+    <dgm:sp3d/>
+    <dgm:txPr/>
+    <dgm:style>
+      <a:lnRef idx="2">
+        <a:scrgbClr r="0" g="0" b="0"/>
+      </a:lnRef>
+      <a:fillRef idx="1">
+        <a:scrgbClr r="0" g="0" b="0"/>
+      </a:fillRef>
+      <a:effectRef idx="0">
+        <a:scrgbClr r="0" g="0" b="0"/>
+      </a:effectRef>
+      <a:fontRef idx="minor"/>
+    </dgm:style>
+  </dgm:styleLbl>
+  <dgm:styleLbl name="bgImgPlace1">
+    <dgm:scene3d>
+      <a:camera prst="orthographicFront"/>
+      <a:lightRig rig="threePt" dir="t"/>
+    </dgm:scene3d>
+    <dgm:sp3d/>
+    <dgm:txPr/>
+    <dgm:style>
+      <a:lnRef idx="2">
+        <a:scrgbClr r="0" g="0" b="0"/>
+      </a:lnRef>
+      <a:fillRef idx="1">
+        <a:scrgbClr r="0" g="0" b="0"/>
+      </a:fillRef>
+      <a:effectRef idx="0">
+        <a:scrgbClr r="0" g="0" b="0"/>
+      </a:effectRef>
+      <a:fontRef idx="minor"/>
+    </dgm:style>
+  </dgm:styleLbl>
+  <dgm:styleLbl name="sibTrans2D1">
+    <dgm:scene3d>
+      <a:camera prst="orthographicFront"/>
+      <a:lightRig rig="threePt" dir="t"/>
+    </dgm:scene3d>
+    <dgm:sp3d/>
+    <dgm:txPr/>
+    <dgm:style>
+      <a:lnRef idx="0">
+        <a:scrgbClr r="0" g="0" b="0"/>
+      </a:lnRef>
+      <a:fillRef idx="1">
+        <a:scrgbClr r="0" g="0" b="0"/>
+      </a:fillRef>
+      <a:effectRef idx="0">
+        <a:scrgbClr r="0" g="0" b="0"/>
+      </a:effectRef>
+      <a:fontRef idx="minor">
+        <a:schemeClr val="lt1"/>
+      </a:fontRef>
+    </dgm:style>
+  </dgm:styleLbl>
+  <dgm:styleLbl name="fgSibTrans2D1">
+    <dgm:scene3d>
+      <a:camera prst="orthographicFront"/>
+      <a:lightRig rig="threePt" dir="t"/>
+    </dgm:scene3d>
+    <dgm:sp3d/>
+    <dgm:txPr/>
+    <dgm:style>
+      <a:lnRef idx="0">
+        <a:scrgbClr r="0" g="0" b="0"/>
+      </a:lnRef>
+      <a:fillRef idx="1">
+        <a:scrgbClr r="0" g="0" b="0"/>
+      </a:fillRef>
+      <a:effectRef idx="0">
+        <a:scrgbClr r="0" g="0" b="0"/>
+      </a:effectRef>
+      <a:fontRef idx="minor">
+        <a:schemeClr val="lt1"/>
+      </a:fontRef>
+    </dgm:style>
+  </dgm:styleLbl>
+  <dgm:styleLbl name="bgSibTrans2D1">
+    <dgm:scene3d>
+      <a:camera prst="orthographicFront"/>
+      <a:lightRig rig="threePt" dir="t"/>
+    </dgm:scene3d>
+    <dgm:sp3d/>
+    <dgm:txPr/>
+    <dgm:style>
+      <a:lnRef idx="0">
+        <a:scrgbClr r="0" g="0" b="0"/>
+      </a:lnRef>
+      <a:fillRef idx="1">
+        <a:scrgbClr r="0" g="0" b="0"/>
+      </a:fillRef>
+      <a:effectRef idx="0">
+        <a:scrgbClr r="0" g="0" b="0"/>
+      </a:effectRef>
+      <a:fontRef idx="minor">
+        <a:schemeClr val="lt1"/>
+      </a:fontRef>
+    </dgm:style>
+  </dgm:styleLbl>
+  <dgm:styleLbl name="sibTrans1D1">
+    <dgm:scene3d>
+      <a:camera prst="orthographicFront"/>
+      <a:lightRig rig="threePt" dir="t"/>
+    </dgm:scene3d>
+    <dgm:sp3d/>
+    <dgm:txPr/>
+    <dgm:style>
+      <a:lnRef idx="1">
+        <a:scrgbClr r="0" g="0" b="0"/>
+      </a:lnRef>
+      <a:fillRef idx="0">
+        <a:scrgbClr r="0" g="0" b="0"/>
+      </a:fillRef>
+      <a:effectRef idx="0">
+        <a:scrgbClr r="0" g="0" b="0"/>
+      </a:effectRef>
+      <a:fontRef idx="minor"/>
+    </dgm:style>
+  </dgm:styleLbl>
+  <dgm:styleLbl name="callout">
+    <dgm:scene3d>
+      <a:camera prst="orthographicFront"/>
+      <a:lightRig rig="threePt" dir="t"/>
+    </dgm:scene3d>
+    <dgm:sp3d/>
+    <dgm:txPr/>
+    <dgm:style>
+      <a:lnRef idx="2">
+        <a:scrgbClr r="0" g="0" b="0"/>
+      </a:lnRef>
+      <a:fillRef idx="1">
+        <a:scrgbClr r="0" g="0" b="0"/>
+      </a:fillRef>
+      <a:effectRef idx="0">
+        <a:scrgbClr r="0" g="0" b="0"/>
+      </a:effectRef>
+      <a:fontRef idx="minor"/>
+    </dgm:style>
+  </dgm:styleLbl>
+  <dgm:styleLbl name="asst0">
+    <dgm:scene3d>
+      <a:camera prst="orthographicFront"/>
+      <a:lightRig rig="threePt" dir="t"/>
+    </dgm:scene3d>
+    <dgm:sp3d/>
+    <dgm:txPr/>
+    <dgm:style>
+      <a:lnRef idx="2">
+        <a:scrgbClr r="0" g="0" b="0"/>
+      </a:lnRef>
+      <a:fillRef idx="1">
+        <a:scrgbClr r="0" g="0" b="0"/>
+      </a:fillRef>
+      <a:effectRef idx="0">
+        <a:scrgbClr r="0" g="0" b="0"/>
+      </a:effectRef>
+      <a:fontRef idx="minor">
+        <a:schemeClr val="lt1"/>
+      </a:fontRef>
+    </dgm:style>
+  </dgm:styleLbl>
+  <dgm:styleLbl name="asst1">
+    <dgm:scene3d>
+      <a:camera prst="orthographicFront"/>
+      <a:lightRig rig="threePt" dir="t"/>
+    </dgm:scene3d>
+    <dgm:sp3d/>
+    <dgm:txPr/>
+    <dgm:style>
+      <a:lnRef idx="2">
+        <a:scrgbClr r="0" g="0" b="0"/>
+      </a:lnRef>
+      <a:fillRef idx="1">
+        <a:scrgbClr r="0" g="0" b="0"/>
+      </a:fillRef>
+      <a:effectRef idx="0">
+        <a:scrgbClr r="0" g="0" b="0"/>
+      </a:effectRef>
+      <a:fontRef idx="minor">
+        <a:schemeClr val="lt1"/>
+      </a:fontRef>
+    </dgm:style>
+  </dgm:styleLbl>
+  <dgm:styleLbl name="asst2">
+    <dgm:scene3d>
+      <a:camera prst="orthographicFront"/>
+      <a:lightRig rig="threePt" dir="t"/>
+    </dgm:scene3d>
+    <dgm:sp3d/>
+    <dgm:txPr/>
+    <dgm:style>
+      <a:lnRef idx="2">
+        <a:scrgbClr r="0" g="0" b="0"/>
+      </a:lnRef>
+      <a:fillRef idx="1">
+        <a:scrgbClr r="0" g="0" b="0"/>
+      </a:fillRef>
+      <a:effectRef idx="0">
+        <a:scrgbClr r="0" g="0" b="0"/>
+      </a:effectRef>
+      <a:fontRef idx="minor">
+        <a:schemeClr val="lt1"/>
+      </a:fontRef>
+    </dgm:style>
+  </dgm:styleLbl>
+  <dgm:styleLbl name="asst3">
+    <dgm:scene3d>
+      <a:camera prst="orthographicFront"/>
+      <a:lightRig rig="threePt" dir="t"/>
+    </dgm:scene3d>
+    <dgm:sp3d/>
+    <dgm:txPr/>
+    <dgm:style>
+      <a:lnRef idx="2">
+        <a:scrgbClr r="0" g="0" b="0"/>
+      </a:lnRef>
+      <a:fillRef idx="1">
+        <a:scrgbClr r="0" g="0" b="0"/>
+      </a:fillRef>
+      <a:effectRef idx="0">
+        <a:scrgbClr r="0" g="0" b="0"/>
+      </a:effectRef>
+      <a:fontRef idx="minor">
+        <a:schemeClr val="lt1"/>
+      </a:fontRef>
+    </dgm:style>
+  </dgm:styleLbl>
+  <dgm:styleLbl name="asst4">
+    <dgm:scene3d>
+      <a:camera prst="orthographicFront"/>
+      <a:lightRig rig="threePt" dir="t"/>
+    </dgm:scene3d>
+    <dgm:sp3d/>
+    <dgm:txPr/>
+    <dgm:style>
+      <a:lnRef idx="2">
+        <a:scrgbClr r="0" g="0" b="0"/>
+      </a:lnRef>
+      <a:fillRef idx="1">
+        <a:scrgbClr r="0" g="0" b="0"/>
+      </a:fillRef>
+      <a:effectRef idx="0">
+        <a:scrgbClr r="0" g="0" b="0"/>
+      </a:effectRef>
+      <a:fontRef idx="minor">
+        <a:schemeClr val="lt1"/>
+      </a:fontRef>
+    </dgm:style>
+  </dgm:styleLbl>
+  <dgm:styleLbl name="parChTrans2D1">
+    <dgm:scene3d>
+      <a:camera prst="orthographicFront"/>
+      <a:lightRig rig="threePt" dir="t"/>
+    </dgm:scene3d>
+    <dgm:sp3d/>
+    <dgm:txPr/>
+    <dgm:style>
+      <a:lnRef idx="2">
+        <a:scrgbClr r="0" g="0" b="0"/>
+      </a:lnRef>
+      <a:fillRef idx="1">
+        <a:scrgbClr r="0" g="0" b="0"/>
+      </a:fillRef>
+      <a:effectRef idx="0">
+        <a:scrgbClr r="0" g="0" b="0"/>
+      </a:effectRef>
+      <a:fontRef idx="minor">
+        <a:schemeClr val="lt1"/>
+      </a:fontRef>
+    </dgm:style>
+  </dgm:styleLbl>
+  <dgm:styleLbl name="parChTrans2D2">
+    <dgm:scene3d>
+      <a:camera prst="orthographicFront"/>
+      <a:lightRig rig="threePt" dir="t"/>
+    </dgm:scene3d>
+    <dgm:sp3d/>
+    <dgm:txPr/>
+    <dgm:style>
+      <a:lnRef idx="2">
+        <a:scrgbClr r="0" g="0" b="0"/>
+      </a:lnRef>
+      <a:fillRef idx="1">
+        <a:scrgbClr r="0" g="0" b="0"/>
+      </a:fillRef>
+      <a:effectRef idx="0">
+        <a:scrgbClr r="0" g="0" b="0"/>
+      </a:effectRef>
+      <a:fontRef idx="minor">
+        <a:schemeClr val="lt1"/>
+      </a:fontRef>
+    </dgm:style>
+  </dgm:styleLbl>
+  <dgm:styleLbl name="parChTrans2D3">
+    <dgm:scene3d>
+      <a:camera prst="orthographicFront"/>
+      <a:lightRig rig="threePt" dir="t"/>
+    </dgm:scene3d>
+    <dgm:sp3d/>
+    <dgm:txPr/>
+    <dgm:style>
+      <a:lnRef idx="2">
+        <a:scrgbClr r="0" g="0" b="0"/>
+      </a:lnRef>
+      <a:fillRef idx="1">
+        <a:scrgbClr r="0" g="0" b="0"/>
+      </a:fillRef>
+      <a:effectRef idx="0">
+        <a:scrgbClr r="0" g="0" b="0"/>
+      </a:effectRef>
+      <a:fontRef idx="minor">
+        <a:schemeClr val="lt1"/>
+      </a:fontRef>
+    </dgm:style>
+  </dgm:styleLbl>
+  <dgm:styleLbl name="parChTrans2D4">
+    <dgm:scene3d>
+      <a:camera prst="orthographicFront"/>
+      <a:lightRig rig="threePt" dir="t"/>
+    </dgm:scene3d>
+    <dgm:sp3d/>
+    <dgm:txPr/>
+    <dgm:style>
+      <a:lnRef idx="2">
+        <a:scrgbClr r="0" g="0" b="0"/>
+      </a:lnRef>
+      <a:fillRef idx="1">
+        <a:scrgbClr r="0" g="0" b="0"/>
+      </a:fillRef>
+      <a:effectRef idx="0">
+        <a:scrgbClr r="0" g="0" b="0"/>
+      </a:effectRef>
+      <a:fontRef idx="minor">
+        <a:schemeClr val="lt1"/>
+      </a:fontRef>
+    </dgm:style>
+  </dgm:styleLbl>
+  <dgm:styleLbl name="parChTrans1D1">
+    <dgm:scene3d>
+      <a:camera prst="orthographicFront"/>
+      <a:lightRig rig="threePt" dir="t"/>
+    </dgm:scene3d>
+    <dgm:sp3d/>
+    <dgm:txPr/>
+    <dgm:style>
+      <a:lnRef idx="2">
+        <a:scrgbClr r="0" g="0" b="0"/>
+      </a:lnRef>
+      <a:fillRef idx="0">
+        <a:scrgbClr r="0" g="0" b="0"/>
+      </a:fillRef>
+      <a:effectRef idx="0">
+        <a:scrgbClr r="0" g="0" b="0"/>
+      </a:effectRef>
+      <a:fontRef idx="minor"/>
+    </dgm:style>
+  </dgm:styleLbl>
+  <dgm:styleLbl name="parChTrans1D2">
+    <dgm:scene3d>
+      <a:camera prst="orthographicFront"/>
+      <a:lightRig rig="threePt" dir="t"/>
+    </dgm:scene3d>
+    <dgm:sp3d/>
+    <dgm:txPr/>
+    <dgm:style>
+      <a:lnRef idx="2">
+        <a:scrgbClr r="0" g="0" b="0"/>
+      </a:lnRef>
+      <a:fillRef idx="0">
+        <a:scrgbClr r="0" g="0" b="0"/>
+      </a:fillRef>
+      <a:effectRef idx="0">
+        <a:scrgbClr r="0" g="0" b="0"/>
+      </a:effectRef>
+      <a:fontRef idx="minor"/>
+    </dgm:style>
+  </dgm:styleLbl>
+  <dgm:styleLbl name="parChTrans1D3">
+    <dgm:scene3d>
+      <a:camera prst="orthographicFront"/>
+      <a:lightRig rig="threePt" dir="t"/>
+    </dgm:scene3d>
+    <dgm:sp3d/>
+    <dgm:txPr/>
+    <dgm:style>
+      <a:lnRef idx="2">
+        <a:scrgbClr r="0" g="0" b="0"/>
+      </a:lnRef>
+      <a:fillRef idx="0">
+        <a:scrgbClr r="0" g="0" b="0"/>
+      </a:fillRef>
+      <a:effectRef idx="0">
+        <a:scrgbClr r="0" g="0" b="0"/>
+      </a:effectRef>
+      <a:fontRef idx="minor"/>
+    </dgm:style>
+  </dgm:styleLbl>
+  <dgm:styleLbl name="parChTrans1D4">
+    <dgm:scene3d>
+      <a:camera prst="orthographicFront"/>
+      <a:lightRig rig="threePt" dir="t"/>
+    </dgm:scene3d>
+    <dgm:sp3d/>
+    <dgm:txPr/>
+    <dgm:style>
+      <a:lnRef idx="2">
+        <a:scrgbClr r="0" g="0" b="0"/>
+      </a:lnRef>
+      <a:fillRef idx="0">
+        <a:scrgbClr r="0" g="0" b="0"/>
+      </a:fillRef>
+      <a:effectRef idx="0">
+        <a:scrgbClr r="0" g="0" b="0"/>
+      </a:effectRef>
+      <a:fontRef idx="minor"/>
+    </dgm:style>
+  </dgm:styleLbl>
+  <dgm:styleLbl name="fgAcc1">
+    <dgm:scene3d>
+      <a:camera prst="orthographicFront"/>
+      <a:lightRig rig="threePt" dir="t"/>
+    </dgm:scene3d>
+    <dgm:sp3d/>
+    <dgm:txPr/>
+    <dgm:style>
+      <a:lnRef idx="2">
+        <a:scrgbClr r="0" g="0" b="0"/>
+      </a:lnRef>
+      <a:fillRef idx="1">
+        <a:scrgbClr r="0" g="0" b="0"/>
+      </a:fillRef>
+      <a:effectRef idx="0">
+        <a:scrgbClr r="0" g="0" b="0"/>
+      </a:effectRef>
+      <a:fontRef idx="minor"/>
+    </dgm:style>
+  </dgm:styleLbl>
+  <dgm:styleLbl name="conFgAcc1">
+    <dgm:scene3d>
+      <a:camera prst="orthographicFront"/>
+      <a:lightRig rig="threePt" dir="t"/>
+    </dgm:scene3d>
+    <dgm:sp3d/>
+    <dgm:txPr/>
+    <dgm:style>
+      <a:lnRef idx="2">
+        <a:scrgbClr r="0" g="0" b="0"/>
+      </a:lnRef>
+      <a:fillRef idx="1">
+        <a:scrgbClr r="0" g="0" b="0"/>
+      </a:fillRef>
+      <a:effectRef idx="0">
+        <a:scrgbClr r="0" g="0" b="0"/>
+      </a:effectRef>
+      <a:fontRef idx="minor"/>
+    </dgm:style>
+  </dgm:styleLbl>
+  <dgm:styleLbl name="alignAcc1">
+    <dgm:scene3d>
+      <a:camera prst="orthographicFront"/>
+      <a:lightRig rig="threePt" dir="t"/>
+    </dgm:scene3d>
+    <dgm:sp3d/>
+    <dgm:txPr/>
+    <dgm:style>
+      <a:lnRef idx="2">
+        <a:scrgbClr r="0" g="0" b="0"/>
+      </a:lnRef>
+      <a:fillRef idx="1">
+        <a:scrgbClr r="0" g="0" b="0"/>
+      </a:fillRef>
+      <a:effectRef idx="0">
+        <a:scrgbClr r="0" g="0" b="0"/>
+      </a:effectRef>
+      <a:fontRef idx="minor"/>
+    </dgm:style>
+  </dgm:styleLbl>
+  <dgm:styleLbl name="trAlignAcc1">
+    <dgm:scene3d>
+      <a:camera prst="orthographicFront"/>
+      <a:lightRig rig="threePt" dir="t"/>
+    </dgm:scene3d>
+    <dgm:sp3d/>
+    <dgm:txPr/>
+    <dgm:style>
+      <a:lnRef idx="1">
+        <a:scrgbClr r="0" g="0" b="0"/>
+      </a:lnRef>
+      <a:fillRef idx="1">
+        <a:scrgbClr r="0" g="0" b="0"/>
+      </a:fillRef>
+      <a:effectRef idx="0">
+        <a:scrgbClr r="0" g="0" b="0"/>
+      </a:effectRef>
+      <a:fontRef idx="minor"/>
+    </dgm:style>
+  </dgm:styleLbl>
+  <dgm:styleLbl name="bgAcc1">
+    <dgm:scene3d>
+      <a:camera prst="orthographicFront"/>
+      <a:lightRig rig="threePt" dir="t"/>
+    </dgm:scene3d>
+    <dgm:sp3d/>
+    <dgm:txPr/>
+    <dgm:style>
+      <a:lnRef idx="2">
+        <a:scrgbClr r="0" g="0" b="0"/>
+      </a:lnRef>
+      <a:fillRef idx="1">
+        <a:scrgbClr r="0" g="0" b="0"/>
+      </a:fillRef>
+      <a:effectRef idx="0">
+        <a:scrgbClr r="0" g="0" b="0"/>
+      </a:effectRef>
+      <a:fontRef idx="minor"/>
+    </dgm:style>
+  </dgm:styleLbl>
+  <dgm:styleLbl name="solidFgAcc1">
+    <dgm:scene3d>
+      <a:camera prst="orthographicFront"/>
+      <a:lightRig rig="threePt" dir="t"/>
+    </dgm:scene3d>
+    <dgm:sp3d/>
+    <dgm:txPr/>
+    <dgm:style>
+      <a:lnRef idx="2">
+        <a:scrgbClr r="0" g="0" b="0"/>
+      </a:lnRef>
+      <a:fillRef idx="1">
+        <a:scrgbClr r="0" g="0" b="0"/>
+      </a:fillRef>
+      <a:effectRef idx="0">
+        <a:scrgbClr r="0" g="0" b="0"/>
+      </a:effectRef>
+      <a:fontRef idx="minor"/>
+    </dgm:style>
+  </dgm:styleLbl>
+  <dgm:styleLbl name="solidAlignAcc1">
+    <dgm:scene3d>
+      <a:camera prst="orthographicFront"/>
+      <a:lightRig rig="threePt" dir="t"/>
+    </dgm:scene3d>
+    <dgm:sp3d/>
+    <dgm:txPr/>
+    <dgm:style>
+      <a:lnRef idx="2">
+        <a:scrgbClr r="0" g="0" b="0"/>
+      </a:lnRef>
+      <a:fillRef idx="1">
+        <a:scrgbClr r="0" g="0" b="0"/>
+      </a:fillRef>
+      <a:effectRef idx="0">
+        <a:scrgbClr r="0" g="0" b="0"/>
+      </a:effectRef>
+      <a:fontRef idx="minor"/>
+    </dgm:style>
+  </dgm:styleLbl>
+  <dgm:styleLbl name="solidBgAcc1">
+    <dgm:scene3d>
+      <a:camera prst="orthographicFront"/>
+      <a:lightRig rig="threePt" dir="t"/>
+    </dgm:scene3d>
+    <dgm:sp3d/>
+    <dgm:txPr/>
+    <dgm:style>
+      <a:lnRef idx="2">
+        <a:scrgbClr r="0" g="0" b="0"/>
+      </a:lnRef>
+      <a:fillRef idx="1">
+        <a:scrgbClr r="0" g="0" b="0"/>
+      </a:fillRef>
+      <a:effectRef idx="0">
+        <a:scrgbClr r="0" g="0" b="0"/>
+      </a:effectRef>
+      <a:fontRef idx="minor"/>
+    </dgm:style>
+  </dgm:styleLbl>
+  <dgm:styleLbl name="fgAccFollowNode1">
+    <dgm:scene3d>
+      <a:camera prst="orthographicFront"/>
+      <a:lightRig rig="threePt" dir="t"/>
+    </dgm:scene3d>
+    <dgm:sp3d/>
+    <dgm:txPr/>
+    <dgm:style>
+      <a:lnRef idx="2">
+        <a:scrgbClr r="0" g="0" b="0"/>
+      </a:lnRef>
+      <a:fillRef idx="1">
+        <a:scrgbClr r="0" g="0" b="0"/>
+      </a:fillRef>
+      <a:effectRef idx="0">
+        <a:scrgbClr r="0" g="0" b="0"/>
+      </a:effectRef>
+      <a:fontRef idx="minor"/>
+    </dgm:style>
+  </dgm:styleLbl>
+  <dgm:styleLbl name="alignAccFollowNode1">
+    <dgm:scene3d>
+      <a:camera prst="orthographicFront"/>
+      <a:lightRig rig="threePt" dir="t"/>
+    </dgm:scene3d>
+    <dgm:sp3d/>
+    <dgm:txPr/>
+    <dgm:style>
+      <a:lnRef idx="2">
+        <a:scrgbClr r="0" g="0" b="0"/>
+      </a:lnRef>
+      <a:fillRef idx="1">
+        <a:scrgbClr r="0" g="0" b="0"/>
+      </a:fillRef>
+      <a:effectRef idx="0">
+        <a:scrgbClr r="0" g="0" b="0"/>
+      </a:effectRef>
+      <a:fontRef idx="minor"/>
+    </dgm:style>
+  </dgm:styleLbl>
+  <dgm:styleLbl name="bgAccFollowNode1">
+    <dgm:scene3d>
+      <a:camera prst="orthographicFront"/>
+      <a:lightRig rig="threePt" dir="t"/>
+    </dgm:scene3d>
+    <dgm:sp3d/>
+    <dgm:txPr/>
+    <dgm:style>
+      <a:lnRef idx="2">
+        <a:scrgbClr r="0" g="0" b="0"/>
+      </a:lnRef>
+      <a:fillRef idx="1">
+        <a:scrgbClr r="0" g="0" b="0"/>
+      </a:fillRef>
+      <a:effectRef idx="0">
+        <a:scrgbClr r="0" g="0" b="0"/>
+      </a:effectRef>
+      <a:fontRef idx="minor"/>
+    </dgm:style>
+  </dgm:styleLbl>
+  <dgm:styleLbl name="fgAcc0">
+    <dgm:scene3d>
+      <a:camera prst="orthographicFront"/>
+      <a:lightRig rig="threePt" dir="t"/>
+    </dgm:scene3d>
+    <dgm:sp3d/>
+    <dgm:txPr/>
+    <dgm:style>
+      <a:lnRef idx="2">
+        <a:scrgbClr r="0" g="0" b="0"/>
+      </a:lnRef>
+      <a:fillRef idx="1">
+        <a:scrgbClr r="0" g="0" b="0"/>
+      </a:fillRef>
+      <a:effectRef idx="0">
+        <a:scrgbClr r="0" g="0" b="0"/>
+      </a:effectRef>
+      <a:fontRef idx="minor"/>
+    </dgm:style>
+  </dgm:styleLbl>
+  <dgm:styleLbl name="fgAcc2">
+    <dgm:scene3d>
+      <a:camera prst="orthographicFront"/>
+      <a:lightRig rig="threePt" dir="t"/>
+    </dgm:scene3d>
+    <dgm:sp3d/>
+    <dgm:txPr/>
+    <dgm:style>
+      <a:lnRef idx="2">
+        <a:scrgbClr r="0" g="0" b="0"/>
+      </a:lnRef>
+      <a:fillRef idx="1">
+        <a:scrgbClr r="0" g="0" b="0"/>
+      </a:fillRef>
+      <a:effectRef idx="0">
+        <a:scrgbClr r="0" g="0" b="0"/>
+      </a:effectRef>
+      <a:fontRef idx="minor"/>
+    </dgm:style>
+  </dgm:styleLbl>
+  <dgm:styleLbl name="fgAcc3">
+    <dgm:scene3d>
+      <a:camera prst="orthographicFront"/>
+      <a:lightRig rig="threePt" dir="t"/>
+    </dgm:scene3d>
+    <dgm:sp3d/>
+    <dgm:txPr/>
+    <dgm:style>
+      <a:lnRef idx="2">
+        <a:scrgbClr r="0" g="0" b="0"/>
+      </a:lnRef>
+      <a:fillRef idx="1">
+        <a:scrgbClr r="0" g="0" b="0"/>
+      </a:fillRef>
+      <a:effectRef idx="0">
+        <a:scrgbClr r="0" g="0" b="0"/>
+      </a:effectRef>
+      <a:fontRef idx="minor"/>
+    </dgm:style>
+  </dgm:styleLbl>
+  <dgm:styleLbl name="fgAcc4">
+    <dgm:scene3d>
+      <a:camera prst="orthographicFront"/>
+      <a:lightRig rig="threePt" dir="t"/>
+    </dgm:scene3d>
+    <dgm:sp3d/>
+    <dgm:txPr/>
+    <dgm:style>
+      <a:lnRef idx="2">
+        <a:scrgbClr r="0" g="0" b="0"/>
+      </a:lnRef>
+      <a:fillRef idx="1">
+        <a:scrgbClr r="0" g="0" b="0"/>
+      </a:fillRef>
+      <a:effectRef idx="0">
+        <a:scrgbClr r="0" g="0" b="0"/>
+      </a:effectRef>
+      <a:fontRef idx="minor"/>
+    </dgm:style>
+  </dgm:styleLbl>
+  <dgm:styleLbl name="bgShp">
+    <dgm:scene3d>
+      <a:camera prst="orthographicFront"/>
+      <a:lightRig rig="threePt" dir="t"/>
+    </dgm:scene3d>
+    <dgm:sp3d/>
+    <dgm:txPr/>
+    <dgm:style>
+      <a:lnRef idx="0">
+        <a:scrgbClr r="0" g="0" b="0"/>
+      </a:lnRef>
+      <a:fillRef idx="1">
+        <a:scrgbClr r="0" g="0" b="0"/>
+      </a:fillRef>
+      <a:effectRef idx="0">
+        <a:scrgbClr r="0" g="0" b="0"/>
+      </a:effectRef>
+      <a:fontRef idx="minor"/>
+    </dgm:style>
+  </dgm:styleLbl>
+  <dgm:styleLbl name="dkBgShp">
+    <dgm:scene3d>
+      <a:camera prst="orthographicFront"/>
+      <a:lightRig rig="threePt" dir="t"/>
+    </dgm:scene3d>
+    <dgm:sp3d/>
+    <dgm:txPr/>
+    <dgm:style>
+      <a:lnRef idx="0">
+        <a:scrgbClr r="0" g="0" b="0"/>
+      </a:lnRef>
+      <a:fillRef idx="1">
+        <a:scrgbClr r="0" g="0" b="0"/>
+      </a:fillRef>
+      <a:effectRef idx="0">
+        <a:scrgbClr r="0" g="0" b="0"/>
+      </a:effectRef>
+      <a:fontRef idx="minor"/>
+    </dgm:style>
+  </dgm:styleLbl>
+  <dgm:styleLbl name="trBgShp">
+    <dgm:scene3d>
+      <a:camera prst="orthographicFront"/>
+      <a:lightRig rig="threePt" dir="t"/>
+    </dgm:scene3d>
+    <dgm:sp3d/>
+    <dgm:txPr/>
+    <dgm:style>
+      <a:lnRef idx="0">
+        <a:scrgbClr r="0" g="0" b="0"/>
+      </a:lnRef>
+      <a:fillRef idx="1">
+        <a:scrgbClr r="0" g="0" b="0"/>
+      </a:fillRef>
+      <a:effectRef idx="0">
+        <a:scrgbClr r="0" g="0" b="0"/>
+      </a:effectRef>
+      <a:fontRef idx="minor"/>
+    </dgm:style>
+  </dgm:styleLbl>
+  <dgm:styleLbl name="fgShp">
+    <dgm:scene3d>
+      <a:camera prst="orthographicFront"/>
+      <a:lightRig rig="threePt" dir="t"/>
+    </dgm:scene3d>
+    <dgm:sp3d/>
+    <dgm:txPr/>
+    <dgm:style>
+      <a:lnRef idx="2">
+        <a:scrgbClr r="0" g="0" b="0"/>
+      </a:lnRef>
+      <a:fillRef idx="1">
+        <a:scrgbClr r="0" g="0" b="0"/>
+      </a:fillRef>
+      <a:effectRef idx="0">
+        <a:scrgbClr r="0" g="0" b="0"/>
+      </a:effectRef>
+      <a:fontRef idx="minor"/>
+    </dgm:style>
+  </dgm:styleLbl>
+  <dgm:styleLbl name="revTx">
+    <dgm:scene3d>
+      <a:camera prst="orthographicFront"/>
+      <a:lightRig rig="threePt" dir="t"/>
+    </dgm:scene3d>
+    <dgm:sp3d/>
+    <dgm:txPr/>
+    <dgm:style>
+      <a:lnRef idx="0">
+        <a:scrgbClr r="0" g="0" b="0"/>
+      </a:lnRef>
+      <a:fillRef idx="0">
+        <a:scrgbClr r="0" g="0" b="0"/>
+      </a:fillRef>
+      <a:effectRef idx="0">
+        <a:scrgbClr r="0" g="0" b="0"/>
+      </a:effectRef>
+      <a:fontRef idx="minor"/>
+    </dgm:style>
+  </dgm:styleLbl>
+</dgm:styleDef>
 </file>
 
 <file path=ppt/slideLayouts/slideLayout1.xml><?xml version="1.0" encoding="utf-8"?>
@@ -7818,9 +10761,12 @@
           <a:p>
             <a:r>
               <a:rPr lang="zh-TW" altLang="en-US" dirty="0" smtClean="0"/>
-              <a:t>訓練模型</a:t>
-            </a:r>
-            <a:endParaRPr lang="zh-TW" altLang="en-US" dirty="0"/>
+              <a:t>訓練</a:t>
+            </a:r>
+            <a:r>
+              <a:rPr lang="zh-TW" altLang="en-US" dirty="0"/>
+              <a:t>模型</a:t>
+            </a:r>
           </a:p>
         </p:txBody>
       </p:sp>
@@ -7834,39 +10780,28 @@
             <p:ph idx="1"/>
           </p:nvPr>
         </p:nvSpPr>
-        <p:spPr>
-          <a:xfrm>
-            <a:off x="2589212" y="2220685"/>
-            <a:ext cx="8915400" cy="3777622"/>
-          </a:xfrm>
-        </p:spPr>
+        <p:spPr/>
         <p:txBody>
           <a:bodyPr/>
           <a:lstStyle/>
           <a:p>
             <a:r>
+              <a:rPr lang="en-US" altLang="zh-TW" dirty="0"/>
+              <a:t>model = Sequential() </a:t>
+            </a:r>
+          </a:p>
+          <a:p>
+            <a:r>
               <a:rPr lang="en-US" altLang="zh-TW" dirty="0" err="1"/>
-              <a:t>nb_epoch</a:t>
+              <a:t>model.add</a:t>
             </a:r>
             <a:r>
               <a:rPr lang="en-US" altLang="zh-TW" dirty="0"/>
-              <a:t> = 500 </a:t>
-            </a:r>
-          </a:p>
-          <a:p>
+              <a:t>(Dense(40, </a:t>
+            </a:r>
             <a:r>
               <a:rPr lang="en-US" altLang="zh-TW" dirty="0" err="1"/>
-              <a:t>batch_size</a:t>
-            </a:r>
-            <a:r>
-              <a:rPr lang="en-US" altLang="zh-TW" dirty="0"/>
-              <a:t> = 32</a:t>
-            </a:r>
-          </a:p>
-          <a:p>
-            <a:r>
-              <a:rPr lang="en-US" altLang="zh-TW" dirty="0" err="1"/>
-              <a:t>file_name</a:t>
+              <a:t>input_dim</a:t>
             </a:r>
             <a:r>
               <a:rPr lang="en-US" altLang="zh-TW" dirty="0"/>
@@ -7874,161 +10809,207 @@
             </a:r>
             <a:r>
               <a:rPr lang="en-US" altLang="zh-TW" dirty="0" err="1"/>
-              <a:t>str</a:t>
+              <a:t>X_train.shape</a:t>
             </a:r>
             <a:r>
               <a:rPr lang="en-US" altLang="zh-TW" dirty="0"/>
-              <a:t>(</a:t>
+              <a:t>[1],  </a:t>
             </a:r>
             <a:r>
               <a:rPr lang="en-US" altLang="zh-TW" dirty="0" err="1"/>
-              <a:t>nb_epoch</a:t>
+              <a:t>kernel_initializer</a:t>
             </a:r>
             <a:r>
               <a:rPr lang="en-US" altLang="zh-TW" dirty="0"/>
-              <a:t>)+'_'+</a:t>
+              <a:t>='</a:t>
             </a:r>
             <a:r>
               <a:rPr lang="en-US" altLang="zh-TW" dirty="0" err="1"/>
-              <a:t>str</a:t>
+              <a:t>normal',activation</a:t>
             </a:r>
             <a:r>
               <a:rPr lang="en-US" altLang="zh-TW" dirty="0"/>
-              <a:t>(</a:t>
+              <a:t>='</a:t>
             </a:r>
             <a:r>
               <a:rPr lang="en-US" altLang="zh-TW" dirty="0" err="1"/>
-              <a:t>batch_size</a:t>
+              <a:t>relu</a:t>
             </a:r>
             <a:r>
               <a:rPr lang="en-US" altLang="zh-TW" dirty="0"/>
-              <a:t>) </a:t>
-            </a:r>
-          </a:p>
-          <a:p>
+              <a:t>')) </a:t>
+            </a:r>
+          </a:p>
+          <a:p>
+            <a:r>
+              <a:rPr lang="en-US" altLang="zh-TW" dirty="0" err="1"/>
+              <a:t>model.add</a:t>
+            </a:r>
             <a:r>
               <a:rPr lang="en-US" altLang="zh-TW" dirty="0"/>
-              <a:t>TB=</a:t>
+              <a:t>(Dense(80, </a:t>
             </a:r>
             <a:r>
               <a:rPr lang="en-US" altLang="zh-TW" dirty="0" err="1"/>
-              <a:t>TensorBoard</a:t>
+              <a:t>kernel_initializer</a:t>
             </a:r>
             <a:r>
               <a:rPr lang="en-US" altLang="zh-TW" dirty="0"/>
-              <a:t>(</a:t>
+              <a:t>='</a:t>
             </a:r>
             <a:r>
               <a:rPr lang="en-US" altLang="zh-TW" dirty="0" err="1"/>
-              <a:t>log_dir</a:t>
+              <a:t>normal',activation</a:t>
             </a:r>
             <a:r>
               <a:rPr lang="en-US" altLang="zh-TW" dirty="0"/>
-              <a:t>='logs/'+</a:t>
+              <a:t>='</a:t>
             </a:r>
             <a:r>
               <a:rPr lang="en-US" altLang="zh-TW" dirty="0" err="1"/>
-              <a:t>file_name</a:t>
+              <a:t>relu</a:t>
             </a:r>
             <a:r>
               <a:rPr lang="en-US" altLang="zh-TW" dirty="0"/>
-              <a:t>, </a:t>
-            </a:r>
+              <a:t>')) </a:t>
+            </a:r>
+          </a:p>
+          <a:p>
             <a:r>
               <a:rPr lang="en-US" altLang="zh-TW" dirty="0" err="1"/>
-              <a:t>histogram_freq</a:t>
+              <a:t>model.add</a:t>
             </a:r>
             <a:r>
               <a:rPr lang="en-US" altLang="zh-TW" dirty="0"/>
-              <a:t>=0) </a:t>
-            </a:r>
-          </a:p>
-          <a:p>
+              <a:t>(Dense(100, </a:t>
+            </a:r>
             <a:r>
               <a:rPr lang="en-US" altLang="zh-TW" dirty="0" err="1"/>
-              <a:t>model.fit</a:t>
+              <a:t>kernel_initializer</a:t>
             </a:r>
             <a:r>
               <a:rPr lang="en-US" altLang="zh-TW" dirty="0"/>
-              <a:t>(</a:t>
+              <a:t>='</a:t>
             </a:r>
             <a:r>
               <a:rPr lang="en-US" altLang="zh-TW" dirty="0" err="1"/>
-              <a:t>X_train_normal</a:t>
+              <a:t>normal',activation</a:t>
             </a:r>
             <a:r>
               <a:rPr lang="en-US" altLang="zh-TW" dirty="0"/>
-              <a:t>, </a:t>
+              <a:t>='</a:t>
             </a:r>
             <a:r>
               <a:rPr lang="en-US" altLang="zh-TW" dirty="0" err="1"/>
-              <a:t>Y_train</a:t>
+              <a:t>relu</a:t>
             </a:r>
             <a:r>
               <a:rPr lang="en-US" altLang="zh-TW" dirty="0"/>
-              <a:t>, </a:t>
-            </a:r>
+              <a:t>')) </a:t>
+            </a:r>
+          </a:p>
+          <a:p>
             <a:r>
               <a:rPr lang="en-US" altLang="zh-TW" dirty="0" err="1"/>
-              <a:t>batch_size</a:t>
+              <a:t>model.add</a:t>
             </a:r>
             <a:r>
               <a:rPr lang="en-US" altLang="zh-TW" dirty="0"/>
-              <a:t>=</a:t>
+              <a:t>(Dense(80, </a:t>
             </a:r>
             <a:r>
               <a:rPr lang="en-US" altLang="zh-TW" dirty="0" err="1"/>
-              <a:t>batch_size</a:t>
+              <a:t>kernel_initializer</a:t>
             </a:r>
             <a:r>
               <a:rPr lang="en-US" altLang="zh-TW" dirty="0"/>
-              <a:t>, </a:t>
+              <a:t>='</a:t>
             </a:r>
             <a:r>
               <a:rPr lang="en-US" altLang="zh-TW" dirty="0" err="1"/>
-              <a:t>nb_epoch</a:t>
+              <a:t>normal',activation</a:t>
             </a:r>
             <a:r>
               <a:rPr lang="en-US" altLang="zh-TW" dirty="0"/>
-              <a:t>=</a:t>
+              <a:t>='</a:t>
             </a:r>
             <a:r>
               <a:rPr lang="en-US" altLang="zh-TW" dirty="0" err="1"/>
-              <a:t>nb_epoch,verbose</a:t>
+              <a:t>relu</a:t>
             </a:r>
             <a:r>
               <a:rPr lang="en-US" altLang="zh-TW" dirty="0"/>
-              <a:t>=1, </a:t>
-            </a:r>
+              <a:t>')) </a:t>
+            </a:r>
+          </a:p>
+          <a:p>
             <a:r>
               <a:rPr lang="en-US" altLang="zh-TW" dirty="0" err="1"/>
-              <a:t>validation_data</a:t>
+              <a:t>model.add</a:t>
             </a:r>
             <a:r>
               <a:rPr lang="en-US" altLang="zh-TW" dirty="0"/>
-              <a:t>=(</a:t>
+              <a:t>(Dense(40, </a:t>
             </a:r>
             <a:r>
               <a:rPr lang="en-US" altLang="zh-TW" dirty="0" err="1"/>
-              <a:t>X_valid_normal</a:t>
+              <a:t>kernel_initializer</a:t>
             </a:r>
             <a:r>
               <a:rPr lang="en-US" altLang="zh-TW" dirty="0"/>
-              <a:t>, </a:t>
+              <a:t>='</a:t>
             </a:r>
             <a:r>
               <a:rPr lang="en-US" altLang="zh-TW" dirty="0" err="1"/>
-              <a:t>Y_valid</a:t>
+              <a:t>normal',activation</a:t>
             </a:r>
             <a:r>
               <a:rPr lang="en-US" altLang="zh-TW" dirty="0"/>
-              <a:t>),callbacks=[TB]) </a:t>
-            </a:r>
-          </a:p>
-          <a:p>
+              <a:t>='</a:t>
+            </a:r>
+            <a:r>
+              <a:rPr lang="en-US" altLang="zh-TW" dirty="0" err="1"/>
+              <a:t>relu</a:t>
+            </a:r>
             <a:r>
               <a:rPr lang="en-US" altLang="zh-TW" dirty="0"/>
-              <a:t>#%%</a:t>
+              <a:t>')) </a:t>
+            </a:r>
+          </a:p>
+          <a:p>
+            <a:r>
+              <a:rPr lang="en-US" altLang="zh-TW" dirty="0" err="1"/>
+              <a:t>model.add</a:t>
+            </a:r>
+            <a:r>
+              <a:rPr lang="en-US" altLang="zh-TW" dirty="0"/>
+              <a:t>(Dense(1,  </a:t>
+            </a:r>
+            <a:r>
+              <a:rPr lang="en-US" altLang="zh-TW" dirty="0" err="1"/>
+              <a:t>kernel_initializer</a:t>
+            </a:r>
+            <a:r>
+              <a:rPr lang="en-US" altLang="zh-TW" dirty="0"/>
+              <a:t>='normal'))</a:t>
+            </a:r>
+          </a:p>
+          <a:p>
+            <a:r>
+              <a:rPr lang="en-US" altLang="zh-TW" dirty="0" err="1"/>
+              <a:t>model.compile</a:t>
+            </a:r>
+            <a:r>
+              <a:rPr lang="en-US" altLang="zh-TW" dirty="0"/>
+              <a:t>(loss='MAE', optimizer='</a:t>
+            </a:r>
+            <a:r>
+              <a:rPr lang="en-US" altLang="zh-TW" dirty="0" err="1"/>
+              <a:t>adam</a:t>
+            </a:r>
+            <a:r>
+              <a:rPr lang="en-US" altLang="zh-TW" dirty="0"/>
+              <a:t>')</a:t>
             </a:r>
             <a:endParaRPr lang="zh-TW" altLang="en-US" dirty="0"/>
           </a:p>
@@ -8037,7 +11018,7 @@
     </p:spTree>
     <p:extLst>
       <p:ext uri="{BB962C8B-B14F-4D97-AF65-F5344CB8AC3E}">
-        <p14:creationId xmlns:p14="http://schemas.microsoft.com/office/powerpoint/2010/main" val="3330676812"/>
+        <p14:creationId xmlns:p14="http://schemas.microsoft.com/office/powerpoint/2010/main" val="2439530957"/>
       </p:ext>
     </p:extLst>
   </p:cSld>
@@ -8088,7 +11069,7 @@
           <a:p>
             <a:r>
               <a:rPr lang="zh-TW" altLang="en-US" dirty="0" smtClean="0"/>
-              <a:t>儲存檔案</a:t>
+              <a:t>訓練模型</a:t>
             </a:r>
             <a:endParaRPr lang="zh-TW" altLang="en-US" dirty="0"/>
           </a:p>
@@ -8104,22 +11085,47 @@
             <p:ph idx="1"/>
           </p:nvPr>
         </p:nvSpPr>
-        <p:spPr/>
+        <p:spPr>
+          <a:xfrm>
+            <a:off x="2589212" y="2220685"/>
+            <a:ext cx="8915400" cy="3777622"/>
+          </a:xfrm>
+        </p:spPr>
         <p:txBody>
           <a:bodyPr/>
           <a:lstStyle/>
           <a:p>
             <a:r>
               <a:rPr lang="en-US" altLang="zh-TW" dirty="0" err="1"/>
-              <a:t>Y_predict</a:t>
+              <a:t>nb_epoch</a:t>
             </a:r>
             <a:r>
               <a:rPr lang="en-US" altLang="zh-TW" dirty="0"/>
-              <a:t> = </a:t>
-            </a:r>
+              <a:t> = 500 </a:t>
+            </a:r>
+          </a:p>
+          <a:p>
             <a:r>
               <a:rPr lang="en-US" altLang="zh-TW" dirty="0" err="1"/>
-              <a:t>model.predict</a:t>
+              <a:t>batch_size</a:t>
+            </a:r>
+            <a:r>
+              <a:rPr lang="en-US" altLang="zh-TW" dirty="0"/>
+              <a:t> = 32</a:t>
+            </a:r>
+          </a:p>
+          <a:p>
+            <a:r>
+              <a:rPr lang="en-US" altLang="zh-TW" dirty="0" err="1"/>
+              <a:t>file_name</a:t>
+            </a:r>
+            <a:r>
+              <a:rPr lang="en-US" altLang="zh-TW" dirty="0"/>
+              <a:t>=</a:t>
+            </a:r>
+            <a:r>
+              <a:rPr lang="en-US" altLang="zh-TW" dirty="0" err="1"/>
+              <a:t>str</a:t>
             </a:r>
             <a:r>
               <a:rPr lang="en-US" altLang="zh-TW" dirty="0"/>
@@ -8127,7 +11133,23 @@
             </a:r>
             <a:r>
               <a:rPr lang="en-US" altLang="zh-TW" dirty="0" err="1"/>
-              <a:t>X_test_normal</a:t>
+              <a:t>nb_epoch</a:t>
+            </a:r>
+            <a:r>
+              <a:rPr lang="en-US" altLang="zh-TW" dirty="0"/>
+              <a:t>)+'_'+</a:t>
+            </a:r>
+            <a:r>
+              <a:rPr lang="en-US" altLang="zh-TW" dirty="0" err="1"/>
+              <a:t>str</a:t>
+            </a:r>
+            <a:r>
+              <a:rPr lang="en-US" altLang="zh-TW" dirty="0"/>
+              <a:t>(</a:t>
+            </a:r>
+            <a:r>
+              <a:rPr lang="en-US" altLang="zh-TW" dirty="0" err="1"/>
+              <a:t>batch_size</a:t>
             </a:r>
             <a:r>
               <a:rPr lang="en-US" altLang="zh-TW" dirty="0"/>
@@ -8136,26 +11158,70 @@
           </a:p>
           <a:p>
             <a:r>
+              <a:rPr lang="en-US" altLang="zh-TW" dirty="0"/>
+              <a:t>TB=</a:t>
+            </a:r>
+            <a:r>
               <a:rPr lang="en-US" altLang="zh-TW" dirty="0" err="1"/>
-              <a:t>np.savetxt</a:t>
+              <a:t>TensorBoard</a:t>
             </a:r>
             <a:r>
               <a:rPr lang="en-US" altLang="zh-TW" dirty="0"/>
-              <a:t>('test_16.csv', </a:t>
+              <a:t>(</a:t>
             </a:r>
             <a:r>
               <a:rPr lang="en-US" altLang="zh-TW" dirty="0" err="1"/>
-              <a:t>Y_predict</a:t>
+              <a:t>log_dir</a:t>
             </a:r>
             <a:r>
               <a:rPr lang="en-US" altLang="zh-TW" dirty="0"/>
-              <a:t>, delimiter = ',')</a:t>
-            </a:r>
-          </a:p>
-          <a:p>
+              <a:t>='logs/'+</a:t>
+            </a:r>
             <a:r>
               <a:rPr lang="en-US" altLang="zh-TW" dirty="0" err="1"/>
-              <a:t>Y_predict</a:t>
+              <a:t>file_name</a:t>
+            </a:r>
+            <a:r>
+              <a:rPr lang="en-US" altLang="zh-TW" dirty="0"/>
+              <a:t>, </a:t>
+            </a:r>
+            <a:r>
+              <a:rPr lang="en-US" altLang="zh-TW" dirty="0" err="1"/>
+              <a:t>histogram_freq</a:t>
+            </a:r>
+            <a:r>
+              <a:rPr lang="en-US" altLang="zh-TW" dirty="0"/>
+              <a:t>=0) </a:t>
+            </a:r>
+          </a:p>
+          <a:p>
+            <a:r>
+              <a:rPr lang="en-US" altLang="zh-TW" dirty="0" err="1"/>
+              <a:t>model.fit</a:t>
+            </a:r>
+            <a:r>
+              <a:rPr lang="en-US" altLang="zh-TW" dirty="0"/>
+              <a:t>(</a:t>
+            </a:r>
+            <a:r>
+              <a:rPr lang="en-US" altLang="zh-TW" dirty="0" err="1"/>
+              <a:t>X_train_normal</a:t>
+            </a:r>
+            <a:r>
+              <a:rPr lang="en-US" altLang="zh-TW" dirty="0"/>
+              <a:t>, </a:t>
+            </a:r>
+            <a:r>
+              <a:rPr lang="en-US" altLang="zh-TW" dirty="0" err="1"/>
+              <a:t>Y_train</a:t>
+            </a:r>
+            <a:r>
+              <a:rPr lang="en-US" altLang="zh-TW" dirty="0"/>
+              <a:t>, </a:t>
+            </a:r>
+            <a:r>
+              <a:rPr lang="en-US" altLang="zh-TW" dirty="0" err="1"/>
+              <a:t>batch_size</a:t>
             </a:r>
             <a:r>
               <a:rPr lang="en-US" altLang="zh-TW" dirty="0"/>
@@ -8163,29 +11229,57 @@
             </a:r>
             <a:r>
               <a:rPr lang="en-US" altLang="zh-TW" dirty="0" err="1"/>
-              <a:t>pd.DataFrame</a:t>
+              <a:t>batch_size</a:t>
             </a:r>
             <a:r>
               <a:rPr lang="en-US" altLang="zh-TW" dirty="0"/>
-              <a:t>(</a:t>
+              <a:t>, </a:t>
             </a:r>
             <a:r>
               <a:rPr lang="en-US" altLang="zh-TW" dirty="0" err="1"/>
-              <a:t>Y_predict</a:t>
+              <a:t>nb_epoch</a:t>
             </a:r>
             <a:r>
               <a:rPr lang="en-US" altLang="zh-TW" dirty="0"/>
-              <a:t>)</a:t>
-            </a:r>
-          </a:p>
-          <a:p>
+              <a:t>=</a:t>
+            </a:r>
             <a:r>
               <a:rPr lang="en-US" altLang="zh-TW" dirty="0" err="1"/>
-              <a:t>Y_predict.to_csv</a:t>
+              <a:t>nb_epoch,verbose</a:t>
             </a:r>
             <a:r>
               <a:rPr lang="en-US" altLang="zh-TW" dirty="0"/>
-              <a:t>('final7.csv')</a:t>
+              <a:t>=1, </a:t>
+            </a:r>
+            <a:r>
+              <a:rPr lang="en-US" altLang="zh-TW" dirty="0" err="1"/>
+              <a:t>validation_data</a:t>
+            </a:r>
+            <a:r>
+              <a:rPr lang="en-US" altLang="zh-TW" dirty="0"/>
+              <a:t>=(</a:t>
+            </a:r>
+            <a:r>
+              <a:rPr lang="en-US" altLang="zh-TW" dirty="0" err="1"/>
+              <a:t>X_valid_normal</a:t>
+            </a:r>
+            <a:r>
+              <a:rPr lang="en-US" altLang="zh-TW" dirty="0"/>
+              <a:t>, </a:t>
+            </a:r>
+            <a:r>
+              <a:rPr lang="en-US" altLang="zh-TW" dirty="0" err="1"/>
+              <a:t>Y_valid</a:t>
+            </a:r>
+            <a:r>
+              <a:rPr lang="en-US" altLang="zh-TW" dirty="0"/>
+              <a:t>),callbacks=[TB]) </a:t>
+            </a:r>
+          </a:p>
+          <a:p>
+            <a:r>
+              <a:rPr lang="en-US" altLang="zh-TW" dirty="0"/>
+              <a:t>#%%</a:t>
             </a:r>
             <a:endParaRPr lang="zh-TW" altLang="en-US" dirty="0"/>
           </a:p>
@@ -8194,7 +11288,7 @@
     </p:spTree>
     <p:extLst>
       <p:ext uri="{BB962C8B-B14F-4D97-AF65-F5344CB8AC3E}">
-        <p14:creationId xmlns:p14="http://schemas.microsoft.com/office/powerpoint/2010/main" val="2920401633"/>
+        <p14:creationId xmlns:p14="http://schemas.microsoft.com/office/powerpoint/2010/main" val="3330676812"/>
       </p:ext>
     </p:extLst>
   </p:cSld>
@@ -8245,99 +11339,113 @@
           <a:p>
             <a:r>
               <a:rPr lang="zh-TW" altLang="en-US" dirty="0" smtClean="0"/>
-              <a:t>最後的檔案</a:t>
+              <a:t>儲存檔案</a:t>
             </a:r>
             <a:endParaRPr lang="zh-TW" altLang="en-US" dirty="0"/>
           </a:p>
         </p:txBody>
       </p:sp>
-      <p:pic>
-        <p:nvPicPr>
-          <p:cNvPr id="4" name="內容版面配置區 3"/>
-          <p:cNvPicPr>
-            <a:picLocks noGrp="1" noChangeAspect="1"/>
-          </p:cNvPicPr>
+      <p:sp>
+        <p:nvSpPr>
+          <p:cNvPr id="3" name="內容版面配置區 2"/>
+          <p:cNvSpPr>
+            <a:spLocks noGrp="1"/>
+          </p:cNvSpPr>
           <p:nvPr>
             <p:ph idx="1"/>
           </p:nvPr>
-        </p:nvPicPr>
-        <p:blipFill rotWithShape="1">
-          <a:blip r:embed="rId2"/>
-          <a:srcRect t="20447" r="90476" b="8265"/>
-          <a:stretch/>
-        </p:blipFill>
-        <p:spPr>
-          <a:xfrm>
-            <a:off x="4402570" y="2009503"/>
-            <a:ext cx="1754389" cy="4171406"/>
-          </a:xfrm>
-          <a:prstGeom prst="rect">
-            <a:avLst/>
-          </a:prstGeom>
-        </p:spPr>
-      </p:pic>
-      <p:sp>
-        <p:nvSpPr>
-          <p:cNvPr id="5" name="文字方塊 4"/>
-          <p:cNvSpPr txBox="1"/>
-          <p:nvPr/>
-        </p:nvSpPr>
-        <p:spPr>
-          <a:xfrm>
-            <a:off x="2151017" y="2098766"/>
-            <a:ext cx="1619794" cy="923330"/>
-          </a:xfrm>
-          <a:prstGeom prst="rect">
-            <a:avLst/>
-          </a:prstGeom>
-          <a:noFill/>
-        </p:spPr>
+        </p:nvSpPr>
+        <p:spPr/>
         <p:txBody>
-          <a:bodyPr wrap="square" rtlCol="0">
-            <a:spAutoFit/>
-          </a:bodyPr>
+          <a:bodyPr/>
           <a:lstStyle/>
           <a:p>
             <a:r>
-              <a:rPr lang="zh-TW" altLang="en-US" dirty="0" smtClean="0"/>
-              <a:t>加入</a:t>
-            </a:r>
-            <a:r>
-              <a:rPr lang="en-US" altLang="zh-TW" dirty="0" smtClean="0"/>
-              <a:t>id</a:t>
-            </a:r>
-          </a:p>
-          <a:p>
-            <a:r>
-              <a:rPr lang="zh-TW" altLang="en-US" dirty="0" smtClean="0"/>
-              <a:t>加入</a:t>
-            </a:r>
-            <a:r>
-              <a:rPr lang="en-US" altLang="zh-TW" dirty="0" smtClean="0"/>
-              <a:t>price</a:t>
-            </a:r>
-          </a:p>
-          <a:p>
-            <a:r>
-              <a:rPr lang="zh-TW" altLang="en-US" dirty="0" smtClean="0"/>
-              <a:t>修改</a:t>
-            </a:r>
-            <a:r>
-              <a:rPr lang="en-US" altLang="zh-TW" dirty="0" smtClean="0"/>
-              <a:t>id</a:t>
-            </a:r>
-            <a:r>
-              <a:rPr lang="zh-TW" altLang="en-US" dirty="0" smtClean="0"/>
-              <a:t>的數字</a:t>
-            </a:r>
-            <a:endParaRPr lang="en-US" altLang="zh-TW" dirty="0" smtClean="0"/>
+              <a:rPr lang="en-US" altLang="zh-TW" dirty="0" err="1"/>
+              <a:t>Y_predict</a:t>
+            </a:r>
+            <a:r>
+              <a:rPr lang="en-US" altLang="zh-TW" dirty="0"/>
+              <a:t> = </a:t>
+            </a:r>
+            <a:r>
+              <a:rPr lang="en-US" altLang="zh-TW" dirty="0" err="1"/>
+              <a:t>model.predict</a:t>
+            </a:r>
+            <a:r>
+              <a:rPr lang="en-US" altLang="zh-TW" dirty="0"/>
+              <a:t>(</a:t>
+            </a:r>
+            <a:r>
+              <a:rPr lang="en-US" altLang="zh-TW" dirty="0" err="1"/>
+              <a:t>X_test_normal</a:t>
+            </a:r>
+            <a:r>
+              <a:rPr lang="en-US" altLang="zh-TW" dirty="0"/>
+              <a:t>) </a:t>
+            </a:r>
+          </a:p>
+          <a:p>
+            <a:r>
+              <a:rPr lang="en-US" altLang="zh-TW" dirty="0" err="1"/>
+              <a:t>np.savetxt</a:t>
+            </a:r>
+            <a:r>
+              <a:rPr lang="en-US" altLang="zh-TW" dirty="0"/>
+              <a:t>('test_16.csv', </a:t>
+            </a:r>
+            <a:r>
+              <a:rPr lang="en-US" altLang="zh-TW" dirty="0" err="1"/>
+              <a:t>Y_predict</a:t>
+            </a:r>
+            <a:r>
+              <a:rPr lang="en-US" altLang="zh-TW" dirty="0"/>
+              <a:t>, delimiter = ',')</a:t>
+            </a:r>
+          </a:p>
+          <a:p>
+            <a:r>
+              <a:rPr lang="en-US" altLang="zh-TW" dirty="0" err="1"/>
+              <a:t>Y_predict</a:t>
+            </a:r>
+            <a:r>
+              <a:rPr lang="en-US" altLang="zh-TW" dirty="0"/>
+              <a:t>=</a:t>
+            </a:r>
+            <a:r>
+              <a:rPr lang="en-US" altLang="zh-TW" dirty="0" err="1"/>
+              <a:t>pd.DataFrame</a:t>
+            </a:r>
+            <a:r>
+              <a:rPr lang="en-US" altLang="zh-TW" dirty="0"/>
+              <a:t>(</a:t>
+            </a:r>
+            <a:r>
+              <a:rPr lang="en-US" altLang="zh-TW" dirty="0" err="1"/>
+              <a:t>Y_predict</a:t>
+            </a:r>
+            <a:r>
+              <a:rPr lang="en-US" altLang="zh-TW" dirty="0"/>
+              <a:t>)</a:t>
+            </a:r>
+          </a:p>
+          <a:p>
+            <a:r>
+              <a:rPr lang="en-US" altLang="zh-TW" dirty="0" err="1"/>
+              <a:t>Y_predict.to_csv</a:t>
+            </a:r>
+            <a:r>
+              <a:rPr lang="en-US" altLang="zh-TW" dirty="0"/>
+              <a:t>('final7.csv')</a:t>
+            </a:r>
+            <a:endParaRPr lang="zh-TW" altLang="en-US" dirty="0"/>
           </a:p>
         </p:txBody>
       </p:sp>
     </p:spTree>
     <p:extLst>
       <p:ext uri="{BB962C8B-B14F-4D97-AF65-F5344CB8AC3E}">
-        <p14:creationId xmlns:p14="http://schemas.microsoft.com/office/powerpoint/2010/main" val="1966421653"/>
+        <p14:creationId xmlns:p14="http://schemas.microsoft.com/office/powerpoint/2010/main" val="2920401633"/>
       </p:ext>
     </p:extLst>
   </p:cSld>
@@ -8388,6 +11496,149 @@
           <a:p>
             <a:r>
               <a:rPr lang="zh-TW" altLang="en-US" dirty="0" smtClean="0"/>
+              <a:t>最後的檔案</a:t>
+            </a:r>
+            <a:endParaRPr lang="zh-TW" altLang="en-US" dirty="0"/>
+          </a:p>
+        </p:txBody>
+      </p:sp>
+      <p:pic>
+        <p:nvPicPr>
+          <p:cNvPr id="4" name="內容版面配置區 3"/>
+          <p:cNvPicPr>
+            <a:picLocks noGrp="1" noChangeAspect="1"/>
+          </p:cNvPicPr>
+          <p:nvPr>
+            <p:ph idx="1"/>
+          </p:nvPr>
+        </p:nvPicPr>
+        <p:blipFill rotWithShape="1">
+          <a:blip r:embed="rId2"/>
+          <a:srcRect t="20447" r="90476" b="8265"/>
+          <a:stretch/>
+        </p:blipFill>
+        <p:spPr>
+          <a:xfrm>
+            <a:off x="4402570" y="2009503"/>
+            <a:ext cx="1754389" cy="4171406"/>
+          </a:xfrm>
+          <a:prstGeom prst="rect">
+            <a:avLst/>
+          </a:prstGeom>
+        </p:spPr>
+      </p:pic>
+      <p:sp>
+        <p:nvSpPr>
+          <p:cNvPr id="5" name="文字方塊 4"/>
+          <p:cNvSpPr txBox="1"/>
+          <p:nvPr/>
+        </p:nvSpPr>
+        <p:spPr>
+          <a:xfrm>
+            <a:off x="2151017" y="2098766"/>
+            <a:ext cx="1619794" cy="923330"/>
+          </a:xfrm>
+          <a:prstGeom prst="rect">
+            <a:avLst/>
+          </a:prstGeom>
+          <a:noFill/>
+        </p:spPr>
+        <p:txBody>
+          <a:bodyPr wrap="square" rtlCol="0">
+            <a:spAutoFit/>
+          </a:bodyPr>
+          <a:lstStyle/>
+          <a:p>
+            <a:r>
+              <a:rPr lang="zh-TW" altLang="en-US" dirty="0" smtClean="0"/>
+              <a:t>加入</a:t>
+            </a:r>
+            <a:r>
+              <a:rPr lang="en-US" altLang="zh-TW" dirty="0" smtClean="0"/>
+              <a:t>id</a:t>
+            </a:r>
+          </a:p>
+          <a:p>
+            <a:r>
+              <a:rPr lang="zh-TW" altLang="en-US" dirty="0" smtClean="0"/>
+              <a:t>加入</a:t>
+            </a:r>
+            <a:r>
+              <a:rPr lang="en-US" altLang="zh-TW" dirty="0" smtClean="0"/>
+              <a:t>price</a:t>
+            </a:r>
+          </a:p>
+          <a:p>
+            <a:r>
+              <a:rPr lang="zh-TW" altLang="en-US" dirty="0" smtClean="0"/>
+              <a:t>修改</a:t>
+            </a:r>
+            <a:r>
+              <a:rPr lang="en-US" altLang="zh-TW" dirty="0" smtClean="0"/>
+              <a:t>id</a:t>
+            </a:r>
+            <a:r>
+              <a:rPr lang="zh-TW" altLang="en-US" dirty="0" smtClean="0"/>
+              <a:t>的數字</a:t>
+            </a:r>
+            <a:endParaRPr lang="en-US" altLang="zh-TW" dirty="0" smtClean="0"/>
+          </a:p>
+        </p:txBody>
+      </p:sp>
+    </p:spTree>
+    <p:extLst>
+      <p:ext uri="{BB962C8B-B14F-4D97-AF65-F5344CB8AC3E}">
+        <p14:creationId xmlns:p14="http://schemas.microsoft.com/office/powerpoint/2010/main" val="1966421653"/>
+      </p:ext>
+    </p:extLst>
+  </p:cSld>
+  <p:clrMapOvr>
+    <a:masterClrMapping/>
+  </p:clrMapOvr>
+  <p:timing>
+    <p:tnLst>
+      <p:par>
+        <p:cTn id="1" dur="indefinite" restart="never" nodeType="tmRoot"/>
+      </p:par>
+    </p:tnLst>
+  </p:timing>
+</p:sld>
+</file>
+
+<file path=ppt/slides/slide14.xml><?xml version="1.0" encoding="utf-8"?>
+<p:sld xmlns:a="http://schemas.openxmlformats.org/drawingml/2006/main" xmlns:r="http://schemas.openxmlformats.org/officeDocument/2006/relationships" xmlns:p="http://schemas.openxmlformats.org/presentationml/2006/main">
+  <p:cSld>
+    <p:spTree>
+      <p:nvGrpSpPr>
+        <p:cNvPr id="1" name=""/>
+        <p:cNvGrpSpPr/>
+        <p:nvPr/>
+      </p:nvGrpSpPr>
+      <p:grpSpPr>
+        <a:xfrm>
+          <a:off x="0" y="0"/>
+          <a:ext cx="0" cy="0"/>
+          <a:chOff x="0" y="0"/>
+          <a:chExt cx="0" cy="0"/>
+        </a:xfrm>
+      </p:grpSpPr>
+      <p:sp>
+        <p:nvSpPr>
+          <p:cNvPr id="2" name="標題 1"/>
+          <p:cNvSpPr>
+            <a:spLocks noGrp="1"/>
+          </p:cNvSpPr>
+          <p:nvPr>
+            <p:ph type="title"/>
+          </p:nvPr>
+        </p:nvSpPr>
+        <p:spPr/>
+        <p:txBody>
+          <a:bodyPr/>
+          <a:lstStyle/>
+          <a:p>
+            <a:r>
+              <a:rPr lang="zh-TW" altLang="en-US" dirty="0" smtClean="0"/>
               <a:t>最後的分數</a:t>
             </a:r>
             <a:endParaRPr lang="zh-TW" altLang="en-US" dirty="0"/>
@@ -8557,7 +11808,7 @@
 </p:sld>
 </file>
 
-<file path=ppt/slides/slide14.xml><?xml version="1.0" encoding="utf-8"?>
+<file path=ppt/slides/slide15.xml><?xml version="1.0" encoding="utf-8"?>
 <p:sld xmlns:a="http://schemas.openxmlformats.org/drawingml/2006/main" xmlns:r="http://schemas.openxmlformats.org/officeDocument/2006/relationships" xmlns:p="http://schemas.openxmlformats.org/presentationml/2006/main">
   <p:cSld>
     <p:spTree>
@@ -8897,147 +12148,52 @@
           <a:lstStyle/>
           <a:p>
             <a:r>
+              <a:rPr lang="zh-TW" altLang="en-US" dirty="0"/>
+              <a:t>程式</a:t>
+            </a:r>
+            <a:r>
               <a:rPr lang="zh-TW" altLang="en-US" dirty="0" smtClean="0"/>
-              <a:t>匯入模組</a:t>
+              <a:t>方塊圖</a:t>
             </a:r>
             <a:endParaRPr lang="zh-TW" altLang="en-US" dirty="0"/>
           </a:p>
         </p:txBody>
       </p:sp>
-      <p:sp>
-        <p:nvSpPr>
-          <p:cNvPr id="3" name="內容版面配置區 2"/>
-          <p:cNvSpPr>
-            <a:spLocks noGrp="1"/>
-          </p:cNvSpPr>
+      <p:graphicFrame>
+        <p:nvGraphicFramePr>
+          <p:cNvPr id="4" name="內容版面配置區 3"/>
+          <p:cNvGraphicFramePr>
+            <a:graphicFrameLocks noGrp="1"/>
+          </p:cNvGraphicFramePr>
           <p:nvPr>
             <p:ph idx="1"/>
+            <p:extLst>
+              <p:ext uri="{D42A27DB-BD31-4B8C-83A1-F6EECF244321}">
+                <p14:modId xmlns:p14="http://schemas.microsoft.com/office/powerpoint/2010/main" val="1226378561"/>
+              </p:ext>
+            </p:extLst>
           </p:nvPr>
-        </p:nvSpPr>
-        <p:spPr/>
-        <p:txBody>
-          <a:bodyPr>
-            <a:normAutofit/>
-          </a:bodyPr>
-          <a:lstStyle/>
-          <a:p>
-            <a:r>
-              <a:rPr lang="en-US" altLang="zh-TW" sz="2400" dirty="0"/>
-              <a:t>import pandas as </a:t>
-            </a:r>
-            <a:r>
-              <a:rPr lang="en-US" altLang="zh-TW" sz="2400" dirty="0" err="1"/>
-              <a:t>pd</a:t>
-            </a:r>
-            <a:r>
-              <a:rPr lang="en-US" altLang="zh-TW" sz="2400" dirty="0"/>
-              <a:t> </a:t>
-            </a:r>
-          </a:p>
-          <a:p>
-            <a:r>
-              <a:rPr lang="en-US" altLang="zh-TW" sz="2400" dirty="0"/>
-              <a:t>import </a:t>
-            </a:r>
-            <a:r>
-              <a:rPr lang="en-US" altLang="zh-TW" sz="2400" dirty="0" err="1"/>
-              <a:t>numpy</a:t>
-            </a:r>
-            <a:r>
-              <a:rPr lang="en-US" altLang="zh-TW" sz="2400" dirty="0"/>
-              <a:t> as np </a:t>
-            </a:r>
-          </a:p>
-          <a:p>
-            <a:r>
-              <a:rPr lang="en-US" altLang="zh-TW" sz="2400" dirty="0"/>
-              <a:t>from </a:t>
-            </a:r>
-            <a:r>
-              <a:rPr lang="en-US" altLang="zh-TW" sz="2400" dirty="0" err="1"/>
-              <a:t>keras.models</a:t>
-            </a:r>
-            <a:r>
-              <a:rPr lang="en-US" altLang="zh-TW" sz="2400" dirty="0"/>
-              <a:t> import Sequential </a:t>
-            </a:r>
-          </a:p>
-          <a:p>
-            <a:r>
-              <a:rPr lang="en-US" altLang="zh-TW" sz="2400" dirty="0"/>
-              <a:t>from </a:t>
-            </a:r>
-            <a:r>
-              <a:rPr lang="en-US" altLang="zh-TW" sz="2400" dirty="0" err="1"/>
-              <a:t>keras</a:t>
-            </a:r>
-            <a:r>
-              <a:rPr lang="en-US" altLang="zh-TW" sz="2400" dirty="0"/>
-              <a:t> import optimizers </a:t>
-            </a:r>
-          </a:p>
-          <a:p>
-            <a:r>
-              <a:rPr lang="en-US" altLang="zh-TW" sz="2400" dirty="0"/>
-              <a:t>from </a:t>
-            </a:r>
-            <a:r>
-              <a:rPr lang="en-US" altLang="zh-TW" sz="2400" dirty="0" err="1"/>
-              <a:t>keras.layers</a:t>
-            </a:r>
-            <a:r>
-              <a:rPr lang="en-US" altLang="zh-TW" sz="2400" dirty="0"/>
-              <a:t> import * </a:t>
-            </a:r>
-          </a:p>
-          <a:p>
-            <a:r>
-              <a:rPr lang="en-US" altLang="zh-TW" sz="2400" dirty="0"/>
-              <a:t>from </a:t>
-            </a:r>
-            <a:r>
-              <a:rPr lang="en-US" altLang="zh-TW" sz="2400" dirty="0" err="1"/>
-              <a:t>keras.callbacks</a:t>
-            </a:r>
-            <a:r>
-              <a:rPr lang="en-US" altLang="zh-TW" sz="2400" dirty="0"/>
-              <a:t> import * </a:t>
-            </a:r>
-          </a:p>
-          <a:p>
-            <a:r>
-              <a:rPr lang="en-US" altLang="zh-TW" sz="2400" dirty="0"/>
-              <a:t>from </a:t>
-            </a:r>
-            <a:r>
-              <a:rPr lang="en-US" altLang="zh-TW" sz="2400" dirty="0" err="1"/>
-              <a:t>sklearn.preprocessing</a:t>
-            </a:r>
-            <a:r>
-              <a:rPr lang="en-US" altLang="zh-TW" sz="2400" dirty="0"/>
-              <a:t> import *</a:t>
-            </a:r>
-            <a:endParaRPr lang="zh-TW" altLang="en-US" sz="2400" dirty="0"/>
-          </a:p>
-        </p:txBody>
-      </p:sp>
+        </p:nvGraphicFramePr>
+        <p:xfrm>
+          <a:off x="2589213" y="2133600"/>
+          <a:ext cx="8915400" cy="3778250"/>
+        </p:xfrm>
+        <a:graphic>
+          <a:graphicData uri="http://schemas.openxmlformats.org/drawingml/2006/diagram">
+            <dgm:relIds xmlns:dgm="http://schemas.openxmlformats.org/drawingml/2006/diagram" xmlns:r="http://schemas.openxmlformats.org/officeDocument/2006/relationships" r:dm="rId2" r:lo="rId3" r:qs="rId4" r:cs="rId5"/>
+          </a:graphicData>
+        </a:graphic>
+      </p:graphicFrame>
     </p:spTree>
     <p:extLst>
       <p:ext uri="{BB962C8B-B14F-4D97-AF65-F5344CB8AC3E}">
-        <p14:creationId xmlns:p14="http://schemas.microsoft.com/office/powerpoint/2010/main" val="15150280"/>
+        <p14:creationId xmlns:p14="http://schemas.microsoft.com/office/powerpoint/2010/main" val="3205573150"/>
       </p:ext>
     </p:extLst>
   </p:cSld>
   <p:clrMapOvr>
     <a:masterClrMapping/>
   </p:clrMapOvr>
-  <p:timing>
-    <p:tnLst>
-      <p:par>
-        <p:cTn id="1" dur="indefinite" restart="never" nodeType="tmRoot"/>
-      </p:par>
-    </p:tnLst>
-  </p:timing>
 </p:sld>
 </file>
 
@@ -9075,7 +12231,7 @@
           <a:p>
             <a:r>
               <a:rPr lang="zh-TW" altLang="en-US" dirty="0" smtClean="0"/>
-              <a:t>讀取檔案</a:t>
+              <a:t>匯入模組</a:t>
             </a:r>
             <a:endParaRPr lang="zh-TW" altLang="en-US" dirty="0"/>
           </a:p>
@@ -9099,56 +12255,100 @@
           <a:lstStyle/>
           <a:p>
             <a:r>
+              <a:rPr lang="en-US" altLang="zh-TW" sz="2400" dirty="0"/>
+              <a:t>import pandas as </a:t>
+            </a:r>
+            <a:r>
               <a:rPr lang="en-US" altLang="zh-TW" sz="2400" dirty="0" err="1"/>
-              <a:t>df_train</a:t>
+              <a:t>pd</a:t>
             </a:r>
             <a:r>
               <a:rPr lang="en-US" altLang="zh-TW" sz="2400" dirty="0"/>
-              <a:t> = </a:t>
+              <a:t> </a:t>
+            </a:r>
+          </a:p>
+          <a:p>
+            <a:r>
+              <a:rPr lang="en-US" altLang="zh-TW" sz="2400" dirty="0"/>
+              <a:t>import </a:t>
             </a:r>
             <a:r>
               <a:rPr lang="en-US" altLang="zh-TW" sz="2400" dirty="0" err="1"/>
-              <a:t>pd.read_csv</a:t>
+              <a:t>numpy</a:t>
             </a:r>
             <a:r>
               <a:rPr lang="en-US" altLang="zh-TW" sz="2400" dirty="0"/>
-              <a:t>('train-v3.csv') </a:t>
-            </a:r>
-          </a:p>
-          <a:p>
+              <a:t> as np </a:t>
+            </a:r>
+          </a:p>
+          <a:p>
+            <a:r>
+              <a:rPr lang="en-US" altLang="zh-TW" sz="2400" dirty="0"/>
+              <a:t>from </a:t>
+            </a:r>
             <a:r>
               <a:rPr lang="en-US" altLang="zh-TW" sz="2400" dirty="0" err="1"/>
-              <a:t>df_valid</a:t>
+              <a:t>keras.models</a:t>
             </a:r>
             <a:r>
               <a:rPr lang="en-US" altLang="zh-TW" sz="2400" dirty="0"/>
-              <a:t> = </a:t>
+              <a:t> import Sequential </a:t>
+            </a:r>
+          </a:p>
+          <a:p>
+            <a:r>
+              <a:rPr lang="en-US" altLang="zh-TW" sz="2400" dirty="0"/>
+              <a:t>from </a:t>
             </a:r>
             <a:r>
               <a:rPr lang="en-US" altLang="zh-TW" sz="2400" dirty="0" err="1"/>
-              <a:t>pd.read_csv</a:t>
+              <a:t>keras</a:t>
             </a:r>
             <a:r>
               <a:rPr lang="en-US" altLang="zh-TW" sz="2400" dirty="0"/>
-              <a:t>('valid-v3.csv') </a:t>
-            </a:r>
-          </a:p>
-          <a:p>
+              <a:t> import optimizers </a:t>
+            </a:r>
+          </a:p>
+          <a:p>
+            <a:r>
+              <a:rPr lang="en-US" altLang="zh-TW" sz="2400" dirty="0"/>
+              <a:t>from </a:t>
+            </a:r>
             <a:r>
               <a:rPr lang="en-US" altLang="zh-TW" sz="2400" dirty="0" err="1"/>
-              <a:t>df_test</a:t>
+              <a:t>keras.layers</a:t>
             </a:r>
             <a:r>
               <a:rPr lang="en-US" altLang="zh-TW" sz="2400" dirty="0"/>
-              <a:t> = </a:t>
+              <a:t> import * </a:t>
+            </a:r>
+          </a:p>
+          <a:p>
+            <a:r>
+              <a:rPr lang="en-US" altLang="zh-TW" sz="2400" dirty="0"/>
+              <a:t>from </a:t>
             </a:r>
             <a:r>
               <a:rPr lang="en-US" altLang="zh-TW" sz="2400" dirty="0" err="1"/>
-              <a:t>pd.read_csv</a:t>
+              <a:t>keras.callbacks</a:t>
             </a:r>
             <a:r>
               <a:rPr lang="en-US" altLang="zh-TW" sz="2400" dirty="0"/>
-              <a:t>('test-v3.csv')</a:t>
+              <a:t> import * </a:t>
+            </a:r>
+          </a:p>
+          <a:p>
+            <a:r>
+              <a:rPr lang="en-US" altLang="zh-TW" sz="2400" dirty="0"/>
+              <a:t>from </a:t>
+            </a:r>
+            <a:r>
+              <a:rPr lang="en-US" altLang="zh-TW" sz="2400" dirty="0" err="1"/>
+              <a:t>sklearn.preprocessing</a:t>
+            </a:r>
+            <a:r>
+              <a:rPr lang="en-US" altLang="zh-TW" sz="2400" dirty="0"/>
+              <a:t> import *</a:t>
             </a:r>
             <a:endParaRPr lang="zh-TW" altLang="en-US" sz="2400" dirty="0"/>
           </a:p>
@@ -9157,7 +12357,7 @@
     </p:spTree>
     <p:extLst>
       <p:ext uri="{BB962C8B-B14F-4D97-AF65-F5344CB8AC3E}">
-        <p14:creationId xmlns:p14="http://schemas.microsoft.com/office/powerpoint/2010/main" val="781834234"/>
+        <p14:creationId xmlns:p14="http://schemas.microsoft.com/office/powerpoint/2010/main" val="15150280"/>
       </p:ext>
     </p:extLst>
   </p:cSld>
@@ -9208,23 +12408,7 @@
           <a:p>
             <a:r>
               <a:rPr lang="zh-TW" altLang="en-US" dirty="0" smtClean="0"/>
-              <a:t>選擇要的位置轉成</a:t>
-            </a:r>
-            <a:r>
-              <a:rPr lang="en-US" altLang="zh-TW" dirty="0" err="1" smtClean="0"/>
-              <a:t>numpy</a:t>
-            </a:r>
-            <a:r>
-              <a:rPr lang="zh-TW" altLang="en-US" dirty="0" smtClean="0"/>
-              <a:t>檔</a:t>
-            </a:r>
-            <a:r>
-              <a:rPr lang="en-US" altLang="zh-TW" dirty="0" smtClean="0"/>
-              <a:t>+</a:t>
-            </a:r>
-            <a:r>
-              <a:rPr lang="zh-TW" altLang="en-US" dirty="0" smtClean="0"/>
-              <a:t>預處理</a:t>
+              <a:t>讀取檔案</a:t>
             </a:r>
             <a:endParaRPr lang="zh-TW" altLang="en-US" dirty="0"/>
           </a:p>
@@ -9243,368 +12427,70 @@
         <p:spPr/>
         <p:txBody>
           <a:bodyPr>
-            <a:normAutofit fontScale="70000" lnSpcReduction="20000"/>
+            <a:normAutofit/>
           </a:bodyPr>
           <a:lstStyle/>
           <a:p>
             <a:r>
-              <a:rPr lang="en-US" altLang="zh-TW" dirty="0" err="1"/>
-              <a:t>data_title</a:t>
-            </a:r>
-            <a:r>
-              <a:rPr lang="en-US" altLang="zh-TW" dirty="0"/>
-              <a:t>=['</a:t>
-            </a:r>
-            <a:r>
-              <a:rPr lang="en-US" altLang="zh-TW" dirty="0" err="1"/>
-              <a:t>bedrooms</a:t>
-            </a:r>
-            <a:r>
-              <a:rPr lang="en-US" altLang="zh-TW" dirty="0" err="1" smtClean="0"/>
-              <a:t>','bathrooms</a:t>
-            </a:r>
-            <a:r>
-              <a:rPr lang="en-US" altLang="zh-TW" dirty="0"/>
-              <a:t>', '</a:t>
-            </a:r>
-            <a:r>
-              <a:rPr lang="en-US" altLang="zh-TW" dirty="0" err="1"/>
-              <a:t>sqft_living</a:t>
-            </a:r>
-            <a:r>
-              <a:rPr lang="en-US" altLang="zh-TW" dirty="0"/>
-              <a:t>', '</a:t>
-            </a:r>
-            <a:r>
-              <a:rPr lang="en-US" altLang="zh-TW" dirty="0" err="1"/>
-              <a:t>sqft_lot</a:t>
-            </a:r>
-            <a:r>
-              <a:rPr lang="en-US" altLang="zh-TW" dirty="0"/>
-              <a:t>', 'floors', 'waterfront', '</a:t>
-            </a:r>
-            <a:r>
-              <a:rPr lang="en-US" altLang="zh-TW" dirty="0" err="1"/>
-              <a:t>view</a:t>
-            </a:r>
-            <a:r>
-              <a:rPr lang="en-US" altLang="zh-TW" dirty="0" err="1" smtClean="0"/>
-              <a:t>','condition</a:t>
-            </a:r>
-            <a:r>
-              <a:rPr lang="en-US" altLang="zh-TW" dirty="0"/>
-              <a:t>', 'grade', '</a:t>
-            </a:r>
-            <a:r>
-              <a:rPr lang="en-US" altLang="zh-TW" dirty="0" err="1"/>
-              <a:t>sqft_above</a:t>
-            </a:r>
-            <a:r>
-              <a:rPr lang="en-US" altLang="zh-TW" dirty="0"/>
-              <a:t>', '</a:t>
-            </a:r>
-            <a:r>
-              <a:rPr lang="en-US" altLang="zh-TW" dirty="0" err="1"/>
-              <a:t>sqft_basement</a:t>
-            </a:r>
-            <a:r>
-              <a:rPr lang="en-US" altLang="zh-TW" dirty="0"/>
-              <a:t>', 'yr_built</a:t>
-            </a:r>
-            <a:r>
-              <a:rPr lang="en-US" altLang="zh-TW" dirty="0" smtClean="0"/>
-              <a:t>','</a:t>
-            </a:r>
-            <a:r>
-              <a:rPr lang="en-US" altLang="zh-TW" dirty="0" err="1" smtClean="0"/>
-              <a:t>yr_renovated</a:t>
-            </a:r>
-            <a:r>
-              <a:rPr lang="en-US" altLang="zh-TW" dirty="0"/>
-              <a:t>', '</a:t>
-            </a:r>
-            <a:r>
-              <a:rPr lang="en-US" altLang="zh-TW" dirty="0" err="1"/>
-              <a:t>zipcode</a:t>
-            </a:r>
-            <a:r>
-              <a:rPr lang="en-US" altLang="zh-TW" dirty="0"/>
-              <a:t>', '</a:t>
-            </a:r>
-            <a:r>
-              <a:rPr lang="en-US" altLang="zh-TW" dirty="0" err="1"/>
-              <a:t>lat</a:t>
-            </a:r>
-            <a:r>
-              <a:rPr lang="en-US" altLang="zh-TW" dirty="0"/>
-              <a:t>', 'long', 'sqft_living15</a:t>
-            </a:r>
-            <a:r>
-              <a:rPr lang="en-US" altLang="zh-TW" dirty="0" smtClean="0"/>
-              <a:t>','sqft_lot15</a:t>
-            </a:r>
-            <a:r>
-              <a:rPr lang="en-US" altLang="zh-TW" dirty="0"/>
-              <a:t>']</a:t>
-            </a:r>
-          </a:p>
-          <a:p>
-            <a:r>
-              <a:rPr lang="en-US" altLang="zh-TW" dirty="0" err="1"/>
-              <a:t>df_train.drop</a:t>
-            </a:r>
-            <a:r>
-              <a:rPr lang="en-US" altLang="zh-TW" dirty="0"/>
-              <a:t>(['id'],</a:t>
-            </a:r>
-            <a:r>
-              <a:rPr lang="en-US" altLang="zh-TW" dirty="0" err="1"/>
-              <a:t>inplace</a:t>
-            </a:r>
-            <a:r>
-              <a:rPr lang="en-US" altLang="zh-TW" dirty="0"/>
+              <a:rPr lang="en-US" altLang="zh-TW" sz="2400" dirty="0" err="1"/>
+              <a:t>df_train</a:t>
+            </a:r>
+            <a:r>
+              <a:rPr lang="en-US" altLang="zh-TW" sz="2400" dirty="0"/>
               <a:t> = </a:t>
             </a:r>
             <a:r>
-              <a:rPr lang="en-US" altLang="zh-TW" dirty="0" err="1"/>
-              <a:t>True,axis</a:t>
-            </a:r>
-            <a:r>
-              <a:rPr lang="en-US" altLang="zh-TW" dirty="0"/>
-              <a:t>=1) </a:t>
-            </a:r>
-          </a:p>
-          <a:p>
-            <a:r>
-              <a:rPr lang="en-US" altLang="zh-TW" dirty="0" err="1"/>
-              <a:t>df_valid.drop</a:t>
-            </a:r>
-            <a:r>
-              <a:rPr lang="en-US" altLang="zh-TW" dirty="0"/>
-              <a:t>(['id'],</a:t>
-            </a:r>
-            <a:r>
-              <a:rPr lang="en-US" altLang="zh-TW" dirty="0" err="1"/>
-              <a:t>inplace</a:t>
-            </a:r>
-            <a:r>
-              <a:rPr lang="en-US" altLang="zh-TW" dirty="0"/>
+              <a:rPr lang="en-US" altLang="zh-TW" sz="2400" dirty="0" err="1"/>
+              <a:t>pd.read_csv</a:t>
+            </a:r>
+            <a:r>
+              <a:rPr lang="en-US" altLang="zh-TW" sz="2400" dirty="0"/>
+              <a:t>('train-v3.csv') </a:t>
+            </a:r>
+          </a:p>
+          <a:p>
+            <a:r>
+              <a:rPr lang="en-US" altLang="zh-TW" sz="2400" dirty="0" err="1"/>
+              <a:t>df_valid</a:t>
+            </a:r>
+            <a:r>
+              <a:rPr lang="en-US" altLang="zh-TW" sz="2400" dirty="0"/>
               <a:t> = </a:t>
             </a:r>
             <a:r>
-              <a:rPr lang="en-US" altLang="zh-TW" dirty="0" err="1"/>
-              <a:t>True,axis</a:t>
-            </a:r>
-            <a:r>
-              <a:rPr lang="en-US" altLang="zh-TW" dirty="0"/>
-              <a:t>=1) </a:t>
-            </a:r>
-          </a:p>
-          <a:p>
-            <a:r>
-              <a:rPr lang="en-US" altLang="zh-TW" dirty="0" err="1"/>
-              <a:t>df_test.drop</a:t>
-            </a:r>
-            <a:r>
-              <a:rPr lang="en-US" altLang="zh-TW" dirty="0"/>
-              <a:t>(['id'],</a:t>
-            </a:r>
-            <a:r>
-              <a:rPr lang="en-US" altLang="zh-TW" dirty="0" err="1"/>
-              <a:t>inplace</a:t>
-            </a:r>
-            <a:r>
-              <a:rPr lang="en-US" altLang="zh-TW" dirty="0"/>
+              <a:rPr lang="en-US" altLang="zh-TW" sz="2400" dirty="0" err="1"/>
+              <a:t>pd.read_csv</a:t>
+            </a:r>
+            <a:r>
+              <a:rPr lang="en-US" altLang="zh-TW" sz="2400" dirty="0"/>
+              <a:t>('valid-v3.csv') </a:t>
+            </a:r>
+          </a:p>
+          <a:p>
+            <a:r>
+              <a:rPr lang="en-US" altLang="zh-TW" sz="2400" dirty="0" err="1"/>
+              <a:t>df_test</a:t>
+            </a:r>
+            <a:r>
+              <a:rPr lang="en-US" altLang="zh-TW" sz="2400" dirty="0"/>
               <a:t> = </a:t>
             </a:r>
             <a:r>
-              <a:rPr lang="en-US" altLang="zh-TW" dirty="0" err="1"/>
-              <a:t>True,axis</a:t>
-            </a:r>
-            <a:r>
-              <a:rPr lang="en-US" altLang="zh-TW" dirty="0"/>
-              <a:t>=1)</a:t>
-            </a:r>
-          </a:p>
-          <a:p>
-            <a:r>
-              <a:rPr lang="en-US" altLang="zh-TW" dirty="0" err="1"/>
-              <a:t>Y_train</a:t>
-            </a:r>
-            <a:r>
-              <a:rPr lang="en-US" altLang="zh-TW" dirty="0"/>
-              <a:t> = </a:t>
-            </a:r>
-            <a:r>
-              <a:rPr lang="en-US" altLang="zh-TW" dirty="0" err="1"/>
-              <a:t>df_train</a:t>
-            </a:r>
-            <a:r>
-              <a:rPr lang="en-US" altLang="zh-TW" dirty="0"/>
-              <a:t>["price"].values </a:t>
-            </a:r>
-          </a:p>
-          <a:p>
-            <a:r>
-              <a:rPr lang="en-US" altLang="zh-TW" dirty="0" err="1"/>
-              <a:t>X_train</a:t>
-            </a:r>
-            <a:r>
-              <a:rPr lang="en-US" altLang="zh-TW" dirty="0"/>
-              <a:t> = </a:t>
-            </a:r>
-            <a:r>
-              <a:rPr lang="en-US" altLang="zh-TW" dirty="0" err="1"/>
-              <a:t>df_train</a:t>
-            </a:r>
-            <a:r>
-              <a:rPr lang="en-US" altLang="zh-TW" dirty="0"/>
-              <a:t>[</a:t>
-            </a:r>
-            <a:r>
-              <a:rPr lang="en-US" altLang="zh-TW" dirty="0" err="1"/>
-              <a:t>data_title</a:t>
-            </a:r>
-            <a:r>
-              <a:rPr lang="en-US" altLang="zh-TW" dirty="0"/>
-              <a:t>].values </a:t>
-            </a:r>
-          </a:p>
-          <a:p>
-            <a:r>
-              <a:rPr lang="en-US" altLang="zh-TW" dirty="0" err="1"/>
-              <a:t>Y_valid</a:t>
-            </a:r>
-            <a:r>
-              <a:rPr lang="en-US" altLang="zh-TW" dirty="0"/>
-              <a:t> = </a:t>
-            </a:r>
-            <a:r>
-              <a:rPr lang="en-US" altLang="zh-TW" dirty="0" err="1"/>
-              <a:t>df_valid</a:t>
-            </a:r>
-            <a:r>
-              <a:rPr lang="en-US" altLang="zh-TW" dirty="0"/>
-              <a:t>["price"].values </a:t>
-            </a:r>
-          </a:p>
-          <a:p>
-            <a:r>
-              <a:rPr lang="en-US" altLang="zh-TW" dirty="0" err="1"/>
-              <a:t>X_valid</a:t>
-            </a:r>
-            <a:r>
-              <a:rPr lang="en-US" altLang="zh-TW" dirty="0"/>
-              <a:t> = </a:t>
-            </a:r>
-            <a:r>
-              <a:rPr lang="en-US" altLang="zh-TW" dirty="0" err="1"/>
-              <a:t>df_valid</a:t>
-            </a:r>
-            <a:r>
-              <a:rPr lang="en-US" altLang="zh-TW" dirty="0"/>
-              <a:t>[</a:t>
-            </a:r>
-            <a:r>
-              <a:rPr lang="en-US" altLang="zh-TW" dirty="0" err="1"/>
-              <a:t>data_title</a:t>
-            </a:r>
-            <a:r>
-              <a:rPr lang="en-US" altLang="zh-TW" dirty="0"/>
-              <a:t>].values </a:t>
-            </a:r>
-          </a:p>
-          <a:p>
-            <a:r>
-              <a:rPr lang="en-US" altLang="zh-TW" dirty="0" err="1"/>
-              <a:t>X_test</a:t>
-            </a:r>
-            <a:r>
-              <a:rPr lang="en-US" altLang="zh-TW" dirty="0"/>
-              <a:t> = </a:t>
-            </a:r>
-            <a:r>
-              <a:rPr lang="en-US" altLang="zh-TW" dirty="0" err="1"/>
-              <a:t>df_test</a:t>
-            </a:r>
-            <a:r>
-              <a:rPr lang="en-US" altLang="zh-TW" dirty="0"/>
-              <a:t>[</a:t>
-            </a:r>
-            <a:r>
-              <a:rPr lang="en-US" altLang="zh-TW" dirty="0" err="1"/>
-              <a:t>data_title</a:t>
-            </a:r>
-            <a:r>
-              <a:rPr lang="en-US" altLang="zh-TW" dirty="0"/>
-              <a:t>].values</a:t>
-            </a:r>
-          </a:p>
-          <a:p>
-            <a:r>
-              <a:rPr lang="en-US" altLang="zh-TW" dirty="0" err="1" smtClean="0"/>
-              <a:t>X_train_normal</a:t>
-            </a:r>
-            <a:r>
-              <a:rPr lang="en-US" altLang="zh-TW" dirty="0" smtClean="0"/>
-              <a:t> </a:t>
-            </a:r>
-            <a:r>
-              <a:rPr lang="en-US" altLang="zh-TW" dirty="0"/>
-              <a:t>= scale(</a:t>
-            </a:r>
-            <a:r>
-              <a:rPr lang="en-US" altLang="zh-TW" dirty="0" err="1"/>
-              <a:t>X_train</a:t>
-            </a:r>
-            <a:r>
-              <a:rPr lang="en-US" altLang="zh-TW" dirty="0"/>
-              <a:t>) </a:t>
-            </a:r>
-          </a:p>
-          <a:p>
-            <a:r>
-              <a:rPr lang="en-US" altLang="zh-TW" dirty="0" err="1"/>
-              <a:t>X_valid_normal</a:t>
-            </a:r>
-            <a:r>
-              <a:rPr lang="en-US" altLang="zh-TW" dirty="0"/>
-              <a:t> = scale(</a:t>
-            </a:r>
-            <a:r>
-              <a:rPr lang="en-US" altLang="zh-TW" dirty="0" err="1"/>
-              <a:t>X_valid</a:t>
-            </a:r>
-            <a:r>
-              <a:rPr lang="en-US" altLang="zh-TW" dirty="0"/>
-              <a:t>) </a:t>
-            </a:r>
-          </a:p>
-          <a:p>
-            <a:r>
-              <a:rPr lang="en-US" altLang="zh-TW" dirty="0" err="1"/>
-              <a:t>X_test_normal</a:t>
-            </a:r>
-            <a:r>
-              <a:rPr lang="en-US" altLang="zh-TW" dirty="0"/>
-              <a:t> = scale(</a:t>
-            </a:r>
-            <a:r>
-              <a:rPr lang="en-US" altLang="zh-TW" dirty="0" err="1"/>
-              <a:t>X_test</a:t>
-            </a:r>
-            <a:r>
-              <a:rPr lang="en-US" altLang="zh-TW" dirty="0"/>
-              <a:t>)</a:t>
-            </a:r>
-            <a:endParaRPr lang="zh-TW" altLang="en-US" dirty="0"/>
+              <a:rPr lang="en-US" altLang="zh-TW" sz="2400" dirty="0" err="1"/>
+              <a:t>pd.read_csv</a:t>
+            </a:r>
+            <a:r>
+              <a:rPr lang="en-US" altLang="zh-TW" sz="2400" dirty="0"/>
+              <a:t>('test-v3.csv')</a:t>
+            </a:r>
+            <a:endParaRPr lang="zh-TW" altLang="en-US" sz="2400" dirty="0"/>
           </a:p>
         </p:txBody>
       </p:sp>
     </p:spTree>
     <p:extLst>
       <p:ext uri="{BB962C8B-B14F-4D97-AF65-F5344CB8AC3E}">
-        <p14:creationId xmlns:p14="http://schemas.microsoft.com/office/powerpoint/2010/main" val="2972229758"/>
+        <p14:creationId xmlns:p14="http://schemas.microsoft.com/office/powerpoint/2010/main" val="781834234"/>
       </p:ext>
     </p:extLst>
   </p:cSld>
@@ -9655,23 +12541,24 @@
           <a:p>
             <a:r>
               <a:rPr lang="zh-TW" altLang="en-US" dirty="0" smtClean="0"/>
-              <a:t>第一次</a:t>
+              <a:t>選擇要的位置轉成</a:t>
+            </a:r>
+            <a:r>
+              <a:rPr lang="en-US" altLang="zh-TW" dirty="0" err="1" smtClean="0"/>
+              <a:t>numpy</a:t>
+            </a:r>
+            <a:r>
+              <a:rPr lang="zh-TW" altLang="en-US" dirty="0" smtClean="0"/>
+              <a:t>檔</a:t>
             </a:r>
             <a:r>
               <a:rPr lang="en-US" altLang="zh-TW" dirty="0" smtClean="0"/>
-              <a:t>(</a:t>
+              <a:t>+</a:t>
             </a:r>
             <a:r>
               <a:rPr lang="zh-TW" altLang="en-US" dirty="0" smtClean="0"/>
-              <a:t>沒有用模型預測</a:t>
-            </a:r>
-            <a:r>
-              <a:rPr lang="en-US" altLang="zh-TW" dirty="0" smtClean="0"/>
-              <a:t>)</a:t>
-            </a:r>
-            <a:br>
-              <a:rPr lang="en-US" altLang="zh-TW" dirty="0" smtClean="0"/>
-            </a:br>
+              <a:t>預處理</a:t>
+            </a:r>
             <a:endParaRPr lang="zh-TW" altLang="en-US" dirty="0"/>
           </a:p>
         </p:txBody>
@@ -9688,12 +12575,124 @@
         </p:nvSpPr>
         <p:spPr/>
         <p:txBody>
-          <a:bodyPr/>
+          <a:bodyPr>
+            <a:normAutofit fontScale="70000" lnSpcReduction="20000"/>
+          </a:bodyPr>
           <a:lstStyle/>
           <a:p>
             <a:r>
               <a:rPr lang="en-US" altLang="zh-TW" dirty="0" err="1"/>
-              <a:t>regr</a:t>
+              <a:t>data_title</a:t>
+            </a:r>
+            <a:r>
+              <a:rPr lang="en-US" altLang="zh-TW" dirty="0"/>
+              <a:t>=['</a:t>
+            </a:r>
+            <a:r>
+              <a:rPr lang="en-US" altLang="zh-TW" dirty="0" err="1"/>
+              <a:t>bedrooms</a:t>
+            </a:r>
+            <a:r>
+              <a:rPr lang="en-US" altLang="zh-TW" dirty="0" err="1" smtClean="0"/>
+              <a:t>','bathrooms</a:t>
+            </a:r>
+            <a:r>
+              <a:rPr lang="en-US" altLang="zh-TW" dirty="0"/>
+              <a:t>', '</a:t>
+            </a:r>
+            <a:r>
+              <a:rPr lang="en-US" altLang="zh-TW" dirty="0" err="1"/>
+              <a:t>sqft_living</a:t>
+            </a:r>
+            <a:r>
+              <a:rPr lang="en-US" altLang="zh-TW" dirty="0"/>
+              <a:t>', '</a:t>
+            </a:r>
+            <a:r>
+              <a:rPr lang="en-US" altLang="zh-TW" dirty="0" err="1"/>
+              <a:t>sqft_lot</a:t>
+            </a:r>
+            <a:r>
+              <a:rPr lang="en-US" altLang="zh-TW" dirty="0"/>
+              <a:t>', 'floors', 'waterfront', '</a:t>
+            </a:r>
+            <a:r>
+              <a:rPr lang="en-US" altLang="zh-TW" dirty="0" err="1"/>
+              <a:t>view</a:t>
+            </a:r>
+            <a:r>
+              <a:rPr lang="en-US" altLang="zh-TW" dirty="0" err="1" smtClean="0"/>
+              <a:t>','condition</a:t>
+            </a:r>
+            <a:r>
+              <a:rPr lang="en-US" altLang="zh-TW" dirty="0"/>
+              <a:t>', 'grade', '</a:t>
+            </a:r>
+            <a:r>
+              <a:rPr lang="en-US" altLang="zh-TW" dirty="0" err="1"/>
+              <a:t>sqft_above</a:t>
+            </a:r>
+            <a:r>
+              <a:rPr lang="en-US" altLang="zh-TW" dirty="0"/>
+              <a:t>', '</a:t>
+            </a:r>
+            <a:r>
+              <a:rPr lang="en-US" altLang="zh-TW" dirty="0" err="1"/>
+              <a:t>sqft_basement</a:t>
+            </a:r>
+            <a:r>
+              <a:rPr lang="en-US" altLang="zh-TW" dirty="0"/>
+              <a:t>', 'yr_built</a:t>
+            </a:r>
+            <a:r>
+              <a:rPr lang="en-US" altLang="zh-TW" dirty="0" smtClean="0"/>
+              <a:t>','</a:t>
+            </a:r>
+            <a:r>
+              <a:rPr lang="en-US" altLang="zh-TW" dirty="0" err="1" smtClean="0"/>
+              <a:t>yr_renovated</a:t>
+            </a:r>
+            <a:r>
+              <a:rPr lang="en-US" altLang="zh-TW" dirty="0"/>
+              <a:t>', '</a:t>
+            </a:r>
+            <a:r>
+              <a:rPr lang="en-US" altLang="zh-TW" dirty="0" err="1"/>
+              <a:t>zipcode</a:t>
+            </a:r>
+            <a:r>
+              <a:rPr lang="en-US" altLang="zh-TW" dirty="0"/>
+              <a:t>', '</a:t>
+            </a:r>
+            <a:r>
+              <a:rPr lang="en-US" altLang="zh-TW" dirty="0" err="1"/>
+              <a:t>lat</a:t>
+            </a:r>
+            <a:r>
+              <a:rPr lang="en-US" altLang="zh-TW" dirty="0"/>
+              <a:t>', 'long', 'sqft_living15</a:t>
+            </a:r>
+            <a:r>
+              <a:rPr lang="en-US" altLang="zh-TW" dirty="0" smtClean="0"/>
+              <a:t>','sqft_lot15</a:t>
+            </a:r>
+            <a:r>
+              <a:rPr lang="en-US" altLang="zh-TW" dirty="0"/>
+              <a:t>']</a:t>
+            </a:r>
+          </a:p>
+          <a:p>
+            <a:r>
+              <a:rPr lang="en-US" altLang="zh-TW" dirty="0" err="1"/>
+              <a:t>df_train.drop</a:t>
+            </a:r>
+            <a:r>
+              <a:rPr lang="en-US" altLang="zh-TW" dirty="0"/>
+              <a:t>(['id'],</a:t>
+            </a:r>
+            <a:r>
+              <a:rPr lang="en-US" altLang="zh-TW" dirty="0" err="1"/>
+              <a:t>inplace</a:t>
             </a:r>
             <a:r>
               <a:rPr lang="en-US" altLang="zh-TW" dirty="0"/>
@@ -9701,167 +12700,235 @@
             </a:r>
             <a:r>
               <a:rPr lang="en-US" altLang="zh-TW" dirty="0" err="1"/>
-              <a:t>LinearRegression</a:t>
+              <a:t>True,axis</a:t>
             </a:r>
             <a:r>
               <a:rPr lang="en-US" altLang="zh-TW" dirty="0"/>
-              <a:t>()</a:t>
+              <a:t>=1) </a:t>
             </a:r>
           </a:p>
           <a:p>
             <a:r>
               <a:rPr lang="en-US" altLang="zh-TW" dirty="0" err="1"/>
-              <a:t>regr.fit</a:t>
+              <a:t>df_valid.drop</a:t>
             </a:r>
             <a:r>
               <a:rPr lang="en-US" altLang="zh-TW" dirty="0"/>
-              <a:t>(</a:t>
-            </a:r>
+              <a:t>(['id'],</a:t>
+            </a:r>
+            <a:r>
+              <a:rPr lang="en-US" altLang="zh-TW" dirty="0" err="1"/>
+              <a:t>inplace</a:t>
+            </a:r>
+            <a:r>
+              <a:rPr lang="en-US" altLang="zh-TW" dirty="0"/>
+              <a:t> = </a:t>
+            </a:r>
+            <a:r>
+              <a:rPr lang="en-US" altLang="zh-TW" dirty="0" err="1"/>
+              <a:t>True,axis</a:t>
+            </a:r>
+            <a:r>
+              <a:rPr lang="en-US" altLang="zh-TW" dirty="0"/>
+              <a:t>=1) </a:t>
+            </a:r>
+          </a:p>
+          <a:p>
+            <a:r>
+              <a:rPr lang="en-US" altLang="zh-TW" dirty="0" err="1"/>
+              <a:t>df_test.drop</a:t>
+            </a:r>
+            <a:r>
+              <a:rPr lang="en-US" altLang="zh-TW" dirty="0"/>
+              <a:t>(['id'],</a:t>
+            </a:r>
+            <a:r>
+              <a:rPr lang="en-US" altLang="zh-TW" dirty="0" err="1"/>
+              <a:t>inplace</a:t>
+            </a:r>
+            <a:r>
+              <a:rPr lang="en-US" altLang="zh-TW" dirty="0"/>
+              <a:t> = </a:t>
+            </a:r>
+            <a:r>
+              <a:rPr lang="en-US" altLang="zh-TW" dirty="0" err="1"/>
+              <a:t>True,axis</a:t>
+            </a:r>
+            <a:r>
+              <a:rPr lang="en-US" altLang="zh-TW" dirty="0"/>
+              <a:t>=1)</a:t>
+            </a:r>
+          </a:p>
+          <a:p>
+            <a:r>
+              <a:rPr lang="en-US" altLang="zh-TW" dirty="0" err="1"/>
+              <a:t>Y_train</a:t>
+            </a:r>
+            <a:r>
+              <a:rPr lang="en-US" altLang="zh-TW" dirty="0"/>
+              <a:t> = </a:t>
+            </a:r>
+            <a:r>
+              <a:rPr lang="en-US" altLang="zh-TW" dirty="0" err="1"/>
+              <a:t>df_train</a:t>
+            </a:r>
+            <a:r>
+              <a:rPr lang="en-US" altLang="zh-TW" dirty="0"/>
+              <a:t>["price"].values </a:t>
+            </a:r>
+          </a:p>
+          <a:p>
             <a:r>
               <a:rPr lang="en-US" altLang="zh-TW" dirty="0" err="1"/>
               <a:t>X_train</a:t>
             </a:r>
             <a:r>
               <a:rPr lang="en-US" altLang="zh-TW" dirty="0"/>
-              <a:t>, </a:t>
+              <a:t> = </a:t>
             </a:r>
             <a:r>
               <a:rPr lang="en-US" altLang="zh-TW" dirty="0" err="1"/>
-              <a:t>Y_train</a:t>
+              <a:t>df_train</a:t>
+            </a:r>
+            <a:r>
+              <a:rPr lang="en-US" altLang="zh-TW" dirty="0"/>
+              <a:t>[</a:t>
+            </a:r>
+            <a:r>
+              <a:rPr lang="en-US" altLang="zh-TW" dirty="0" err="1"/>
+              <a:t>data_title</a:t>
+            </a:r>
+            <a:r>
+              <a:rPr lang="en-US" altLang="zh-TW" dirty="0"/>
+              <a:t>].values </a:t>
+            </a:r>
+          </a:p>
+          <a:p>
+            <a:r>
+              <a:rPr lang="en-US" altLang="zh-TW" dirty="0" err="1"/>
+              <a:t>Y_valid</a:t>
+            </a:r>
+            <a:r>
+              <a:rPr lang="en-US" altLang="zh-TW" dirty="0"/>
+              <a:t> = </a:t>
+            </a:r>
+            <a:r>
+              <a:rPr lang="en-US" altLang="zh-TW" dirty="0" err="1"/>
+              <a:t>df_valid</a:t>
+            </a:r>
+            <a:r>
+              <a:rPr lang="en-US" altLang="zh-TW" dirty="0"/>
+              <a:t>["price"].values </a:t>
+            </a:r>
+          </a:p>
+          <a:p>
+            <a:r>
+              <a:rPr lang="en-US" altLang="zh-TW" dirty="0" err="1"/>
+              <a:t>X_valid</a:t>
+            </a:r>
+            <a:r>
+              <a:rPr lang="en-US" altLang="zh-TW" dirty="0"/>
+              <a:t> = </a:t>
+            </a:r>
+            <a:r>
+              <a:rPr lang="en-US" altLang="zh-TW" dirty="0" err="1"/>
+              <a:t>df_valid</a:t>
+            </a:r>
+            <a:r>
+              <a:rPr lang="en-US" altLang="zh-TW" dirty="0"/>
+              <a:t>[</a:t>
+            </a:r>
+            <a:r>
+              <a:rPr lang="en-US" altLang="zh-TW" dirty="0" err="1"/>
+              <a:t>data_title</a:t>
+            </a:r>
+            <a:r>
+              <a:rPr lang="en-US" altLang="zh-TW" dirty="0"/>
+              <a:t>].values </a:t>
+            </a:r>
+          </a:p>
+          <a:p>
+            <a:r>
+              <a:rPr lang="en-US" altLang="zh-TW" dirty="0" err="1"/>
+              <a:t>X_test</a:t>
+            </a:r>
+            <a:r>
+              <a:rPr lang="en-US" altLang="zh-TW" dirty="0"/>
+              <a:t> = </a:t>
+            </a:r>
+            <a:r>
+              <a:rPr lang="en-US" altLang="zh-TW" dirty="0" err="1"/>
+              <a:t>df_test</a:t>
+            </a:r>
+            <a:r>
+              <a:rPr lang="en-US" altLang="zh-TW" dirty="0"/>
+              <a:t>[</a:t>
+            </a:r>
+            <a:r>
+              <a:rPr lang="en-US" altLang="zh-TW" dirty="0" err="1"/>
+              <a:t>data_title</a:t>
+            </a:r>
+            <a:r>
+              <a:rPr lang="en-US" altLang="zh-TW" dirty="0"/>
+              <a:t>].values</a:t>
+            </a:r>
+          </a:p>
+          <a:p>
+            <a:r>
+              <a:rPr lang="en-US" altLang="zh-TW" dirty="0" err="1" smtClean="0"/>
+              <a:t>X_train_normal</a:t>
+            </a:r>
+            <a:r>
+              <a:rPr lang="en-US" altLang="zh-TW" dirty="0" smtClean="0"/>
+              <a:t> </a:t>
+            </a:r>
+            <a:r>
+              <a:rPr lang="en-US" altLang="zh-TW" dirty="0"/>
+              <a:t>= scale(</a:t>
+            </a:r>
+            <a:r>
+              <a:rPr lang="en-US" altLang="zh-TW" dirty="0" err="1"/>
+              <a:t>X_train</a:t>
+            </a:r>
+            <a:r>
+              <a:rPr lang="en-US" altLang="zh-TW" dirty="0"/>
+              <a:t>) </a:t>
+            </a:r>
+          </a:p>
+          <a:p>
+            <a:r>
+              <a:rPr lang="en-US" altLang="zh-TW" dirty="0" err="1"/>
+              <a:t>X_valid_normal</a:t>
+            </a:r>
+            <a:r>
+              <a:rPr lang="en-US" altLang="zh-TW" dirty="0"/>
+              <a:t> = scale(</a:t>
+            </a:r>
+            <a:r>
+              <a:rPr lang="en-US" altLang="zh-TW" dirty="0" err="1"/>
+              <a:t>X_valid</a:t>
+            </a:r>
+            <a:r>
+              <a:rPr lang="en-US" altLang="zh-TW" dirty="0"/>
+              <a:t>) </a:t>
+            </a:r>
+          </a:p>
+          <a:p>
+            <a:r>
+              <a:rPr lang="en-US" altLang="zh-TW" dirty="0" err="1"/>
+              <a:t>X_test_normal</a:t>
+            </a:r>
+            <a:r>
+              <a:rPr lang="en-US" altLang="zh-TW" dirty="0"/>
+              <a:t> = scale(</a:t>
+            </a:r>
+            <a:r>
+              <a:rPr lang="en-US" altLang="zh-TW" dirty="0" err="1"/>
+              <a:t>X_test</a:t>
             </a:r>
             <a:r>
               <a:rPr lang="en-US" altLang="zh-TW" dirty="0"/>
               <a:t>)</a:t>
-            </a:r>
-          </a:p>
-          <a:p>
-            <a:r>
-              <a:rPr lang="en-US" altLang="zh-TW" dirty="0" err="1"/>
-              <a:t>regr.coef</a:t>
-            </a:r>
-            <a:r>
-              <a:rPr lang="en-US" altLang="zh-TW" dirty="0"/>
-              <a:t>_</a:t>
-            </a:r>
-          </a:p>
-          <a:p>
-            <a:r>
-              <a:rPr lang="en-US" altLang="zh-TW" dirty="0" err="1"/>
-              <a:t>regr.intercept</a:t>
-            </a:r>
-            <a:r>
-              <a:rPr lang="en-US" altLang="zh-TW" dirty="0"/>
-              <a:t>_</a:t>
-            </a:r>
-          </a:p>
-          <a:p>
-            <a:r>
-              <a:rPr lang="en-US" altLang="zh-TW" dirty="0" err="1"/>
-              <a:t>regr.score</a:t>
-            </a:r>
-            <a:r>
-              <a:rPr lang="en-US" altLang="zh-TW" dirty="0"/>
-              <a:t>(</a:t>
-            </a:r>
-            <a:r>
-              <a:rPr lang="en-US" altLang="zh-TW" dirty="0" err="1"/>
-              <a:t>X_train,Y_train</a:t>
-            </a:r>
-            <a:r>
-              <a:rPr lang="en-US" altLang="zh-TW" dirty="0"/>
-              <a:t>)</a:t>
-            </a:r>
-          </a:p>
-          <a:p>
-            <a:r>
-              <a:rPr lang="en-US" altLang="zh-TW" dirty="0" err="1"/>
-              <a:t>y_test</a:t>
-            </a:r>
-            <a:r>
-              <a:rPr lang="en-US" altLang="zh-TW" dirty="0"/>
-              <a:t>=</a:t>
-            </a:r>
-            <a:r>
-              <a:rPr lang="en-US" altLang="zh-TW" dirty="0" err="1"/>
-              <a:t>regr.predict</a:t>
-            </a:r>
-            <a:r>
-              <a:rPr lang="en-US" altLang="zh-TW" dirty="0"/>
-              <a:t>(</a:t>
-            </a:r>
-            <a:r>
-              <a:rPr lang="en-US" altLang="zh-TW" dirty="0" err="1"/>
-              <a:t>X_valid</a:t>
-            </a:r>
-            <a:r>
-              <a:rPr lang="en-US" altLang="zh-TW" dirty="0"/>
-              <a:t>)</a:t>
-            </a:r>
-          </a:p>
-          <a:p>
-            <a:r>
-              <a:rPr lang="en-US" altLang="zh-TW" dirty="0"/>
-              <a:t>((</a:t>
-            </a:r>
-            <a:r>
-              <a:rPr lang="en-US" altLang="zh-TW" dirty="0" err="1"/>
-              <a:t>Y_valid</a:t>
-            </a:r>
-            <a:r>
-              <a:rPr lang="en-US" altLang="zh-TW" dirty="0"/>
-              <a:t> - </a:t>
-            </a:r>
-            <a:r>
-              <a:rPr lang="en-US" altLang="zh-TW" dirty="0" err="1"/>
-              <a:t>regr.predict</a:t>
-            </a:r>
-            <a:r>
-              <a:rPr lang="en-US" altLang="zh-TW" dirty="0"/>
-              <a:t>(</a:t>
-            </a:r>
-            <a:r>
-              <a:rPr lang="en-US" altLang="zh-TW" dirty="0" err="1"/>
-              <a:t>X_valid</a:t>
-            </a:r>
-            <a:r>
-              <a:rPr lang="en-US" altLang="zh-TW" dirty="0"/>
-              <a:t>))**2).sum()</a:t>
-            </a:r>
-          </a:p>
-          <a:p>
-            <a:r>
-              <a:rPr lang="en-US" altLang="zh-TW" dirty="0"/>
-              <a:t>final=</a:t>
-            </a:r>
-            <a:r>
-              <a:rPr lang="en-US" altLang="zh-TW" dirty="0" err="1"/>
-              <a:t>regr.predict</a:t>
-            </a:r>
-            <a:r>
-              <a:rPr lang="en-US" altLang="zh-TW" dirty="0"/>
-              <a:t>(</a:t>
-            </a:r>
-            <a:r>
-              <a:rPr lang="en-US" altLang="zh-TW" dirty="0" err="1"/>
-              <a:t>X_test</a:t>
-            </a:r>
-            <a:r>
-              <a:rPr lang="en-US" altLang="zh-TW" dirty="0"/>
-              <a:t>)</a:t>
-            </a:r>
-          </a:p>
-          <a:p>
-            <a:r>
-              <a:rPr lang="en-US" altLang="zh-TW" dirty="0"/>
-              <a:t>final=</a:t>
-            </a:r>
-            <a:r>
-              <a:rPr lang="en-US" altLang="zh-TW" dirty="0" err="1"/>
-              <a:t>pd.DataFrame</a:t>
-            </a:r>
-            <a:r>
-              <a:rPr lang="en-US" altLang="zh-TW" dirty="0"/>
-              <a:t>(final)</a:t>
             </a:r>
             <a:endParaRPr lang="zh-TW" altLang="en-US" dirty="0"/>
           </a:p>
@@ -9870,7 +12937,7 @@
     </p:spTree>
     <p:extLst>
       <p:ext uri="{BB962C8B-B14F-4D97-AF65-F5344CB8AC3E}">
-        <p14:creationId xmlns:p14="http://schemas.microsoft.com/office/powerpoint/2010/main" val="1379053409"/>
+        <p14:creationId xmlns:p14="http://schemas.microsoft.com/office/powerpoint/2010/main" val="2972229758"/>
       </p:ext>
     </p:extLst>
   </p:cSld>
@@ -9921,103 +12988,222 @@
           <a:p>
             <a:r>
               <a:rPr lang="zh-TW" altLang="en-US" dirty="0" smtClean="0"/>
-              <a:t>沒用模型預測的結果</a:t>
-            </a:r>
+              <a:t>第一次</a:t>
+            </a:r>
+            <a:r>
+              <a:rPr lang="en-US" altLang="zh-TW" dirty="0" smtClean="0"/>
+              <a:t>(</a:t>
+            </a:r>
+            <a:r>
+              <a:rPr lang="zh-TW" altLang="en-US" dirty="0" smtClean="0"/>
+              <a:t>沒有用模型預測</a:t>
+            </a:r>
+            <a:r>
+              <a:rPr lang="en-US" altLang="zh-TW" dirty="0" smtClean="0"/>
+              <a:t>)</a:t>
+            </a:r>
+            <a:br>
+              <a:rPr lang="en-US" altLang="zh-TW" dirty="0" smtClean="0"/>
+            </a:br>
             <a:endParaRPr lang="zh-TW" altLang="en-US" dirty="0"/>
           </a:p>
         </p:txBody>
       </p:sp>
-      <p:pic>
-        <p:nvPicPr>
-          <p:cNvPr id="4" name="內容版面配置區 3"/>
-          <p:cNvPicPr>
-            <a:picLocks noGrp="1" noChangeAspect="1"/>
-          </p:cNvPicPr>
+      <p:sp>
+        <p:nvSpPr>
+          <p:cNvPr id="3" name="內容版面配置區 2"/>
+          <p:cNvSpPr>
+            <a:spLocks noGrp="1"/>
+          </p:cNvSpPr>
           <p:nvPr>
             <p:ph idx="1"/>
           </p:nvPr>
-        </p:nvPicPr>
-        <p:blipFill rotWithShape="1">
-          <a:blip r:embed="rId2"/>
-          <a:srcRect t="30763" b="61099"/>
-          <a:stretch/>
-        </p:blipFill>
-        <p:spPr>
-          <a:xfrm>
-            <a:off x="2604736" y="2447109"/>
-            <a:ext cx="7800621" cy="783772"/>
-          </a:xfrm>
-          <a:prstGeom prst="rect">
-            <a:avLst/>
-          </a:prstGeom>
-        </p:spPr>
-      </p:pic>
-      <p:sp>
-        <p:nvSpPr>
-          <p:cNvPr id="6" name="文字方塊 5"/>
-          <p:cNvSpPr txBox="1"/>
-          <p:nvPr/>
-        </p:nvSpPr>
-        <p:spPr>
-          <a:xfrm>
-            <a:off x="6801983" y="4511040"/>
-            <a:ext cx="4702629" cy="369332"/>
-          </a:xfrm>
-          <a:prstGeom prst="rect">
-            <a:avLst/>
-          </a:prstGeom>
-          <a:noFill/>
-        </p:spPr>
+        </p:nvSpPr>
+        <p:spPr/>
         <p:txBody>
-          <a:bodyPr wrap="square" rtlCol="0">
-            <a:spAutoFit/>
-          </a:bodyPr>
+          <a:bodyPr/>
           <a:lstStyle/>
           <a:p>
             <a:r>
-              <a:rPr lang="zh-TW" altLang="en-US" dirty="0" smtClean="0">
-                <a:solidFill>
-                  <a:srgbClr val="FF0000"/>
-                </a:solidFill>
-              </a:rPr>
-              <a:t>沒用模型去預測的情況下</a:t>
-            </a:r>
-            <a:r>
-              <a:rPr lang="en-US" altLang="zh-TW" dirty="0" smtClean="0">
-                <a:solidFill>
-                  <a:srgbClr val="FF0000"/>
-                </a:solidFill>
-              </a:rPr>
-              <a:t>MAE</a:t>
-            </a:r>
-            <a:r>
-              <a:rPr lang="zh-TW" altLang="en-US" dirty="0" smtClean="0">
-                <a:solidFill>
-                  <a:srgbClr val="FF0000"/>
-                </a:solidFill>
-              </a:rPr>
-              <a:t>只有</a:t>
-            </a:r>
-            <a:r>
-              <a:rPr lang="en-US" altLang="zh-TW" dirty="0" smtClean="0">
-                <a:solidFill>
-                  <a:srgbClr val="FF0000"/>
-                </a:solidFill>
-              </a:rPr>
-              <a:t>127822</a:t>
-            </a:r>
-            <a:endParaRPr lang="zh-TW" altLang="en-US" dirty="0">
-              <a:solidFill>
-                <a:srgbClr val="FF0000"/>
-              </a:solidFill>
-            </a:endParaRPr>
+              <a:rPr lang="en-US" altLang="zh-TW" dirty="0" err="1"/>
+              <a:t>regr</a:t>
+            </a:r>
+            <a:r>
+              <a:rPr lang="en-US" altLang="zh-TW" dirty="0"/>
+              <a:t> = </a:t>
+            </a:r>
+            <a:r>
+              <a:rPr lang="en-US" altLang="zh-TW" dirty="0" err="1"/>
+              <a:t>LinearRegression</a:t>
+            </a:r>
+            <a:r>
+              <a:rPr lang="en-US" altLang="zh-TW" dirty="0"/>
+              <a:t>()</a:t>
+            </a:r>
+          </a:p>
+          <a:p>
+            <a:r>
+              <a:rPr lang="en-US" altLang="zh-TW" dirty="0" err="1"/>
+              <a:t>regr.fit</a:t>
+            </a:r>
+            <a:r>
+              <a:rPr lang="en-US" altLang="zh-TW" dirty="0"/>
+              <a:t>(</a:t>
+            </a:r>
+            <a:r>
+              <a:rPr lang="en-US" altLang="zh-TW" dirty="0" err="1"/>
+              <a:t>X_train</a:t>
+            </a:r>
+            <a:r>
+              <a:rPr lang="en-US" altLang="zh-TW" dirty="0"/>
+              <a:t>, </a:t>
+            </a:r>
+            <a:r>
+              <a:rPr lang="en-US" altLang="zh-TW" dirty="0" err="1"/>
+              <a:t>Y_train</a:t>
+            </a:r>
+            <a:r>
+              <a:rPr lang="en-US" altLang="zh-TW" dirty="0"/>
+              <a:t>)</a:t>
+            </a:r>
+          </a:p>
+          <a:p>
+            <a:r>
+              <a:rPr lang="en-US" altLang="zh-TW" dirty="0" err="1"/>
+              <a:t>regr.coef</a:t>
+            </a:r>
+            <a:r>
+              <a:rPr lang="en-US" altLang="zh-TW" dirty="0"/>
+              <a:t>_</a:t>
+            </a:r>
+          </a:p>
+          <a:p>
+            <a:r>
+              <a:rPr lang="en-US" altLang="zh-TW" dirty="0" err="1"/>
+              <a:t>regr.intercept</a:t>
+            </a:r>
+            <a:r>
+              <a:rPr lang="en-US" altLang="zh-TW" dirty="0"/>
+              <a:t>_</a:t>
+            </a:r>
+          </a:p>
+          <a:p>
+            <a:r>
+              <a:rPr lang="en-US" altLang="zh-TW" dirty="0" err="1"/>
+              <a:t>regr.score</a:t>
+            </a:r>
+            <a:r>
+              <a:rPr lang="en-US" altLang="zh-TW" dirty="0"/>
+              <a:t>(</a:t>
+            </a:r>
+            <a:r>
+              <a:rPr lang="en-US" altLang="zh-TW" dirty="0" err="1"/>
+              <a:t>X_train,Y_train</a:t>
+            </a:r>
+            <a:r>
+              <a:rPr lang="en-US" altLang="zh-TW" dirty="0"/>
+              <a:t>)</a:t>
+            </a:r>
+          </a:p>
+          <a:p>
+            <a:r>
+              <a:rPr lang="en-US" altLang="zh-TW" dirty="0" err="1"/>
+              <a:t>y_test</a:t>
+            </a:r>
+            <a:r>
+              <a:rPr lang="en-US" altLang="zh-TW" dirty="0"/>
+              <a:t>=</a:t>
+            </a:r>
+            <a:r>
+              <a:rPr lang="en-US" altLang="zh-TW" dirty="0" err="1"/>
+              <a:t>regr.predict</a:t>
+            </a:r>
+            <a:r>
+              <a:rPr lang="en-US" altLang="zh-TW" dirty="0"/>
+              <a:t>(</a:t>
+            </a:r>
+            <a:r>
+              <a:rPr lang="en-US" altLang="zh-TW" dirty="0" err="1"/>
+              <a:t>X_valid</a:t>
+            </a:r>
+            <a:r>
+              <a:rPr lang="en-US" altLang="zh-TW" dirty="0"/>
+              <a:t>)</a:t>
+            </a:r>
+          </a:p>
+          <a:p>
+            <a:r>
+              <a:rPr lang="en-US" altLang="zh-TW" dirty="0"/>
+              <a:t>((</a:t>
+            </a:r>
+            <a:r>
+              <a:rPr lang="en-US" altLang="zh-TW" dirty="0" err="1"/>
+              <a:t>Y_valid</a:t>
+            </a:r>
+            <a:r>
+              <a:rPr lang="en-US" altLang="zh-TW" dirty="0"/>
+              <a:t> - </a:t>
+            </a:r>
+            <a:r>
+              <a:rPr lang="en-US" altLang="zh-TW" dirty="0" err="1"/>
+              <a:t>regr.predict</a:t>
+            </a:r>
+            <a:r>
+              <a:rPr lang="en-US" altLang="zh-TW" dirty="0"/>
+              <a:t>(</a:t>
+            </a:r>
+            <a:r>
+              <a:rPr lang="en-US" altLang="zh-TW" dirty="0" err="1"/>
+              <a:t>X_valid</a:t>
+            </a:r>
+            <a:r>
+              <a:rPr lang="en-US" altLang="zh-TW" dirty="0"/>
+              <a:t>))**2).sum()</a:t>
+            </a:r>
+          </a:p>
+          <a:p>
+            <a:r>
+              <a:rPr lang="en-US" altLang="zh-TW" dirty="0"/>
+              <a:t>final=</a:t>
+            </a:r>
+            <a:r>
+              <a:rPr lang="en-US" altLang="zh-TW" dirty="0" err="1"/>
+              <a:t>regr.predict</a:t>
+            </a:r>
+            <a:r>
+              <a:rPr lang="en-US" altLang="zh-TW" dirty="0"/>
+              <a:t>(</a:t>
+            </a:r>
+            <a:r>
+              <a:rPr lang="en-US" altLang="zh-TW" dirty="0" err="1"/>
+              <a:t>X_test</a:t>
+            </a:r>
+            <a:r>
+              <a:rPr lang="en-US" altLang="zh-TW" dirty="0"/>
+              <a:t>)</a:t>
+            </a:r>
+          </a:p>
+          <a:p>
+            <a:r>
+              <a:rPr lang="en-US" altLang="zh-TW" dirty="0"/>
+              <a:t>final=</a:t>
+            </a:r>
+            <a:r>
+              <a:rPr lang="en-US" altLang="zh-TW" dirty="0" err="1"/>
+              <a:t>pd.DataFrame</a:t>
+            </a:r>
+            <a:r>
+              <a:rPr lang="en-US" altLang="zh-TW" dirty="0"/>
+              <a:t>(final)</a:t>
+            </a:r>
+            <a:endParaRPr lang="zh-TW" altLang="en-US" dirty="0"/>
           </a:p>
         </p:txBody>
       </p:sp>
     </p:spTree>
     <p:extLst>
       <p:ext uri="{BB962C8B-B14F-4D97-AF65-F5344CB8AC3E}">
-        <p14:creationId xmlns:p14="http://schemas.microsoft.com/office/powerpoint/2010/main" val="998334251"/>
+        <p14:creationId xmlns:p14="http://schemas.microsoft.com/office/powerpoint/2010/main" val="1379053409"/>
       </p:ext>
     </p:extLst>
   </p:cSld>
@@ -10068,264 +13254,103 @@
           <a:p>
             <a:r>
               <a:rPr lang="zh-TW" altLang="en-US" dirty="0" smtClean="0"/>
-              <a:t>訓練</a:t>
-            </a:r>
-            <a:r>
-              <a:rPr lang="zh-TW" altLang="en-US" dirty="0"/>
-              <a:t>模型</a:t>
-            </a:r>
+              <a:t>沒用模型預測的結果</a:t>
+            </a:r>
+            <a:endParaRPr lang="zh-TW" altLang="en-US" dirty="0"/>
           </a:p>
         </p:txBody>
       </p:sp>
-      <p:sp>
-        <p:nvSpPr>
-          <p:cNvPr id="3" name="內容版面配置區 2"/>
-          <p:cNvSpPr>
-            <a:spLocks noGrp="1"/>
-          </p:cNvSpPr>
+      <p:pic>
+        <p:nvPicPr>
+          <p:cNvPr id="4" name="內容版面配置區 3"/>
+          <p:cNvPicPr>
+            <a:picLocks noGrp="1" noChangeAspect="1"/>
+          </p:cNvPicPr>
           <p:nvPr>
             <p:ph idx="1"/>
           </p:nvPr>
-        </p:nvSpPr>
-        <p:spPr/>
+        </p:nvPicPr>
+        <p:blipFill rotWithShape="1">
+          <a:blip r:embed="rId2"/>
+          <a:srcRect t="30763" b="61099"/>
+          <a:stretch/>
+        </p:blipFill>
+        <p:spPr>
+          <a:xfrm>
+            <a:off x="2604736" y="2447109"/>
+            <a:ext cx="7800621" cy="783772"/>
+          </a:xfrm>
+          <a:prstGeom prst="rect">
+            <a:avLst/>
+          </a:prstGeom>
+        </p:spPr>
+      </p:pic>
+      <p:sp>
+        <p:nvSpPr>
+          <p:cNvPr id="6" name="文字方塊 5"/>
+          <p:cNvSpPr txBox="1"/>
+          <p:nvPr/>
+        </p:nvSpPr>
+        <p:spPr>
+          <a:xfrm>
+            <a:off x="6801983" y="4511040"/>
+            <a:ext cx="4702629" cy="369332"/>
+          </a:xfrm>
+          <a:prstGeom prst="rect">
+            <a:avLst/>
+          </a:prstGeom>
+          <a:noFill/>
+        </p:spPr>
         <p:txBody>
-          <a:bodyPr/>
+          <a:bodyPr wrap="square" rtlCol="0">
+            <a:spAutoFit/>
+          </a:bodyPr>
           <a:lstStyle/>
           <a:p>
             <a:r>
-              <a:rPr lang="en-US" altLang="zh-TW" dirty="0"/>
-              <a:t>model = Sequential() </a:t>
-            </a:r>
-          </a:p>
-          <a:p>
-            <a:r>
-              <a:rPr lang="en-US" altLang="zh-TW" dirty="0" err="1"/>
-              <a:t>model.add</a:t>
-            </a:r>
-            <a:r>
-              <a:rPr lang="en-US" altLang="zh-TW" dirty="0"/>
-              <a:t>(Dense(40, </a:t>
-            </a:r>
-            <a:r>
-              <a:rPr lang="en-US" altLang="zh-TW" dirty="0" err="1"/>
-              <a:t>input_dim</a:t>
-            </a:r>
-            <a:r>
-              <a:rPr lang="en-US" altLang="zh-TW" dirty="0"/>
-              <a:t>=</a:t>
-            </a:r>
-            <a:r>
-              <a:rPr lang="en-US" altLang="zh-TW" dirty="0" err="1"/>
-              <a:t>X_train.shape</a:t>
-            </a:r>
-            <a:r>
-              <a:rPr lang="en-US" altLang="zh-TW" dirty="0"/>
-              <a:t>[1],  </a:t>
-            </a:r>
-            <a:r>
-              <a:rPr lang="en-US" altLang="zh-TW" dirty="0" err="1"/>
-              <a:t>kernel_initializer</a:t>
-            </a:r>
-            <a:r>
-              <a:rPr lang="en-US" altLang="zh-TW" dirty="0"/>
-              <a:t>='</a:t>
-            </a:r>
-            <a:r>
-              <a:rPr lang="en-US" altLang="zh-TW" dirty="0" err="1"/>
-              <a:t>normal',activation</a:t>
-            </a:r>
-            <a:r>
-              <a:rPr lang="en-US" altLang="zh-TW" dirty="0"/>
-              <a:t>='</a:t>
-            </a:r>
-            <a:r>
-              <a:rPr lang="en-US" altLang="zh-TW" dirty="0" err="1"/>
-              <a:t>relu</a:t>
-            </a:r>
-            <a:r>
-              <a:rPr lang="en-US" altLang="zh-TW" dirty="0"/>
-              <a:t>')) </a:t>
-            </a:r>
-          </a:p>
-          <a:p>
-            <a:r>
-              <a:rPr lang="en-US" altLang="zh-TW" dirty="0" err="1"/>
-              <a:t>model.add</a:t>
-            </a:r>
-            <a:r>
-              <a:rPr lang="en-US" altLang="zh-TW" dirty="0"/>
-              <a:t>(Dense(80, </a:t>
-            </a:r>
-            <a:r>
-              <a:rPr lang="en-US" altLang="zh-TW" dirty="0" err="1"/>
-              <a:t>kernel_initializer</a:t>
-            </a:r>
-            <a:r>
-              <a:rPr lang="en-US" altLang="zh-TW" dirty="0"/>
-              <a:t>='</a:t>
-            </a:r>
-            <a:r>
-              <a:rPr lang="en-US" altLang="zh-TW" dirty="0" err="1"/>
-              <a:t>normal',activation</a:t>
-            </a:r>
-            <a:r>
-              <a:rPr lang="en-US" altLang="zh-TW" dirty="0"/>
-              <a:t>='</a:t>
-            </a:r>
-            <a:r>
-              <a:rPr lang="en-US" altLang="zh-TW" dirty="0" err="1"/>
-              <a:t>relu</a:t>
-            </a:r>
-            <a:r>
-              <a:rPr lang="en-US" altLang="zh-TW" dirty="0"/>
-              <a:t>')) </a:t>
-            </a:r>
-          </a:p>
-          <a:p>
-            <a:r>
-              <a:rPr lang="en-US" altLang="zh-TW" dirty="0" err="1"/>
-              <a:t>model.add</a:t>
-            </a:r>
-            <a:r>
-              <a:rPr lang="en-US" altLang="zh-TW" dirty="0"/>
-              <a:t>(Dense(100, </a:t>
-            </a:r>
-            <a:r>
-              <a:rPr lang="en-US" altLang="zh-TW" dirty="0" err="1"/>
-              <a:t>kernel_initializer</a:t>
-            </a:r>
-            <a:r>
-              <a:rPr lang="en-US" altLang="zh-TW" dirty="0"/>
-              <a:t>='</a:t>
-            </a:r>
-            <a:r>
-              <a:rPr lang="en-US" altLang="zh-TW" dirty="0" err="1"/>
-              <a:t>normal',activation</a:t>
-            </a:r>
-            <a:r>
-              <a:rPr lang="en-US" altLang="zh-TW" dirty="0"/>
-              <a:t>='</a:t>
-            </a:r>
-            <a:r>
-              <a:rPr lang="en-US" altLang="zh-TW" dirty="0" err="1"/>
-              <a:t>relu</a:t>
-            </a:r>
-            <a:r>
-              <a:rPr lang="en-US" altLang="zh-TW" dirty="0"/>
-              <a:t>')) </a:t>
-            </a:r>
-          </a:p>
-          <a:p>
-            <a:r>
-              <a:rPr lang="en-US" altLang="zh-TW" dirty="0" err="1"/>
-              <a:t>model.add</a:t>
-            </a:r>
-            <a:r>
-              <a:rPr lang="en-US" altLang="zh-TW" dirty="0"/>
-              <a:t>(Dense(80, </a:t>
-            </a:r>
-            <a:r>
-              <a:rPr lang="en-US" altLang="zh-TW" dirty="0" err="1"/>
-              <a:t>kernel_initializer</a:t>
-            </a:r>
-            <a:r>
-              <a:rPr lang="en-US" altLang="zh-TW" dirty="0"/>
-              <a:t>='</a:t>
-            </a:r>
-            <a:r>
-              <a:rPr lang="en-US" altLang="zh-TW" dirty="0" err="1"/>
-              <a:t>normal',activation</a:t>
-            </a:r>
-            <a:r>
-              <a:rPr lang="en-US" altLang="zh-TW" dirty="0"/>
-              <a:t>='</a:t>
-            </a:r>
-            <a:r>
-              <a:rPr lang="en-US" altLang="zh-TW" dirty="0" err="1"/>
-              <a:t>relu</a:t>
-            </a:r>
-            <a:r>
-              <a:rPr lang="en-US" altLang="zh-TW" dirty="0"/>
-              <a:t>')) </a:t>
-            </a:r>
-          </a:p>
-          <a:p>
-            <a:r>
-              <a:rPr lang="en-US" altLang="zh-TW" dirty="0" err="1"/>
-              <a:t>model.add</a:t>
-            </a:r>
-            <a:r>
-              <a:rPr lang="en-US" altLang="zh-TW" dirty="0"/>
-              <a:t>(Dense(40, </a:t>
-            </a:r>
-            <a:r>
-              <a:rPr lang="en-US" altLang="zh-TW" dirty="0" err="1"/>
-              <a:t>kernel_initializer</a:t>
-            </a:r>
-            <a:r>
-              <a:rPr lang="en-US" altLang="zh-TW" dirty="0"/>
-              <a:t>='</a:t>
-            </a:r>
-            <a:r>
-              <a:rPr lang="en-US" altLang="zh-TW" dirty="0" err="1"/>
-              <a:t>normal',activation</a:t>
-            </a:r>
-            <a:r>
-              <a:rPr lang="en-US" altLang="zh-TW" dirty="0"/>
-              <a:t>='</a:t>
-            </a:r>
-            <a:r>
-              <a:rPr lang="en-US" altLang="zh-TW" dirty="0" err="1"/>
-              <a:t>relu</a:t>
-            </a:r>
-            <a:r>
-              <a:rPr lang="en-US" altLang="zh-TW" dirty="0"/>
-              <a:t>')) </a:t>
-            </a:r>
-          </a:p>
-          <a:p>
-            <a:r>
-              <a:rPr lang="en-US" altLang="zh-TW" dirty="0" err="1"/>
-              <a:t>model.add</a:t>
-            </a:r>
-            <a:r>
-              <a:rPr lang="en-US" altLang="zh-TW" dirty="0"/>
-              <a:t>(Dense(1,  </a:t>
-            </a:r>
-            <a:r>
-              <a:rPr lang="en-US" altLang="zh-TW" dirty="0" err="1"/>
-              <a:t>kernel_initializer</a:t>
-            </a:r>
-            <a:r>
-              <a:rPr lang="en-US" altLang="zh-TW" dirty="0"/>
-              <a:t>='normal'))</a:t>
-            </a:r>
-          </a:p>
-          <a:p>
-            <a:r>
-              <a:rPr lang="en-US" altLang="zh-TW" dirty="0" err="1"/>
-              <a:t>model.compile</a:t>
-            </a:r>
-            <a:r>
-              <a:rPr lang="en-US" altLang="zh-TW" dirty="0"/>
-              <a:t>(loss='MAE', optimizer='</a:t>
-            </a:r>
-            <a:r>
-              <a:rPr lang="en-US" altLang="zh-TW" dirty="0" err="1"/>
-              <a:t>adam</a:t>
-            </a:r>
-            <a:r>
-              <a:rPr lang="en-US" altLang="zh-TW" dirty="0"/>
-              <a:t>')</a:t>
-            </a:r>
-            <a:endParaRPr lang="zh-TW" altLang="en-US" dirty="0"/>
+              <a:rPr lang="zh-TW" altLang="en-US" dirty="0" smtClean="0">
+                <a:solidFill>
+                  <a:srgbClr val="FF0000"/>
+                </a:solidFill>
+              </a:rPr>
+              <a:t>沒用模型去預測的情況下</a:t>
+            </a:r>
+            <a:r>
+              <a:rPr lang="en-US" altLang="zh-TW" dirty="0" smtClean="0">
+                <a:solidFill>
+                  <a:srgbClr val="FF0000"/>
+                </a:solidFill>
+              </a:rPr>
+              <a:t>MAE</a:t>
+            </a:r>
+            <a:r>
+              <a:rPr lang="zh-TW" altLang="en-US" dirty="0" smtClean="0">
+                <a:solidFill>
+                  <a:srgbClr val="FF0000"/>
+                </a:solidFill>
+              </a:rPr>
+              <a:t>只有</a:t>
+            </a:r>
+            <a:r>
+              <a:rPr lang="en-US" altLang="zh-TW" dirty="0" smtClean="0">
+                <a:solidFill>
+                  <a:srgbClr val="FF0000"/>
+                </a:solidFill>
+              </a:rPr>
+              <a:t>127822</a:t>
+            </a:r>
+            <a:endParaRPr lang="zh-TW" altLang="en-US" dirty="0">
+              <a:solidFill>
+                <a:srgbClr val="FF0000"/>
+              </a:solidFill>
+            </a:endParaRPr>
           </a:p>
         </p:txBody>
       </p:sp>
     </p:spTree>
     <p:extLst>
       <p:ext uri="{BB962C8B-B14F-4D97-AF65-F5344CB8AC3E}">
-        <p14:creationId xmlns:p14="http://schemas.microsoft.com/office/powerpoint/2010/main" val="2439530957"/>
+        <p14:creationId xmlns:p14="http://schemas.microsoft.com/office/powerpoint/2010/main" val="998334251"/>
       </p:ext>
     </p:extLst>
   </p:cSld>
